--- a/Presentation.pptx
+++ b/Presentation.pptx
@@ -113,6 +113,11 @@
       </a:defRPr>
     </a:lvl9pPr>
   </p:defaultTextStyle>
+  <p:extLst>
+    <p:ext uri="{EFAFB233-063F-42B5-8137-9DF3F51BA10A}">
+      <p15:sldGuideLst xmlns:p15="http://schemas.microsoft.com/office/powerpoint/2012/main"/>
+    </p:ext>
+  </p:extLst>
 </p:presentation>
 </file>
 
@@ -138,7 +143,7 @@
           <p:cNvPr id="2" name="Title 1">
             <a:extLst>
               <a:ext uri="{FF2B5EF4-FFF2-40B4-BE49-F238E27FC236}">
-                <a16:creationId xmlns:a16="http://schemas.microsoft.com/office/drawing/2014/main" id="{838DFA02-0815-5FC1-A551-A04F0F0EA8AA}"/>
+                <a16:creationId xmlns:a16="http://schemas.microsoft.com/office/drawing/2014/main" xmlns="" id="{838DFA02-0815-5FC1-A551-A04F0F0EA8AA}"/>
               </a:ext>
             </a:extLst>
           </p:cNvPr>
@@ -176,7 +181,7 @@
           <p:cNvPr id="3" name="Subtitle 2">
             <a:extLst>
               <a:ext uri="{FF2B5EF4-FFF2-40B4-BE49-F238E27FC236}">
-                <a16:creationId xmlns:a16="http://schemas.microsoft.com/office/drawing/2014/main" id="{A4A5F32D-D3FA-43DF-980F-841373DC3ECC}"/>
+                <a16:creationId xmlns:a16="http://schemas.microsoft.com/office/drawing/2014/main" xmlns="" id="{A4A5F32D-D3FA-43DF-980F-841373DC3ECC}"/>
               </a:ext>
             </a:extLst>
           </p:cNvPr>
@@ -247,7 +252,7 @@
           <p:cNvPr id="4" name="Date Placeholder 3">
             <a:extLst>
               <a:ext uri="{FF2B5EF4-FFF2-40B4-BE49-F238E27FC236}">
-                <a16:creationId xmlns:a16="http://schemas.microsoft.com/office/drawing/2014/main" id="{351D1744-FC91-E90D-751F-40575ABE0C34}"/>
+                <a16:creationId xmlns:a16="http://schemas.microsoft.com/office/drawing/2014/main" xmlns="" id="{351D1744-FC91-E90D-751F-40575ABE0C34}"/>
               </a:ext>
             </a:extLst>
           </p:cNvPr>
@@ -276,7 +281,7 @@
           <p:cNvPr id="5" name="Footer Placeholder 4">
             <a:extLst>
               <a:ext uri="{FF2B5EF4-FFF2-40B4-BE49-F238E27FC236}">
-                <a16:creationId xmlns:a16="http://schemas.microsoft.com/office/drawing/2014/main" id="{2F2AC6AD-757C-FF86-0801-722B55BE4565}"/>
+                <a16:creationId xmlns:a16="http://schemas.microsoft.com/office/drawing/2014/main" xmlns="" id="{2F2AC6AD-757C-FF86-0801-722B55BE4565}"/>
               </a:ext>
             </a:extLst>
           </p:cNvPr>
@@ -301,7 +306,7 @@
           <p:cNvPr id="6" name="Slide Number Placeholder 5">
             <a:extLst>
               <a:ext uri="{FF2B5EF4-FFF2-40B4-BE49-F238E27FC236}">
-                <a16:creationId xmlns:a16="http://schemas.microsoft.com/office/drawing/2014/main" id="{B7B50569-C460-06A9-25BE-C0A22201A5FF}"/>
+                <a16:creationId xmlns:a16="http://schemas.microsoft.com/office/drawing/2014/main" xmlns="" id="{B7B50569-C460-06A9-25BE-C0A22201A5FF}"/>
               </a:ext>
             </a:extLst>
           </p:cNvPr>
@@ -360,7 +365,7 @@
           <p:cNvPr id="2" name="Title 1">
             <a:extLst>
               <a:ext uri="{FF2B5EF4-FFF2-40B4-BE49-F238E27FC236}">
-                <a16:creationId xmlns:a16="http://schemas.microsoft.com/office/drawing/2014/main" id="{534B67B7-D695-C083-E754-2C2435B27523}"/>
+                <a16:creationId xmlns:a16="http://schemas.microsoft.com/office/drawing/2014/main" xmlns="" id="{534B67B7-D695-C083-E754-2C2435B27523}"/>
               </a:ext>
             </a:extLst>
           </p:cNvPr>
@@ -389,7 +394,7 @@
           <p:cNvPr id="3" name="Vertical Text Placeholder 2">
             <a:extLst>
               <a:ext uri="{FF2B5EF4-FFF2-40B4-BE49-F238E27FC236}">
-                <a16:creationId xmlns:a16="http://schemas.microsoft.com/office/drawing/2014/main" id="{3D928E18-539B-28B9-763F-7B0FA4AEA960}"/>
+                <a16:creationId xmlns:a16="http://schemas.microsoft.com/office/drawing/2014/main" xmlns="" id="{3D928E18-539B-28B9-763F-7B0FA4AEA960}"/>
               </a:ext>
             </a:extLst>
           </p:cNvPr>
@@ -447,7 +452,7 @@
           <p:cNvPr id="4" name="Date Placeholder 3">
             <a:extLst>
               <a:ext uri="{FF2B5EF4-FFF2-40B4-BE49-F238E27FC236}">
-                <a16:creationId xmlns:a16="http://schemas.microsoft.com/office/drawing/2014/main" id="{7CB41EC9-C377-9CE4-7998-6436EB71EB34}"/>
+                <a16:creationId xmlns:a16="http://schemas.microsoft.com/office/drawing/2014/main" xmlns="" id="{7CB41EC9-C377-9CE4-7998-6436EB71EB34}"/>
               </a:ext>
             </a:extLst>
           </p:cNvPr>
@@ -476,7 +481,7 @@
           <p:cNvPr id="5" name="Footer Placeholder 4">
             <a:extLst>
               <a:ext uri="{FF2B5EF4-FFF2-40B4-BE49-F238E27FC236}">
-                <a16:creationId xmlns:a16="http://schemas.microsoft.com/office/drawing/2014/main" id="{4E9ACFD3-4103-5E3C-0E9D-46E8C24E9DCD}"/>
+                <a16:creationId xmlns:a16="http://schemas.microsoft.com/office/drawing/2014/main" xmlns="" id="{4E9ACFD3-4103-5E3C-0E9D-46E8C24E9DCD}"/>
               </a:ext>
             </a:extLst>
           </p:cNvPr>
@@ -501,7 +506,7 @@
           <p:cNvPr id="6" name="Slide Number Placeholder 5">
             <a:extLst>
               <a:ext uri="{FF2B5EF4-FFF2-40B4-BE49-F238E27FC236}">
-                <a16:creationId xmlns:a16="http://schemas.microsoft.com/office/drawing/2014/main" id="{875EEBA2-86F2-87A7-B35D-B36F3EABE08C}"/>
+                <a16:creationId xmlns:a16="http://schemas.microsoft.com/office/drawing/2014/main" xmlns="" id="{875EEBA2-86F2-87A7-B35D-B36F3EABE08C}"/>
               </a:ext>
             </a:extLst>
           </p:cNvPr>
@@ -560,7 +565,7 @@
           <p:cNvPr id="2" name="Vertical Title 1">
             <a:extLst>
               <a:ext uri="{FF2B5EF4-FFF2-40B4-BE49-F238E27FC236}">
-                <a16:creationId xmlns:a16="http://schemas.microsoft.com/office/drawing/2014/main" id="{1FC96069-F8CF-A197-DE4E-30A66C6519B2}"/>
+                <a16:creationId xmlns:a16="http://schemas.microsoft.com/office/drawing/2014/main" xmlns="" id="{1FC96069-F8CF-A197-DE4E-30A66C6519B2}"/>
               </a:ext>
             </a:extLst>
           </p:cNvPr>
@@ -594,7 +599,7 @@
           <p:cNvPr id="3" name="Vertical Text Placeholder 2">
             <a:extLst>
               <a:ext uri="{FF2B5EF4-FFF2-40B4-BE49-F238E27FC236}">
-                <a16:creationId xmlns:a16="http://schemas.microsoft.com/office/drawing/2014/main" id="{B70064AD-E8B3-1626-47FB-F18D3059EBCC}"/>
+                <a16:creationId xmlns:a16="http://schemas.microsoft.com/office/drawing/2014/main" xmlns="" id="{B70064AD-E8B3-1626-47FB-F18D3059EBCC}"/>
               </a:ext>
             </a:extLst>
           </p:cNvPr>
@@ -657,7 +662,7 @@
           <p:cNvPr id="4" name="Date Placeholder 3">
             <a:extLst>
               <a:ext uri="{FF2B5EF4-FFF2-40B4-BE49-F238E27FC236}">
-                <a16:creationId xmlns:a16="http://schemas.microsoft.com/office/drawing/2014/main" id="{31287859-8E1B-C69B-0097-DA617596B98F}"/>
+                <a16:creationId xmlns:a16="http://schemas.microsoft.com/office/drawing/2014/main" xmlns="" id="{31287859-8E1B-C69B-0097-DA617596B98F}"/>
               </a:ext>
             </a:extLst>
           </p:cNvPr>
@@ -686,7 +691,7 @@
           <p:cNvPr id="5" name="Footer Placeholder 4">
             <a:extLst>
               <a:ext uri="{FF2B5EF4-FFF2-40B4-BE49-F238E27FC236}">
-                <a16:creationId xmlns:a16="http://schemas.microsoft.com/office/drawing/2014/main" id="{D50FD12A-C75F-B3B7-CECD-30E369EDF529}"/>
+                <a16:creationId xmlns:a16="http://schemas.microsoft.com/office/drawing/2014/main" xmlns="" id="{D50FD12A-C75F-B3B7-CECD-30E369EDF529}"/>
               </a:ext>
             </a:extLst>
           </p:cNvPr>
@@ -711,7 +716,7 @@
           <p:cNvPr id="6" name="Slide Number Placeholder 5">
             <a:extLst>
               <a:ext uri="{FF2B5EF4-FFF2-40B4-BE49-F238E27FC236}">
-                <a16:creationId xmlns:a16="http://schemas.microsoft.com/office/drawing/2014/main" id="{B8B425AC-C0E7-44A0-6373-01A23A782076}"/>
+                <a16:creationId xmlns:a16="http://schemas.microsoft.com/office/drawing/2014/main" xmlns="" id="{B8B425AC-C0E7-44A0-6373-01A23A782076}"/>
               </a:ext>
             </a:extLst>
           </p:cNvPr>
@@ -770,7 +775,7 @@
           <p:cNvPr id="2" name="Title 1">
             <a:extLst>
               <a:ext uri="{FF2B5EF4-FFF2-40B4-BE49-F238E27FC236}">
-                <a16:creationId xmlns:a16="http://schemas.microsoft.com/office/drawing/2014/main" id="{92D8EE88-365E-CAB9-20F3-3DB372FB476C}"/>
+                <a16:creationId xmlns:a16="http://schemas.microsoft.com/office/drawing/2014/main" xmlns="" id="{92D8EE88-365E-CAB9-20F3-3DB372FB476C}"/>
               </a:ext>
             </a:extLst>
           </p:cNvPr>
@@ -799,7 +804,7 @@
           <p:cNvPr id="3" name="Content Placeholder 2">
             <a:extLst>
               <a:ext uri="{FF2B5EF4-FFF2-40B4-BE49-F238E27FC236}">
-                <a16:creationId xmlns:a16="http://schemas.microsoft.com/office/drawing/2014/main" id="{C5678E7A-574C-5462-40C8-A9C96C31A860}"/>
+                <a16:creationId xmlns:a16="http://schemas.microsoft.com/office/drawing/2014/main" xmlns="" id="{C5678E7A-574C-5462-40C8-A9C96C31A860}"/>
               </a:ext>
             </a:extLst>
           </p:cNvPr>
@@ -857,7 +862,7 @@
           <p:cNvPr id="4" name="Date Placeholder 3">
             <a:extLst>
               <a:ext uri="{FF2B5EF4-FFF2-40B4-BE49-F238E27FC236}">
-                <a16:creationId xmlns:a16="http://schemas.microsoft.com/office/drawing/2014/main" id="{0AB4A276-4715-FE79-33CA-B6F7461FAB60}"/>
+                <a16:creationId xmlns:a16="http://schemas.microsoft.com/office/drawing/2014/main" xmlns="" id="{0AB4A276-4715-FE79-33CA-B6F7461FAB60}"/>
               </a:ext>
             </a:extLst>
           </p:cNvPr>
@@ -886,7 +891,7 @@
           <p:cNvPr id="5" name="Footer Placeholder 4">
             <a:extLst>
               <a:ext uri="{FF2B5EF4-FFF2-40B4-BE49-F238E27FC236}">
-                <a16:creationId xmlns:a16="http://schemas.microsoft.com/office/drawing/2014/main" id="{80A0BBB0-CD46-8E85-1E8F-8FEAAE2B1BFB}"/>
+                <a16:creationId xmlns:a16="http://schemas.microsoft.com/office/drawing/2014/main" xmlns="" id="{80A0BBB0-CD46-8E85-1E8F-8FEAAE2B1BFB}"/>
               </a:ext>
             </a:extLst>
           </p:cNvPr>
@@ -911,7 +916,7 @@
           <p:cNvPr id="6" name="Slide Number Placeholder 5">
             <a:extLst>
               <a:ext uri="{FF2B5EF4-FFF2-40B4-BE49-F238E27FC236}">
-                <a16:creationId xmlns:a16="http://schemas.microsoft.com/office/drawing/2014/main" id="{CC9CBFCB-E28A-0480-8284-9D221A630F14}"/>
+                <a16:creationId xmlns:a16="http://schemas.microsoft.com/office/drawing/2014/main" xmlns="" id="{CC9CBFCB-E28A-0480-8284-9D221A630F14}"/>
               </a:ext>
             </a:extLst>
           </p:cNvPr>
@@ -970,7 +975,7 @@
           <p:cNvPr id="2" name="Title 1">
             <a:extLst>
               <a:ext uri="{FF2B5EF4-FFF2-40B4-BE49-F238E27FC236}">
-                <a16:creationId xmlns:a16="http://schemas.microsoft.com/office/drawing/2014/main" id="{F2ABCD7D-2F76-A9EB-6C54-BD2ADE9A334C}"/>
+                <a16:creationId xmlns:a16="http://schemas.microsoft.com/office/drawing/2014/main" xmlns="" id="{F2ABCD7D-2F76-A9EB-6C54-BD2ADE9A334C}"/>
               </a:ext>
             </a:extLst>
           </p:cNvPr>
@@ -1008,7 +1013,7 @@
           <p:cNvPr id="3" name="Text Placeholder 2">
             <a:extLst>
               <a:ext uri="{FF2B5EF4-FFF2-40B4-BE49-F238E27FC236}">
-                <a16:creationId xmlns:a16="http://schemas.microsoft.com/office/drawing/2014/main" id="{AEC4588D-1DA2-5601-851A-DD87E190D8DE}"/>
+                <a16:creationId xmlns:a16="http://schemas.microsoft.com/office/drawing/2014/main" xmlns="" id="{AEC4588D-1DA2-5601-851A-DD87E190D8DE}"/>
               </a:ext>
             </a:extLst>
           </p:cNvPr>
@@ -1133,7 +1138,7 @@
           <p:cNvPr id="4" name="Date Placeholder 3">
             <a:extLst>
               <a:ext uri="{FF2B5EF4-FFF2-40B4-BE49-F238E27FC236}">
-                <a16:creationId xmlns:a16="http://schemas.microsoft.com/office/drawing/2014/main" id="{5E2C9A32-0D4D-58A0-01ED-96F553A8B488}"/>
+                <a16:creationId xmlns:a16="http://schemas.microsoft.com/office/drawing/2014/main" xmlns="" id="{5E2C9A32-0D4D-58A0-01ED-96F553A8B488}"/>
               </a:ext>
             </a:extLst>
           </p:cNvPr>
@@ -1162,7 +1167,7 @@
           <p:cNvPr id="5" name="Footer Placeholder 4">
             <a:extLst>
               <a:ext uri="{FF2B5EF4-FFF2-40B4-BE49-F238E27FC236}">
-                <a16:creationId xmlns:a16="http://schemas.microsoft.com/office/drawing/2014/main" id="{1793D1C3-A65E-F1E9-2746-8E93684A3ACA}"/>
+                <a16:creationId xmlns:a16="http://schemas.microsoft.com/office/drawing/2014/main" xmlns="" id="{1793D1C3-A65E-F1E9-2746-8E93684A3ACA}"/>
               </a:ext>
             </a:extLst>
           </p:cNvPr>
@@ -1187,7 +1192,7 @@
           <p:cNvPr id="6" name="Slide Number Placeholder 5">
             <a:extLst>
               <a:ext uri="{FF2B5EF4-FFF2-40B4-BE49-F238E27FC236}">
-                <a16:creationId xmlns:a16="http://schemas.microsoft.com/office/drawing/2014/main" id="{5B344D94-A8C3-557D-6697-9E3F35AC91FF}"/>
+                <a16:creationId xmlns:a16="http://schemas.microsoft.com/office/drawing/2014/main" xmlns="" id="{5B344D94-A8C3-557D-6697-9E3F35AC91FF}"/>
               </a:ext>
             </a:extLst>
           </p:cNvPr>
@@ -1246,7 +1251,7 @@
           <p:cNvPr id="2" name="Title 1">
             <a:extLst>
               <a:ext uri="{FF2B5EF4-FFF2-40B4-BE49-F238E27FC236}">
-                <a16:creationId xmlns:a16="http://schemas.microsoft.com/office/drawing/2014/main" id="{38FDF45D-A799-F9B9-0E47-ABA847535C3E}"/>
+                <a16:creationId xmlns:a16="http://schemas.microsoft.com/office/drawing/2014/main" xmlns="" id="{38FDF45D-A799-F9B9-0E47-ABA847535C3E}"/>
               </a:ext>
             </a:extLst>
           </p:cNvPr>
@@ -1275,7 +1280,7 @@
           <p:cNvPr id="3" name="Content Placeholder 2">
             <a:extLst>
               <a:ext uri="{FF2B5EF4-FFF2-40B4-BE49-F238E27FC236}">
-                <a16:creationId xmlns:a16="http://schemas.microsoft.com/office/drawing/2014/main" id="{2057F595-3D5F-D1F0-29F4-CACD6AB4E787}"/>
+                <a16:creationId xmlns:a16="http://schemas.microsoft.com/office/drawing/2014/main" xmlns="" id="{2057F595-3D5F-D1F0-29F4-CACD6AB4E787}"/>
               </a:ext>
             </a:extLst>
           </p:cNvPr>
@@ -1338,7 +1343,7 @@
           <p:cNvPr id="4" name="Content Placeholder 3">
             <a:extLst>
               <a:ext uri="{FF2B5EF4-FFF2-40B4-BE49-F238E27FC236}">
-                <a16:creationId xmlns:a16="http://schemas.microsoft.com/office/drawing/2014/main" id="{48D0A82F-14AF-AA05-9830-A392409EA597}"/>
+                <a16:creationId xmlns:a16="http://schemas.microsoft.com/office/drawing/2014/main" xmlns="" id="{48D0A82F-14AF-AA05-9830-A392409EA597}"/>
               </a:ext>
             </a:extLst>
           </p:cNvPr>
@@ -1401,7 +1406,7 @@
           <p:cNvPr id="5" name="Date Placeholder 4">
             <a:extLst>
               <a:ext uri="{FF2B5EF4-FFF2-40B4-BE49-F238E27FC236}">
-                <a16:creationId xmlns:a16="http://schemas.microsoft.com/office/drawing/2014/main" id="{E90C682B-6B5C-33EC-6331-9ED66FF339F0}"/>
+                <a16:creationId xmlns:a16="http://schemas.microsoft.com/office/drawing/2014/main" xmlns="" id="{E90C682B-6B5C-33EC-6331-9ED66FF339F0}"/>
               </a:ext>
             </a:extLst>
           </p:cNvPr>
@@ -1430,7 +1435,7 @@
           <p:cNvPr id="6" name="Footer Placeholder 5">
             <a:extLst>
               <a:ext uri="{FF2B5EF4-FFF2-40B4-BE49-F238E27FC236}">
-                <a16:creationId xmlns:a16="http://schemas.microsoft.com/office/drawing/2014/main" id="{7C09C266-6C91-BEE9-0781-9DF65D3475B5}"/>
+                <a16:creationId xmlns:a16="http://schemas.microsoft.com/office/drawing/2014/main" xmlns="" id="{7C09C266-6C91-BEE9-0781-9DF65D3475B5}"/>
               </a:ext>
             </a:extLst>
           </p:cNvPr>
@@ -1455,7 +1460,7 @@
           <p:cNvPr id="7" name="Slide Number Placeholder 6">
             <a:extLst>
               <a:ext uri="{FF2B5EF4-FFF2-40B4-BE49-F238E27FC236}">
-                <a16:creationId xmlns:a16="http://schemas.microsoft.com/office/drawing/2014/main" id="{BFE8C09F-FC13-DAA0-721F-08722F089C9A}"/>
+                <a16:creationId xmlns:a16="http://schemas.microsoft.com/office/drawing/2014/main" xmlns="" id="{BFE8C09F-FC13-DAA0-721F-08722F089C9A}"/>
               </a:ext>
             </a:extLst>
           </p:cNvPr>
@@ -1514,7 +1519,7 @@
           <p:cNvPr id="2" name="Title 1">
             <a:extLst>
               <a:ext uri="{FF2B5EF4-FFF2-40B4-BE49-F238E27FC236}">
-                <a16:creationId xmlns:a16="http://schemas.microsoft.com/office/drawing/2014/main" id="{93CC10D8-3614-71BE-E26F-19170907D77E}"/>
+                <a16:creationId xmlns:a16="http://schemas.microsoft.com/office/drawing/2014/main" xmlns="" id="{93CC10D8-3614-71BE-E26F-19170907D77E}"/>
               </a:ext>
             </a:extLst>
           </p:cNvPr>
@@ -1548,7 +1553,7 @@
           <p:cNvPr id="3" name="Text Placeholder 2">
             <a:extLst>
               <a:ext uri="{FF2B5EF4-FFF2-40B4-BE49-F238E27FC236}">
-                <a16:creationId xmlns:a16="http://schemas.microsoft.com/office/drawing/2014/main" id="{169FEA6D-A997-DB5E-3380-8F12EFC96458}"/>
+                <a16:creationId xmlns:a16="http://schemas.microsoft.com/office/drawing/2014/main" xmlns="" id="{169FEA6D-A997-DB5E-3380-8F12EFC96458}"/>
               </a:ext>
             </a:extLst>
           </p:cNvPr>
@@ -1619,7 +1624,7 @@
           <p:cNvPr id="4" name="Content Placeholder 3">
             <a:extLst>
               <a:ext uri="{FF2B5EF4-FFF2-40B4-BE49-F238E27FC236}">
-                <a16:creationId xmlns:a16="http://schemas.microsoft.com/office/drawing/2014/main" id="{8B94CEDB-2A82-8B1E-00CA-1D12FDD1FAC2}"/>
+                <a16:creationId xmlns:a16="http://schemas.microsoft.com/office/drawing/2014/main" xmlns="" id="{8B94CEDB-2A82-8B1E-00CA-1D12FDD1FAC2}"/>
               </a:ext>
             </a:extLst>
           </p:cNvPr>
@@ -1682,7 +1687,7 @@
           <p:cNvPr id="5" name="Text Placeholder 4">
             <a:extLst>
               <a:ext uri="{FF2B5EF4-FFF2-40B4-BE49-F238E27FC236}">
-                <a16:creationId xmlns:a16="http://schemas.microsoft.com/office/drawing/2014/main" id="{1BDB36BE-07C4-8715-06FE-5FDCD9C8D072}"/>
+                <a16:creationId xmlns:a16="http://schemas.microsoft.com/office/drawing/2014/main" xmlns="" id="{1BDB36BE-07C4-8715-06FE-5FDCD9C8D072}"/>
               </a:ext>
             </a:extLst>
           </p:cNvPr>
@@ -1753,7 +1758,7 @@
           <p:cNvPr id="6" name="Content Placeholder 5">
             <a:extLst>
               <a:ext uri="{FF2B5EF4-FFF2-40B4-BE49-F238E27FC236}">
-                <a16:creationId xmlns:a16="http://schemas.microsoft.com/office/drawing/2014/main" id="{4CF77444-77FC-EF32-742B-D2E89CEA9C3A}"/>
+                <a16:creationId xmlns:a16="http://schemas.microsoft.com/office/drawing/2014/main" xmlns="" id="{4CF77444-77FC-EF32-742B-D2E89CEA9C3A}"/>
               </a:ext>
             </a:extLst>
           </p:cNvPr>
@@ -1816,7 +1821,7 @@
           <p:cNvPr id="7" name="Date Placeholder 6">
             <a:extLst>
               <a:ext uri="{FF2B5EF4-FFF2-40B4-BE49-F238E27FC236}">
-                <a16:creationId xmlns:a16="http://schemas.microsoft.com/office/drawing/2014/main" id="{4439F50D-DC25-555D-1883-4A41D4B80AE0}"/>
+                <a16:creationId xmlns:a16="http://schemas.microsoft.com/office/drawing/2014/main" xmlns="" id="{4439F50D-DC25-555D-1883-4A41D4B80AE0}"/>
               </a:ext>
             </a:extLst>
           </p:cNvPr>
@@ -1845,7 +1850,7 @@
           <p:cNvPr id="8" name="Footer Placeholder 7">
             <a:extLst>
               <a:ext uri="{FF2B5EF4-FFF2-40B4-BE49-F238E27FC236}">
-                <a16:creationId xmlns:a16="http://schemas.microsoft.com/office/drawing/2014/main" id="{8FEDEC04-0F36-E5B7-4060-2A6BB2586675}"/>
+                <a16:creationId xmlns:a16="http://schemas.microsoft.com/office/drawing/2014/main" xmlns="" id="{8FEDEC04-0F36-E5B7-4060-2A6BB2586675}"/>
               </a:ext>
             </a:extLst>
           </p:cNvPr>
@@ -1870,7 +1875,7 @@
           <p:cNvPr id="9" name="Slide Number Placeholder 8">
             <a:extLst>
               <a:ext uri="{FF2B5EF4-FFF2-40B4-BE49-F238E27FC236}">
-                <a16:creationId xmlns:a16="http://schemas.microsoft.com/office/drawing/2014/main" id="{08F3B794-685E-C1CB-3C74-DC1A770B4CF5}"/>
+                <a16:creationId xmlns:a16="http://schemas.microsoft.com/office/drawing/2014/main" xmlns="" id="{08F3B794-685E-C1CB-3C74-DC1A770B4CF5}"/>
               </a:ext>
             </a:extLst>
           </p:cNvPr>
@@ -1929,7 +1934,7 @@
           <p:cNvPr id="2" name="Title 1">
             <a:extLst>
               <a:ext uri="{FF2B5EF4-FFF2-40B4-BE49-F238E27FC236}">
-                <a16:creationId xmlns:a16="http://schemas.microsoft.com/office/drawing/2014/main" id="{02B75D1C-021C-D74F-5CF0-18026BD29F87}"/>
+                <a16:creationId xmlns:a16="http://schemas.microsoft.com/office/drawing/2014/main" xmlns="" id="{02B75D1C-021C-D74F-5CF0-18026BD29F87}"/>
               </a:ext>
             </a:extLst>
           </p:cNvPr>
@@ -1958,7 +1963,7 @@
           <p:cNvPr id="3" name="Date Placeholder 2">
             <a:extLst>
               <a:ext uri="{FF2B5EF4-FFF2-40B4-BE49-F238E27FC236}">
-                <a16:creationId xmlns:a16="http://schemas.microsoft.com/office/drawing/2014/main" id="{06CFC122-549E-5618-B8F0-D9CEB107809A}"/>
+                <a16:creationId xmlns:a16="http://schemas.microsoft.com/office/drawing/2014/main" xmlns="" id="{06CFC122-549E-5618-B8F0-D9CEB107809A}"/>
               </a:ext>
             </a:extLst>
           </p:cNvPr>
@@ -1987,7 +1992,7 @@
           <p:cNvPr id="4" name="Footer Placeholder 3">
             <a:extLst>
               <a:ext uri="{FF2B5EF4-FFF2-40B4-BE49-F238E27FC236}">
-                <a16:creationId xmlns:a16="http://schemas.microsoft.com/office/drawing/2014/main" id="{53041D40-FC66-978E-401D-82BAEF2D96A4}"/>
+                <a16:creationId xmlns:a16="http://schemas.microsoft.com/office/drawing/2014/main" xmlns="" id="{53041D40-FC66-978E-401D-82BAEF2D96A4}"/>
               </a:ext>
             </a:extLst>
           </p:cNvPr>
@@ -2012,7 +2017,7 @@
           <p:cNvPr id="5" name="Slide Number Placeholder 4">
             <a:extLst>
               <a:ext uri="{FF2B5EF4-FFF2-40B4-BE49-F238E27FC236}">
-                <a16:creationId xmlns:a16="http://schemas.microsoft.com/office/drawing/2014/main" id="{5C8C1D08-B7BE-C3F9-DAEE-F18BE2441164}"/>
+                <a16:creationId xmlns:a16="http://schemas.microsoft.com/office/drawing/2014/main" xmlns="" id="{5C8C1D08-B7BE-C3F9-DAEE-F18BE2441164}"/>
               </a:ext>
             </a:extLst>
           </p:cNvPr>
@@ -2071,7 +2076,7 @@
           <p:cNvPr id="2" name="Date Placeholder 1">
             <a:extLst>
               <a:ext uri="{FF2B5EF4-FFF2-40B4-BE49-F238E27FC236}">
-                <a16:creationId xmlns:a16="http://schemas.microsoft.com/office/drawing/2014/main" id="{C0C07E5E-9889-98AD-98C3-1C4B3BD0D832}"/>
+                <a16:creationId xmlns:a16="http://schemas.microsoft.com/office/drawing/2014/main" xmlns="" id="{C0C07E5E-9889-98AD-98C3-1C4B3BD0D832}"/>
               </a:ext>
             </a:extLst>
           </p:cNvPr>
@@ -2100,7 +2105,7 @@
           <p:cNvPr id="3" name="Footer Placeholder 2">
             <a:extLst>
               <a:ext uri="{FF2B5EF4-FFF2-40B4-BE49-F238E27FC236}">
-                <a16:creationId xmlns:a16="http://schemas.microsoft.com/office/drawing/2014/main" id="{3F4F7ECB-8C23-0CC2-16B6-1CBE09E4823F}"/>
+                <a16:creationId xmlns:a16="http://schemas.microsoft.com/office/drawing/2014/main" xmlns="" id="{3F4F7ECB-8C23-0CC2-16B6-1CBE09E4823F}"/>
               </a:ext>
             </a:extLst>
           </p:cNvPr>
@@ -2125,7 +2130,7 @@
           <p:cNvPr id="4" name="Slide Number Placeholder 3">
             <a:extLst>
               <a:ext uri="{FF2B5EF4-FFF2-40B4-BE49-F238E27FC236}">
-                <a16:creationId xmlns:a16="http://schemas.microsoft.com/office/drawing/2014/main" id="{E60B3913-6B24-E4CC-E9D2-562924E7752A}"/>
+                <a16:creationId xmlns:a16="http://schemas.microsoft.com/office/drawing/2014/main" xmlns="" id="{E60B3913-6B24-E4CC-E9D2-562924E7752A}"/>
               </a:ext>
             </a:extLst>
           </p:cNvPr>
@@ -2184,7 +2189,7 @@
           <p:cNvPr id="2" name="Title 1">
             <a:extLst>
               <a:ext uri="{FF2B5EF4-FFF2-40B4-BE49-F238E27FC236}">
-                <a16:creationId xmlns:a16="http://schemas.microsoft.com/office/drawing/2014/main" id="{325839DC-35F7-4A06-5D9B-B4772F2348A0}"/>
+                <a16:creationId xmlns:a16="http://schemas.microsoft.com/office/drawing/2014/main" xmlns="" id="{325839DC-35F7-4A06-5D9B-B4772F2348A0}"/>
               </a:ext>
             </a:extLst>
           </p:cNvPr>
@@ -2222,7 +2227,7 @@
           <p:cNvPr id="3" name="Content Placeholder 2">
             <a:extLst>
               <a:ext uri="{FF2B5EF4-FFF2-40B4-BE49-F238E27FC236}">
-                <a16:creationId xmlns:a16="http://schemas.microsoft.com/office/drawing/2014/main" id="{D6C1C81A-B55D-5BD6-586A-D7750A2E00D9}"/>
+                <a16:creationId xmlns:a16="http://schemas.microsoft.com/office/drawing/2014/main" xmlns="" id="{D6C1C81A-B55D-5BD6-586A-D7750A2E00D9}"/>
               </a:ext>
             </a:extLst>
           </p:cNvPr>
@@ -2313,7 +2318,7 @@
           <p:cNvPr id="4" name="Text Placeholder 3">
             <a:extLst>
               <a:ext uri="{FF2B5EF4-FFF2-40B4-BE49-F238E27FC236}">
-                <a16:creationId xmlns:a16="http://schemas.microsoft.com/office/drawing/2014/main" id="{DA488136-11D3-DCE2-9C0F-45286629A542}"/>
+                <a16:creationId xmlns:a16="http://schemas.microsoft.com/office/drawing/2014/main" xmlns="" id="{DA488136-11D3-DCE2-9C0F-45286629A542}"/>
               </a:ext>
             </a:extLst>
           </p:cNvPr>
@@ -2384,7 +2389,7 @@
           <p:cNvPr id="5" name="Date Placeholder 4">
             <a:extLst>
               <a:ext uri="{FF2B5EF4-FFF2-40B4-BE49-F238E27FC236}">
-                <a16:creationId xmlns:a16="http://schemas.microsoft.com/office/drawing/2014/main" id="{056D1ACA-892F-693B-BD88-4BDA7A408375}"/>
+                <a16:creationId xmlns:a16="http://schemas.microsoft.com/office/drawing/2014/main" xmlns="" id="{056D1ACA-892F-693B-BD88-4BDA7A408375}"/>
               </a:ext>
             </a:extLst>
           </p:cNvPr>
@@ -2413,7 +2418,7 @@
           <p:cNvPr id="6" name="Footer Placeholder 5">
             <a:extLst>
               <a:ext uri="{FF2B5EF4-FFF2-40B4-BE49-F238E27FC236}">
-                <a16:creationId xmlns:a16="http://schemas.microsoft.com/office/drawing/2014/main" id="{1BB2510E-12B1-135D-78C8-7BB09D1ACBDA}"/>
+                <a16:creationId xmlns:a16="http://schemas.microsoft.com/office/drawing/2014/main" xmlns="" id="{1BB2510E-12B1-135D-78C8-7BB09D1ACBDA}"/>
               </a:ext>
             </a:extLst>
           </p:cNvPr>
@@ -2438,7 +2443,7 @@
           <p:cNvPr id="7" name="Slide Number Placeholder 6">
             <a:extLst>
               <a:ext uri="{FF2B5EF4-FFF2-40B4-BE49-F238E27FC236}">
-                <a16:creationId xmlns:a16="http://schemas.microsoft.com/office/drawing/2014/main" id="{8E6B7611-B23C-1E83-6B02-C76FFC6FCB7D}"/>
+                <a16:creationId xmlns:a16="http://schemas.microsoft.com/office/drawing/2014/main" xmlns="" id="{8E6B7611-B23C-1E83-6B02-C76FFC6FCB7D}"/>
               </a:ext>
             </a:extLst>
           </p:cNvPr>
@@ -2497,7 +2502,7 @@
           <p:cNvPr id="2" name="Title 1">
             <a:extLst>
               <a:ext uri="{FF2B5EF4-FFF2-40B4-BE49-F238E27FC236}">
-                <a16:creationId xmlns:a16="http://schemas.microsoft.com/office/drawing/2014/main" id="{5BDA285B-29AB-BCB1-9550-BB008D50125D}"/>
+                <a16:creationId xmlns:a16="http://schemas.microsoft.com/office/drawing/2014/main" xmlns="" id="{5BDA285B-29AB-BCB1-9550-BB008D50125D}"/>
               </a:ext>
             </a:extLst>
           </p:cNvPr>
@@ -2535,7 +2540,7 @@
           <p:cNvPr id="3" name="Picture Placeholder 2">
             <a:extLst>
               <a:ext uri="{FF2B5EF4-FFF2-40B4-BE49-F238E27FC236}">
-                <a16:creationId xmlns:a16="http://schemas.microsoft.com/office/drawing/2014/main" id="{F74D9275-0495-B571-1F15-72EBAA2279C3}"/>
+                <a16:creationId xmlns:a16="http://schemas.microsoft.com/office/drawing/2014/main" xmlns="" id="{F74D9275-0495-B571-1F15-72EBAA2279C3}"/>
               </a:ext>
             </a:extLst>
           </p:cNvPr>
@@ -2602,7 +2607,7 @@
           <p:cNvPr id="4" name="Text Placeholder 3">
             <a:extLst>
               <a:ext uri="{FF2B5EF4-FFF2-40B4-BE49-F238E27FC236}">
-                <a16:creationId xmlns:a16="http://schemas.microsoft.com/office/drawing/2014/main" id="{A0F19077-DEDA-D5FC-9195-5863F74054A5}"/>
+                <a16:creationId xmlns:a16="http://schemas.microsoft.com/office/drawing/2014/main" xmlns="" id="{A0F19077-DEDA-D5FC-9195-5863F74054A5}"/>
               </a:ext>
             </a:extLst>
           </p:cNvPr>
@@ -2673,7 +2678,7 @@
           <p:cNvPr id="5" name="Date Placeholder 4">
             <a:extLst>
               <a:ext uri="{FF2B5EF4-FFF2-40B4-BE49-F238E27FC236}">
-                <a16:creationId xmlns:a16="http://schemas.microsoft.com/office/drawing/2014/main" id="{DA38E1A3-155B-6390-5BC1-D6755341FAE5}"/>
+                <a16:creationId xmlns:a16="http://schemas.microsoft.com/office/drawing/2014/main" xmlns="" id="{DA38E1A3-155B-6390-5BC1-D6755341FAE5}"/>
               </a:ext>
             </a:extLst>
           </p:cNvPr>
@@ -2702,7 +2707,7 @@
           <p:cNvPr id="6" name="Footer Placeholder 5">
             <a:extLst>
               <a:ext uri="{FF2B5EF4-FFF2-40B4-BE49-F238E27FC236}">
-                <a16:creationId xmlns:a16="http://schemas.microsoft.com/office/drawing/2014/main" id="{6DA633CE-17A8-8970-CB7C-7F516EE2BDDF}"/>
+                <a16:creationId xmlns:a16="http://schemas.microsoft.com/office/drawing/2014/main" xmlns="" id="{6DA633CE-17A8-8970-CB7C-7F516EE2BDDF}"/>
               </a:ext>
             </a:extLst>
           </p:cNvPr>
@@ -2727,7 +2732,7 @@
           <p:cNvPr id="7" name="Slide Number Placeholder 6">
             <a:extLst>
               <a:ext uri="{FF2B5EF4-FFF2-40B4-BE49-F238E27FC236}">
-                <a16:creationId xmlns:a16="http://schemas.microsoft.com/office/drawing/2014/main" id="{ACF23FE1-9938-E7A8-1F32-5D9F68BCBA71}"/>
+                <a16:creationId xmlns:a16="http://schemas.microsoft.com/office/drawing/2014/main" xmlns="" id="{ACF23FE1-9938-E7A8-1F32-5D9F68BCBA71}"/>
               </a:ext>
             </a:extLst>
           </p:cNvPr>
@@ -2791,7 +2796,7 @@
           <p:cNvPr id="2" name="Title Placeholder 1">
             <a:extLst>
               <a:ext uri="{FF2B5EF4-FFF2-40B4-BE49-F238E27FC236}">
-                <a16:creationId xmlns:a16="http://schemas.microsoft.com/office/drawing/2014/main" id="{CEAC5BA3-B27D-2AC3-8BCE-8D31A7D4843E}"/>
+                <a16:creationId xmlns:a16="http://schemas.microsoft.com/office/drawing/2014/main" xmlns="" id="{CEAC5BA3-B27D-2AC3-8BCE-8D31A7D4843E}"/>
               </a:ext>
             </a:extLst>
           </p:cNvPr>
@@ -2830,7 +2835,7 @@
           <p:cNvPr id="3" name="Text Placeholder 2">
             <a:extLst>
               <a:ext uri="{FF2B5EF4-FFF2-40B4-BE49-F238E27FC236}">
-                <a16:creationId xmlns:a16="http://schemas.microsoft.com/office/drawing/2014/main" id="{25634792-65D8-D335-0E9E-7FB06518DBF8}"/>
+                <a16:creationId xmlns:a16="http://schemas.microsoft.com/office/drawing/2014/main" xmlns="" id="{25634792-65D8-D335-0E9E-7FB06518DBF8}"/>
               </a:ext>
             </a:extLst>
           </p:cNvPr>
@@ -2898,7 +2903,7 @@
           <p:cNvPr id="4" name="Date Placeholder 3">
             <a:extLst>
               <a:ext uri="{FF2B5EF4-FFF2-40B4-BE49-F238E27FC236}">
-                <a16:creationId xmlns:a16="http://schemas.microsoft.com/office/drawing/2014/main" id="{8A24D74F-DEAD-9898-B1A1-9CCCAB8B7FE3}"/>
+                <a16:creationId xmlns:a16="http://schemas.microsoft.com/office/drawing/2014/main" xmlns="" id="{8A24D74F-DEAD-9898-B1A1-9CCCAB8B7FE3}"/>
               </a:ext>
             </a:extLst>
           </p:cNvPr>
@@ -2945,7 +2950,7 @@
           <p:cNvPr id="5" name="Footer Placeholder 4">
             <a:extLst>
               <a:ext uri="{FF2B5EF4-FFF2-40B4-BE49-F238E27FC236}">
-                <a16:creationId xmlns:a16="http://schemas.microsoft.com/office/drawing/2014/main" id="{91E2885E-FA16-A8B4-772B-3B3306478159}"/>
+                <a16:creationId xmlns:a16="http://schemas.microsoft.com/office/drawing/2014/main" xmlns="" id="{91E2885E-FA16-A8B4-772B-3B3306478159}"/>
               </a:ext>
             </a:extLst>
           </p:cNvPr>
@@ -2988,7 +2993,7 @@
           <p:cNvPr id="6" name="Slide Number Placeholder 5">
             <a:extLst>
               <a:ext uri="{FF2B5EF4-FFF2-40B4-BE49-F238E27FC236}">
-                <a16:creationId xmlns:a16="http://schemas.microsoft.com/office/drawing/2014/main" id="{13CAFF3D-A0F8-1C5F-3F30-1142AFDB2765}"/>
+                <a16:creationId xmlns:a16="http://schemas.microsoft.com/office/drawing/2014/main" xmlns="" id="{13CAFF3D-A0F8-1C5F-3F30-1142AFDB2765}"/>
               </a:ext>
             </a:extLst>
           </p:cNvPr>
@@ -3356,7 +3361,7 @@
           <p:cNvPr id="2" name="Title 1">
             <a:extLst>
               <a:ext uri="{FF2B5EF4-FFF2-40B4-BE49-F238E27FC236}">
-                <a16:creationId xmlns:a16="http://schemas.microsoft.com/office/drawing/2014/main" id="{377C7B94-FAF9-7ED8-E1ED-69A323B8EB79}"/>
+                <a16:creationId xmlns:a16="http://schemas.microsoft.com/office/drawing/2014/main" xmlns="" id="{377C7B94-FAF9-7ED8-E1ED-69A323B8EB79}"/>
               </a:ext>
             </a:extLst>
           </p:cNvPr>
@@ -3385,7 +3390,7 @@
           <p:cNvPr id="3" name="Subtitle 2">
             <a:extLst>
               <a:ext uri="{FF2B5EF4-FFF2-40B4-BE49-F238E27FC236}">
-                <a16:creationId xmlns:a16="http://schemas.microsoft.com/office/drawing/2014/main" id="{0DC2EBE6-D970-1494-228B-ADE08D5AD456}"/>
+                <a16:creationId xmlns:a16="http://schemas.microsoft.com/office/drawing/2014/main" xmlns="" id="{0DC2EBE6-D970-1494-228B-ADE08D5AD456}"/>
               </a:ext>
             </a:extLst>
           </p:cNvPr>
@@ -3452,7 +3457,7 @@
           <p:cNvPr id="2" name="Title 1">
             <a:extLst>
               <a:ext uri="{FF2B5EF4-FFF2-40B4-BE49-F238E27FC236}">
-                <a16:creationId xmlns:a16="http://schemas.microsoft.com/office/drawing/2014/main" id="{85299696-510F-B919-FBD6-2973CF25FC17}"/>
+                <a16:creationId xmlns:a16="http://schemas.microsoft.com/office/drawing/2014/main" xmlns="" id="{85299696-510F-B919-FBD6-2973CF25FC17}"/>
               </a:ext>
             </a:extLst>
           </p:cNvPr>
@@ -3481,7 +3486,7 @@
           <p:cNvPr id="3" name="Content Placeholder 2">
             <a:extLst>
               <a:ext uri="{FF2B5EF4-FFF2-40B4-BE49-F238E27FC236}">
-                <a16:creationId xmlns:a16="http://schemas.microsoft.com/office/drawing/2014/main" id="{2172BA96-7811-6211-64D0-36261E25F414}"/>
+                <a16:creationId xmlns:a16="http://schemas.microsoft.com/office/drawing/2014/main" xmlns="" id="{2172BA96-7811-6211-64D0-36261E25F414}"/>
               </a:ext>
             </a:extLst>
           </p:cNvPr>
@@ -3494,10 +3499,85 @@
         </p:nvSpPr>
         <p:spPr/>
         <p:txBody>
-          <a:bodyPr/>
+          <a:bodyPr>
+            <a:normAutofit/>
+          </a:bodyPr>
           <a:lstStyle/>
           <a:p>
-            <a:endParaRPr lang="zh-CN" altLang="en-US" dirty="0"/>
+            <a:pPr marL="0" indent="0">
+              <a:buNone/>
+            </a:pPr>
+            <a:r>
+              <a:rPr lang="en-US" altLang="zh-CN" dirty="0" smtClean="0"/>
+              <a:t>Requirement </a:t>
+            </a:r>
+            <a:r>
+              <a:rPr lang="en-US" altLang="zh-CN" dirty="0"/>
+              <a:t>analysis-&gt;program design-&gt;implementation-&gt;AI integration -&gt;Function improvements-&gt;</a:t>
+            </a:r>
+            <a:r>
+              <a:rPr lang="en-US" altLang="zh-CN" dirty="0" smtClean="0"/>
+              <a:t>verify</a:t>
+            </a:r>
+            <a:endParaRPr lang="en-US" altLang="zh-CN" dirty="0" smtClean="0"/>
+          </a:p>
+          <a:p>
+            <a:r>
+              <a:rPr lang="en-US" altLang="zh-CN" sz="2000" dirty="0"/>
+              <a:t>Our project idea came from several programming assignments on planning travel routes this semester. we want to create a travel planner closer to real-life travel. </a:t>
+            </a:r>
+            <a:endParaRPr lang="en-US" altLang="zh-CN" dirty="0"/>
+          </a:p>
+          <a:p>
+            <a:r>
+              <a:rPr lang="en-US" altLang="zh-CN" sz="2000" dirty="0" smtClean="0"/>
+              <a:t>Based </a:t>
+            </a:r>
+            <a:r>
+              <a:rPr lang="en-US" altLang="zh-CN" sz="2000" dirty="0"/>
+              <a:t>on the second job, anytime search, we extended the algorithm to enable it to plan daily itineraries and introduced </a:t>
+            </a:r>
+            <a:r>
+              <a:rPr lang="en-US" altLang="zh-CN" sz="2000" dirty="0" smtClean="0"/>
+              <a:t>neural network prediction to </a:t>
+            </a:r>
+            <a:r>
+              <a:rPr lang="en-US" altLang="zh-CN" sz="2000" dirty="0"/>
+              <a:t>select routes based on the user's interests</a:t>
+            </a:r>
+            <a:r>
+              <a:rPr lang="en-US" altLang="zh-CN" sz="2000" dirty="0" smtClean="0"/>
+              <a:t>.</a:t>
+            </a:r>
+          </a:p>
+          <a:p>
+            <a:r>
+              <a:rPr lang="en-US" altLang="zh-CN" sz="2000" dirty="0"/>
+              <a:t>ChatGPT4.0 was used to assist in the design of neural network. There were many problems with the </a:t>
+            </a:r>
+            <a:r>
+              <a:rPr lang="en-US" altLang="zh-CN" sz="2000" dirty="0" smtClean="0"/>
+              <a:t>initial </a:t>
+            </a:r>
+            <a:r>
+              <a:rPr lang="en-US" altLang="zh-CN" sz="2000" dirty="0"/>
+              <a:t>design, but after constantly clarifying my needs, the AI worked </a:t>
+            </a:r>
+            <a:r>
+              <a:rPr lang="en-US" altLang="zh-CN" sz="2000" dirty="0" smtClean="0"/>
+              <a:t>satisfactorily.</a:t>
+            </a:r>
+          </a:p>
+          <a:p>
+            <a:r>
+              <a:rPr lang="en-US" altLang="zh-CN" sz="2000" dirty="0"/>
+              <a:t>During the development of this project, we became more familiar with search algorithms and neural network training. In future expectations, we may extend the front-end of this project to implement a graphical interface for user </a:t>
+            </a:r>
+            <a:r>
+              <a:rPr lang="en-US" altLang="zh-CN" sz="2000" dirty="0" smtClean="0"/>
+              <a:t>interaction.</a:t>
+            </a:r>
+            <a:endParaRPr lang="zh-CN" altLang="en-US" sz="2000" dirty="0"/>
           </a:p>
         </p:txBody>
       </p:sp>
@@ -3536,7 +3616,7 @@
           <p:cNvPr id="2" name="Title 1">
             <a:extLst>
               <a:ext uri="{FF2B5EF4-FFF2-40B4-BE49-F238E27FC236}">
-                <a16:creationId xmlns:a16="http://schemas.microsoft.com/office/drawing/2014/main" id="{4DF47EBD-9986-9EE8-38DC-5630B9E893C3}"/>
+                <a16:creationId xmlns:a16="http://schemas.microsoft.com/office/drawing/2014/main" xmlns="" id="{4DF47EBD-9986-9EE8-38DC-5630B9E893C3}"/>
               </a:ext>
             </a:extLst>
           </p:cNvPr>
@@ -3564,7 +3644,7 @@
           <p:cNvPr id="3" name="Content Placeholder 2">
             <a:extLst>
               <a:ext uri="{FF2B5EF4-FFF2-40B4-BE49-F238E27FC236}">
-                <a16:creationId xmlns:a16="http://schemas.microsoft.com/office/drawing/2014/main" id="{E7F6BBB8-AE51-5C67-E134-0C7290669A58}"/>
+                <a16:creationId xmlns:a16="http://schemas.microsoft.com/office/drawing/2014/main" xmlns="" id="{E7F6BBB8-AE51-5C67-E134-0C7290669A58}"/>
               </a:ext>
             </a:extLst>
           </p:cNvPr>
@@ -3635,7 +3715,7 @@
           <p:cNvPr id="2" name="Title 1">
             <a:extLst>
               <a:ext uri="{FF2B5EF4-FFF2-40B4-BE49-F238E27FC236}">
-                <a16:creationId xmlns:a16="http://schemas.microsoft.com/office/drawing/2014/main" id="{AAE1B1DB-B52E-A753-D0D7-B58CBB8E9166}"/>
+                <a16:creationId xmlns:a16="http://schemas.microsoft.com/office/drawing/2014/main" xmlns="" id="{AAE1B1DB-B52E-A753-D0D7-B58CBB8E9166}"/>
               </a:ext>
             </a:extLst>
           </p:cNvPr>
@@ -3664,7 +3744,7 @@
           <p:cNvPr id="3" name="Content Placeholder 2">
             <a:extLst>
               <a:ext uri="{FF2B5EF4-FFF2-40B4-BE49-F238E27FC236}">
-                <a16:creationId xmlns:a16="http://schemas.microsoft.com/office/drawing/2014/main" id="{3BB3D395-A7F5-F90E-8A66-C7B8058C9F07}"/>
+                <a16:creationId xmlns:a16="http://schemas.microsoft.com/office/drawing/2014/main" xmlns="" id="{3BB3D395-A7F5-F90E-8A66-C7B8058C9F07}"/>
               </a:ext>
             </a:extLst>
           </p:cNvPr>
@@ -3775,7 +3855,7 @@
           <p:cNvPr id="2" name="Title 1">
             <a:extLst>
               <a:ext uri="{FF2B5EF4-FFF2-40B4-BE49-F238E27FC236}">
-                <a16:creationId xmlns:a16="http://schemas.microsoft.com/office/drawing/2014/main" id="{FD1A3231-FA12-0F9C-FA50-405C85E3FC86}"/>
+                <a16:creationId xmlns:a16="http://schemas.microsoft.com/office/drawing/2014/main" xmlns="" id="{FD1A3231-FA12-0F9C-FA50-405C85E3FC86}"/>
               </a:ext>
             </a:extLst>
           </p:cNvPr>
@@ -3799,14 +3879,14 @@
           </a:p>
         </p:txBody>
       </p:sp>
-      <mc:AlternateContent xmlns:mc="http://schemas.openxmlformats.org/markup-compatibility/2006">
-        <mc:Choice xmlns:a14="http://schemas.microsoft.com/office/drawing/2010/main" Requires="a14">
+      <mc:AlternateContent xmlns:mc="http://schemas.openxmlformats.org/markup-compatibility/2006" xmlns:a14="http://schemas.microsoft.com/office/drawing/2010/main">
+        <mc:Choice Requires="a14">
           <p:sp>
             <p:nvSpPr>
               <p:cNvPr id="7" name="TextBox 6">
                 <a:extLst>
                   <a:ext uri="{FF2B5EF4-FFF2-40B4-BE49-F238E27FC236}">
-                    <a16:creationId xmlns:a16="http://schemas.microsoft.com/office/drawing/2014/main" id="{E8DD5CCB-EAED-66A9-B805-4A3D8E194302}"/>
+                    <a16:creationId xmlns:a16="http://schemas.microsoft.com/office/drawing/2014/main" xmlns="" id="{E8DD5CCB-EAED-66A9-B805-4A3D8E194302}"/>
                   </a:ext>
                 </a:extLst>
               </p:cNvPr>
@@ -3974,7 +4054,7 @@
             </p:txBody>
           </p:sp>
         </mc:Choice>
-        <mc:Fallback>
+        <mc:Fallback xmlns="">
           <p:sp>
             <p:nvSpPr>
               <p:cNvPr id="7" name="TextBox 6">
@@ -4019,14 +4099,14 @@
           </p:sp>
         </mc:Fallback>
       </mc:AlternateContent>
-      <mc:AlternateContent xmlns:mc="http://schemas.openxmlformats.org/markup-compatibility/2006">
-        <mc:Choice xmlns:a14="http://schemas.microsoft.com/office/drawing/2010/main" Requires="a14">
+      <mc:AlternateContent xmlns:mc="http://schemas.openxmlformats.org/markup-compatibility/2006" xmlns:a14="http://schemas.microsoft.com/office/drawing/2010/main">
+        <mc:Choice Requires="a14">
           <p:sp>
             <p:nvSpPr>
               <p:cNvPr id="9" name="TextBox 8">
                 <a:extLst>
                   <a:ext uri="{FF2B5EF4-FFF2-40B4-BE49-F238E27FC236}">
-                    <a16:creationId xmlns:a16="http://schemas.microsoft.com/office/drawing/2014/main" id="{AD7E3E8A-802D-37F5-53A7-C7D431152B71}"/>
+                    <a16:creationId xmlns:a16="http://schemas.microsoft.com/office/drawing/2014/main" xmlns="" id="{AD7E3E8A-802D-37F5-53A7-C7D431152B71}"/>
                   </a:ext>
                 </a:extLst>
               </p:cNvPr>
@@ -4110,7 +4190,7 @@
             </p:txBody>
           </p:sp>
         </mc:Choice>
-        <mc:Fallback>
+        <mc:Fallback xmlns="">
           <p:sp>
             <p:nvSpPr>
               <p:cNvPr id="9" name="TextBox 8">
@@ -4155,14 +4235,14 @@
           </p:sp>
         </mc:Fallback>
       </mc:AlternateContent>
-      <mc:AlternateContent xmlns:mc="http://schemas.openxmlformats.org/markup-compatibility/2006">
-        <mc:Choice xmlns:a14="http://schemas.microsoft.com/office/drawing/2010/main" Requires="a14">
+      <mc:AlternateContent xmlns:mc="http://schemas.openxmlformats.org/markup-compatibility/2006" xmlns:a14="http://schemas.microsoft.com/office/drawing/2010/main">
+        <mc:Choice Requires="a14">
           <p:sp>
             <p:nvSpPr>
               <p:cNvPr id="13" name="TextBox 12">
                 <a:extLst>
                   <a:ext uri="{FF2B5EF4-FFF2-40B4-BE49-F238E27FC236}">
-                    <a16:creationId xmlns:a16="http://schemas.microsoft.com/office/drawing/2014/main" id="{89013BA7-7C13-2837-CF93-70988D05833E}"/>
+                    <a16:creationId xmlns:a16="http://schemas.microsoft.com/office/drawing/2014/main" xmlns="" id="{89013BA7-7C13-2837-CF93-70988D05833E}"/>
                   </a:ext>
                 </a:extLst>
               </p:cNvPr>
@@ -4185,7 +4265,6 @@
               </a:bodyPr>
               <a:lstStyle/>
               <a:p>
-                <a:pPr/>
                 <a14:m>
                   <m:oMath xmlns:m="http://schemas.openxmlformats.org/officeDocument/2006/math">
                     <m:r>
@@ -4209,7 +4288,7 @@
             </p:txBody>
           </p:sp>
         </mc:Choice>
-        <mc:Fallback>
+        <mc:Fallback xmlns="">
           <p:sp>
             <p:nvSpPr>
               <p:cNvPr id="13" name="TextBox 12">
@@ -4289,7 +4368,7 @@
           <p:cNvPr id="2" name="Title 1">
             <a:extLst>
               <a:ext uri="{FF2B5EF4-FFF2-40B4-BE49-F238E27FC236}">
-                <a16:creationId xmlns:a16="http://schemas.microsoft.com/office/drawing/2014/main" id="{728E5994-E4A9-A3D8-2A32-0DFE6ADFB364}"/>
+                <a16:creationId xmlns:a16="http://schemas.microsoft.com/office/drawing/2014/main" xmlns="" id="{728E5994-E4A9-A3D8-2A32-0DFE6ADFB364}"/>
               </a:ext>
             </a:extLst>
           </p:cNvPr>
@@ -4318,7 +4397,7 @@
           <p:cNvPr id="3" name="Content Placeholder 2">
             <a:extLst>
               <a:ext uri="{FF2B5EF4-FFF2-40B4-BE49-F238E27FC236}">
-                <a16:creationId xmlns:a16="http://schemas.microsoft.com/office/drawing/2014/main" id="{5668C2C1-B96A-9D61-BDD6-311398A9154F}"/>
+                <a16:creationId xmlns:a16="http://schemas.microsoft.com/office/drawing/2014/main" xmlns="" id="{5668C2C1-B96A-9D61-BDD6-311398A9154F}"/>
               </a:ext>
             </a:extLst>
           </p:cNvPr>
@@ -4397,7 +4476,7 @@
           <p:cNvPr id="2" name="Title 1">
             <a:extLst>
               <a:ext uri="{FF2B5EF4-FFF2-40B4-BE49-F238E27FC236}">
-                <a16:creationId xmlns:a16="http://schemas.microsoft.com/office/drawing/2014/main" id="{1981485B-15E7-AB28-9036-AD11C7BC615B}"/>
+                <a16:creationId xmlns:a16="http://schemas.microsoft.com/office/drawing/2014/main" xmlns="" id="{1981485B-15E7-AB28-9036-AD11C7BC615B}"/>
               </a:ext>
             </a:extLst>
           </p:cNvPr>
@@ -4426,7 +4505,7 @@
           <p:cNvPr id="3" name="Content Placeholder 2">
             <a:extLst>
               <a:ext uri="{FF2B5EF4-FFF2-40B4-BE49-F238E27FC236}">
-                <a16:creationId xmlns:a16="http://schemas.microsoft.com/office/drawing/2014/main" id="{B81259E5-EB32-E452-12B0-0F960BBDA302}"/>
+                <a16:creationId xmlns:a16="http://schemas.microsoft.com/office/drawing/2014/main" xmlns="" id="{B81259E5-EB32-E452-12B0-0F960BBDA302}"/>
               </a:ext>
             </a:extLst>
           </p:cNvPr>
@@ -4466,7 +4545,7 @@
           <p:cNvPr id="5" name="TextBox 4">
             <a:extLst>
               <a:ext uri="{FF2B5EF4-FFF2-40B4-BE49-F238E27FC236}">
-                <a16:creationId xmlns:a16="http://schemas.microsoft.com/office/drawing/2014/main" id="{56E20526-FC80-00FC-6495-1AC3A675BAAF}"/>
+                <a16:creationId xmlns:a16="http://schemas.microsoft.com/office/drawing/2014/main" xmlns="" id="{56E20526-FC80-00FC-6495-1AC3A675BAAF}"/>
               </a:ext>
             </a:extLst>
           </p:cNvPr>
@@ -4552,7 +4631,7 @@
           <p:cNvPr id="6" name="TextBox 5">
             <a:extLst>
               <a:ext uri="{FF2B5EF4-FFF2-40B4-BE49-F238E27FC236}">
-                <a16:creationId xmlns:a16="http://schemas.microsoft.com/office/drawing/2014/main" id="{AA0AE594-F5AE-AF01-D07E-1C79B7F68AAB}"/>
+                <a16:creationId xmlns:a16="http://schemas.microsoft.com/office/drawing/2014/main" xmlns="" id="{AA0AE594-F5AE-AF01-D07E-1C79B7F68AAB}"/>
               </a:ext>
             </a:extLst>
           </p:cNvPr>
@@ -4644,7 +4723,7 @@
           <p:cNvPr id="2" name="Title 1">
             <a:extLst>
               <a:ext uri="{FF2B5EF4-FFF2-40B4-BE49-F238E27FC236}">
-                <a16:creationId xmlns:a16="http://schemas.microsoft.com/office/drawing/2014/main" id="{E7E8EBE6-50F9-F39F-C767-388C5C2DDFF1}"/>
+                <a16:creationId xmlns:a16="http://schemas.microsoft.com/office/drawing/2014/main" xmlns="" id="{E7E8EBE6-50F9-F39F-C767-388C5C2DDFF1}"/>
               </a:ext>
             </a:extLst>
           </p:cNvPr>
@@ -4673,7 +4752,7 @@
           <p:cNvPr id="3" name="Content Placeholder 2">
             <a:extLst>
               <a:ext uri="{FF2B5EF4-FFF2-40B4-BE49-F238E27FC236}">
-                <a16:creationId xmlns:a16="http://schemas.microsoft.com/office/drawing/2014/main" id="{128D6421-5999-D286-21E9-F6AE49AB54DD}"/>
+                <a16:creationId xmlns:a16="http://schemas.microsoft.com/office/drawing/2014/main" xmlns="" id="{128D6421-5999-D286-21E9-F6AE49AB54DD}"/>
               </a:ext>
             </a:extLst>
           </p:cNvPr>
@@ -4709,7 +4788,7 @@
           <p:cNvPr id="6" name="TextBox 5">
             <a:extLst>
               <a:ext uri="{FF2B5EF4-FFF2-40B4-BE49-F238E27FC236}">
-                <a16:creationId xmlns:a16="http://schemas.microsoft.com/office/drawing/2014/main" id="{2B5390E4-F869-1222-6E18-431EE587D656}"/>
+                <a16:creationId xmlns:a16="http://schemas.microsoft.com/office/drawing/2014/main" xmlns="" id="{2B5390E4-F869-1222-6E18-431EE587D656}"/>
               </a:ext>
             </a:extLst>
           </p:cNvPr>
@@ -5379,7 +5458,7 @@
           <p:cNvPr id="7" name="TextBox 6">
             <a:extLst>
               <a:ext uri="{FF2B5EF4-FFF2-40B4-BE49-F238E27FC236}">
-                <a16:creationId xmlns:a16="http://schemas.microsoft.com/office/drawing/2014/main" id="{717BB41B-A497-2D7D-E667-AFA7268333E6}"/>
+                <a16:creationId xmlns:a16="http://schemas.microsoft.com/office/drawing/2014/main" xmlns="" id="{717BB41B-A497-2D7D-E667-AFA7268333E6}"/>
               </a:ext>
             </a:extLst>
           </p:cNvPr>
@@ -5522,7 +5601,7 @@
           <p:cNvPr id="5" name="TextBox 4">
             <a:extLst>
               <a:ext uri="{FF2B5EF4-FFF2-40B4-BE49-F238E27FC236}">
-                <a16:creationId xmlns:a16="http://schemas.microsoft.com/office/drawing/2014/main" id="{E70CE28A-8D01-7391-E83A-056028A53508}"/>
+                <a16:creationId xmlns:a16="http://schemas.microsoft.com/office/drawing/2014/main" xmlns="" id="{E70CE28A-8D01-7391-E83A-056028A53508}"/>
               </a:ext>
             </a:extLst>
           </p:cNvPr>
@@ -6295,7 +6374,7 @@
           <p:cNvPr id="9" name="Title 1">
             <a:extLst>
               <a:ext uri="{FF2B5EF4-FFF2-40B4-BE49-F238E27FC236}">
-                <a16:creationId xmlns:a16="http://schemas.microsoft.com/office/drawing/2014/main" id="{682FF2EF-30C7-0480-213A-3AC9339F8F39}"/>
+                <a16:creationId xmlns:a16="http://schemas.microsoft.com/office/drawing/2014/main" xmlns="" id="{682FF2EF-30C7-0480-213A-3AC9339F8F39}"/>
               </a:ext>
             </a:extLst>
           </p:cNvPr>
@@ -6329,7 +6408,7 @@
           <p:cNvPr id="10" name="Content Placeholder 2">
             <a:extLst>
               <a:ext uri="{FF2B5EF4-FFF2-40B4-BE49-F238E27FC236}">
-                <a16:creationId xmlns:a16="http://schemas.microsoft.com/office/drawing/2014/main" id="{DAF7AD61-6A80-876A-E605-9669BAF11DA7}"/>
+                <a16:creationId xmlns:a16="http://schemas.microsoft.com/office/drawing/2014/main" xmlns="" id="{DAF7AD61-6A80-876A-E605-9669BAF11DA7}"/>
               </a:ext>
             </a:extLst>
           </p:cNvPr>
@@ -6365,7 +6444,7 @@
           <p:cNvPr id="12" name="TextBox 11">
             <a:extLst>
               <a:ext uri="{FF2B5EF4-FFF2-40B4-BE49-F238E27FC236}">
-                <a16:creationId xmlns:a16="http://schemas.microsoft.com/office/drawing/2014/main" id="{599EA743-19A7-BC85-6CD0-9AB794942424}"/>
+                <a16:creationId xmlns:a16="http://schemas.microsoft.com/office/drawing/2014/main" xmlns="" id="{599EA743-19A7-BC85-6CD0-9AB794942424}"/>
               </a:ext>
             </a:extLst>
           </p:cNvPr>
@@ -6508,7 +6587,7 @@
           <p:cNvPr id="5" name="TextBox 4">
             <a:extLst>
               <a:ext uri="{FF2B5EF4-FFF2-40B4-BE49-F238E27FC236}">
-                <a16:creationId xmlns:a16="http://schemas.microsoft.com/office/drawing/2014/main" id="{E70CE28A-8D01-7391-E83A-056028A53508}"/>
+                <a16:creationId xmlns:a16="http://schemas.microsoft.com/office/drawing/2014/main" xmlns="" id="{E70CE28A-8D01-7391-E83A-056028A53508}"/>
               </a:ext>
             </a:extLst>
           </p:cNvPr>
@@ -7102,7 +7181,7 @@
           <p:cNvPr id="9" name="Title 1">
             <a:extLst>
               <a:ext uri="{FF2B5EF4-FFF2-40B4-BE49-F238E27FC236}">
-                <a16:creationId xmlns:a16="http://schemas.microsoft.com/office/drawing/2014/main" id="{682FF2EF-30C7-0480-213A-3AC9339F8F39}"/>
+                <a16:creationId xmlns:a16="http://schemas.microsoft.com/office/drawing/2014/main" xmlns="" id="{682FF2EF-30C7-0480-213A-3AC9339F8F39}"/>
               </a:ext>
             </a:extLst>
           </p:cNvPr>
@@ -7136,7 +7215,7 @@
           <p:cNvPr id="10" name="Content Placeholder 2">
             <a:extLst>
               <a:ext uri="{FF2B5EF4-FFF2-40B4-BE49-F238E27FC236}">
-                <a16:creationId xmlns:a16="http://schemas.microsoft.com/office/drawing/2014/main" id="{DAF7AD61-6A80-876A-E605-9669BAF11DA7}"/>
+                <a16:creationId xmlns:a16="http://schemas.microsoft.com/office/drawing/2014/main" xmlns="" id="{DAF7AD61-6A80-876A-E605-9669BAF11DA7}"/>
               </a:ext>
             </a:extLst>
           </p:cNvPr>
@@ -7172,7 +7251,7 @@
           <p:cNvPr id="11" name="TextBox 10">
             <a:extLst>
               <a:ext uri="{FF2B5EF4-FFF2-40B4-BE49-F238E27FC236}">
-                <a16:creationId xmlns:a16="http://schemas.microsoft.com/office/drawing/2014/main" id="{AF267141-9D47-0744-D31C-1071121E554B}"/>
+                <a16:creationId xmlns:a16="http://schemas.microsoft.com/office/drawing/2014/main" xmlns="" id="{AF267141-9D47-0744-D31C-1071121E554B}"/>
               </a:ext>
             </a:extLst>
           </p:cNvPr>

--- a/Presentation.pptx
+++ b/Presentation.pptx
@@ -143,7 +143,7 @@
           <p:cNvPr id="2" name="Title 1">
             <a:extLst>
               <a:ext uri="{FF2B5EF4-FFF2-40B4-BE49-F238E27FC236}">
-                <a16:creationId xmlns:a16="http://schemas.microsoft.com/office/drawing/2014/main" xmlns="" id="{838DFA02-0815-5FC1-A551-A04F0F0EA8AA}"/>
+                <a16:creationId xmlns="" xmlns:a16="http://schemas.microsoft.com/office/drawing/2014/main" id="{838DFA02-0815-5FC1-A551-A04F0F0EA8AA}"/>
               </a:ext>
             </a:extLst>
           </p:cNvPr>
@@ -181,7 +181,7 @@
           <p:cNvPr id="3" name="Subtitle 2">
             <a:extLst>
               <a:ext uri="{FF2B5EF4-FFF2-40B4-BE49-F238E27FC236}">
-                <a16:creationId xmlns:a16="http://schemas.microsoft.com/office/drawing/2014/main" xmlns="" id="{A4A5F32D-D3FA-43DF-980F-841373DC3ECC}"/>
+                <a16:creationId xmlns="" xmlns:a16="http://schemas.microsoft.com/office/drawing/2014/main" id="{A4A5F32D-D3FA-43DF-980F-841373DC3ECC}"/>
               </a:ext>
             </a:extLst>
           </p:cNvPr>
@@ -252,7 +252,7 @@
           <p:cNvPr id="4" name="Date Placeholder 3">
             <a:extLst>
               <a:ext uri="{FF2B5EF4-FFF2-40B4-BE49-F238E27FC236}">
-                <a16:creationId xmlns:a16="http://schemas.microsoft.com/office/drawing/2014/main" xmlns="" id="{351D1744-FC91-E90D-751F-40575ABE0C34}"/>
+                <a16:creationId xmlns="" xmlns:a16="http://schemas.microsoft.com/office/drawing/2014/main" id="{351D1744-FC91-E90D-751F-40575ABE0C34}"/>
               </a:ext>
             </a:extLst>
           </p:cNvPr>
@@ -281,7 +281,7 @@
           <p:cNvPr id="5" name="Footer Placeholder 4">
             <a:extLst>
               <a:ext uri="{FF2B5EF4-FFF2-40B4-BE49-F238E27FC236}">
-                <a16:creationId xmlns:a16="http://schemas.microsoft.com/office/drawing/2014/main" xmlns="" id="{2F2AC6AD-757C-FF86-0801-722B55BE4565}"/>
+                <a16:creationId xmlns="" xmlns:a16="http://schemas.microsoft.com/office/drawing/2014/main" id="{2F2AC6AD-757C-FF86-0801-722B55BE4565}"/>
               </a:ext>
             </a:extLst>
           </p:cNvPr>
@@ -306,7 +306,7 @@
           <p:cNvPr id="6" name="Slide Number Placeholder 5">
             <a:extLst>
               <a:ext uri="{FF2B5EF4-FFF2-40B4-BE49-F238E27FC236}">
-                <a16:creationId xmlns:a16="http://schemas.microsoft.com/office/drawing/2014/main" xmlns="" id="{B7B50569-C460-06A9-25BE-C0A22201A5FF}"/>
+                <a16:creationId xmlns="" xmlns:a16="http://schemas.microsoft.com/office/drawing/2014/main" id="{B7B50569-C460-06A9-25BE-C0A22201A5FF}"/>
               </a:ext>
             </a:extLst>
           </p:cNvPr>
@@ -365,7 +365,7 @@
           <p:cNvPr id="2" name="Title 1">
             <a:extLst>
               <a:ext uri="{FF2B5EF4-FFF2-40B4-BE49-F238E27FC236}">
-                <a16:creationId xmlns:a16="http://schemas.microsoft.com/office/drawing/2014/main" xmlns="" id="{534B67B7-D695-C083-E754-2C2435B27523}"/>
+                <a16:creationId xmlns="" xmlns:a16="http://schemas.microsoft.com/office/drawing/2014/main" id="{534B67B7-D695-C083-E754-2C2435B27523}"/>
               </a:ext>
             </a:extLst>
           </p:cNvPr>
@@ -394,7 +394,7 @@
           <p:cNvPr id="3" name="Vertical Text Placeholder 2">
             <a:extLst>
               <a:ext uri="{FF2B5EF4-FFF2-40B4-BE49-F238E27FC236}">
-                <a16:creationId xmlns:a16="http://schemas.microsoft.com/office/drawing/2014/main" xmlns="" id="{3D928E18-539B-28B9-763F-7B0FA4AEA960}"/>
+                <a16:creationId xmlns="" xmlns:a16="http://schemas.microsoft.com/office/drawing/2014/main" id="{3D928E18-539B-28B9-763F-7B0FA4AEA960}"/>
               </a:ext>
             </a:extLst>
           </p:cNvPr>
@@ -452,7 +452,7 @@
           <p:cNvPr id="4" name="Date Placeholder 3">
             <a:extLst>
               <a:ext uri="{FF2B5EF4-FFF2-40B4-BE49-F238E27FC236}">
-                <a16:creationId xmlns:a16="http://schemas.microsoft.com/office/drawing/2014/main" xmlns="" id="{7CB41EC9-C377-9CE4-7998-6436EB71EB34}"/>
+                <a16:creationId xmlns="" xmlns:a16="http://schemas.microsoft.com/office/drawing/2014/main" id="{7CB41EC9-C377-9CE4-7998-6436EB71EB34}"/>
               </a:ext>
             </a:extLst>
           </p:cNvPr>
@@ -481,7 +481,7 @@
           <p:cNvPr id="5" name="Footer Placeholder 4">
             <a:extLst>
               <a:ext uri="{FF2B5EF4-FFF2-40B4-BE49-F238E27FC236}">
-                <a16:creationId xmlns:a16="http://schemas.microsoft.com/office/drawing/2014/main" xmlns="" id="{4E9ACFD3-4103-5E3C-0E9D-46E8C24E9DCD}"/>
+                <a16:creationId xmlns="" xmlns:a16="http://schemas.microsoft.com/office/drawing/2014/main" id="{4E9ACFD3-4103-5E3C-0E9D-46E8C24E9DCD}"/>
               </a:ext>
             </a:extLst>
           </p:cNvPr>
@@ -506,7 +506,7 @@
           <p:cNvPr id="6" name="Slide Number Placeholder 5">
             <a:extLst>
               <a:ext uri="{FF2B5EF4-FFF2-40B4-BE49-F238E27FC236}">
-                <a16:creationId xmlns:a16="http://schemas.microsoft.com/office/drawing/2014/main" xmlns="" id="{875EEBA2-86F2-87A7-B35D-B36F3EABE08C}"/>
+                <a16:creationId xmlns="" xmlns:a16="http://schemas.microsoft.com/office/drawing/2014/main" id="{875EEBA2-86F2-87A7-B35D-B36F3EABE08C}"/>
               </a:ext>
             </a:extLst>
           </p:cNvPr>
@@ -565,7 +565,7 @@
           <p:cNvPr id="2" name="Vertical Title 1">
             <a:extLst>
               <a:ext uri="{FF2B5EF4-FFF2-40B4-BE49-F238E27FC236}">
-                <a16:creationId xmlns:a16="http://schemas.microsoft.com/office/drawing/2014/main" xmlns="" id="{1FC96069-F8CF-A197-DE4E-30A66C6519B2}"/>
+                <a16:creationId xmlns="" xmlns:a16="http://schemas.microsoft.com/office/drawing/2014/main" id="{1FC96069-F8CF-A197-DE4E-30A66C6519B2}"/>
               </a:ext>
             </a:extLst>
           </p:cNvPr>
@@ -599,7 +599,7 @@
           <p:cNvPr id="3" name="Vertical Text Placeholder 2">
             <a:extLst>
               <a:ext uri="{FF2B5EF4-FFF2-40B4-BE49-F238E27FC236}">
-                <a16:creationId xmlns:a16="http://schemas.microsoft.com/office/drawing/2014/main" xmlns="" id="{B70064AD-E8B3-1626-47FB-F18D3059EBCC}"/>
+                <a16:creationId xmlns="" xmlns:a16="http://schemas.microsoft.com/office/drawing/2014/main" id="{B70064AD-E8B3-1626-47FB-F18D3059EBCC}"/>
               </a:ext>
             </a:extLst>
           </p:cNvPr>
@@ -662,7 +662,7 @@
           <p:cNvPr id="4" name="Date Placeholder 3">
             <a:extLst>
               <a:ext uri="{FF2B5EF4-FFF2-40B4-BE49-F238E27FC236}">
-                <a16:creationId xmlns:a16="http://schemas.microsoft.com/office/drawing/2014/main" xmlns="" id="{31287859-8E1B-C69B-0097-DA617596B98F}"/>
+                <a16:creationId xmlns="" xmlns:a16="http://schemas.microsoft.com/office/drawing/2014/main" id="{31287859-8E1B-C69B-0097-DA617596B98F}"/>
               </a:ext>
             </a:extLst>
           </p:cNvPr>
@@ -691,7 +691,7 @@
           <p:cNvPr id="5" name="Footer Placeholder 4">
             <a:extLst>
               <a:ext uri="{FF2B5EF4-FFF2-40B4-BE49-F238E27FC236}">
-                <a16:creationId xmlns:a16="http://schemas.microsoft.com/office/drawing/2014/main" xmlns="" id="{D50FD12A-C75F-B3B7-CECD-30E369EDF529}"/>
+                <a16:creationId xmlns="" xmlns:a16="http://schemas.microsoft.com/office/drawing/2014/main" id="{D50FD12A-C75F-B3B7-CECD-30E369EDF529}"/>
               </a:ext>
             </a:extLst>
           </p:cNvPr>
@@ -716,7 +716,7 @@
           <p:cNvPr id="6" name="Slide Number Placeholder 5">
             <a:extLst>
               <a:ext uri="{FF2B5EF4-FFF2-40B4-BE49-F238E27FC236}">
-                <a16:creationId xmlns:a16="http://schemas.microsoft.com/office/drawing/2014/main" xmlns="" id="{B8B425AC-C0E7-44A0-6373-01A23A782076}"/>
+                <a16:creationId xmlns="" xmlns:a16="http://schemas.microsoft.com/office/drawing/2014/main" id="{B8B425AC-C0E7-44A0-6373-01A23A782076}"/>
               </a:ext>
             </a:extLst>
           </p:cNvPr>
@@ -775,7 +775,7 @@
           <p:cNvPr id="2" name="Title 1">
             <a:extLst>
               <a:ext uri="{FF2B5EF4-FFF2-40B4-BE49-F238E27FC236}">
-                <a16:creationId xmlns:a16="http://schemas.microsoft.com/office/drawing/2014/main" xmlns="" id="{92D8EE88-365E-CAB9-20F3-3DB372FB476C}"/>
+                <a16:creationId xmlns="" xmlns:a16="http://schemas.microsoft.com/office/drawing/2014/main" id="{92D8EE88-365E-CAB9-20F3-3DB372FB476C}"/>
               </a:ext>
             </a:extLst>
           </p:cNvPr>
@@ -804,7 +804,7 @@
           <p:cNvPr id="3" name="Content Placeholder 2">
             <a:extLst>
               <a:ext uri="{FF2B5EF4-FFF2-40B4-BE49-F238E27FC236}">
-                <a16:creationId xmlns:a16="http://schemas.microsoft.com/office/drawing/2014/main" xmlns="" id="{C5678E7A-574C-5462-40C8-A9C96C31A860}"/>
+                <a16:creationId xmlns="" xmlns:a16="http://schemas.microsoft.com/office/drawing/2014/main" id="{C5678E7A-574C-5462-40C8-A9C96C31A860}"/>
               </a:ext>
             </a:extLst>
           </p:cNvPr>
@@ -862,7 +862,7 @@
           <p:cNvPr id="4" name="Date Placeholder 3">
             <a:extLst>
               <a:ext uri="{FF2B5EF4-FFF2-40B4-BE49-F238E27FC236}">
-                <a16:creationId xmlns:a16="http://schemas.microsoft.com/office/drawing/2014/main" xmlns="" id="{0AB4A276-4715-FE79-33CA-B6F7461FAB60}"/>
+                <a16:creationId xmlns="" xmlns:a16="http://schemas.microsoft.com/office/drawing/2014/main" id="{0AB4A276-4715-FE79-33CA-B6F7461FAB60}"/>
               </a:ext>
             </a:extLst>
           </p:cNvPr>
@@ -891,7 +891,7 @@
           <p:cNvPr id="5" name="Footer Placeholder 4">
             <a:extLst>
               <a:ext uri="{FF2B5EF4-FFF2-40B4-BE49-F238E27FC236}">
-                <a16:creationId xmlns:a16="http://schemas.microsoft.com/office/drawing/2014/main" xmlns="" id="{80A0BBB0-CD46-8E85-1E8F-8FEAAE2B1BFB}"/>
+                <a16:creationId xmlns="" xmlns:a16="http://schemas.microsoft.com/office/drawing/2014/main" id="{80A0BBB0-CD46-8E85-1E8F-8FEAAE2B1BFB}"/>
               </a:ext>
             </a:extLst>
           </p:cNvPr>
@@ -916,7 +916,7 @@
           <p:cNvPr id="6" name="Slide Number Placeholder 5">
             <a:extLst>
               <a:ext uri="{FF2B5EF4-FFF2-40B4-BE49-F238E27FC236}">
-                <a16:creationId xmlns:a16="http://schemas.microsoft.com/office/drawing/2014/main" xmlns="" id="{CC9CBFCB-E28A-0480-8284-9D221A630F14}"/>
+                <a16:creationId xmlns="" xmlns:a16="http://schemas.microsoft.com/office/drawing/2014/main" id="{CC9CBFCB-E28A-0480-8284-9D221A630F14}"/>
               </a:ext>
             </a:extLst>
           </p:cNvPr>
@@ -975,7 +975,7 @@
           <p:cNvPr id="2" name="Title 1">
             <a:extLst>
               <a:ext uri="{FF2B5EF4-FFF2-40B4-BE49-F238E27FC236}">
-                <a16:creationId xmlns:a16="http://schemas.microsoft.com/office/drawing/2014/main" xmlns="" id="{F2ABCD7D-2F76-A9EB-6C54-BD2ADE9A334C}"/>
+                <a16:creationId xmlns="" xmlns:a16="http://schemas.microsoft.com/office/drawing/2014/main" id="{F2ABCD7D-2F76-A9EB-6C54-BD2ADE9A334C}"/>
               </a:ext>
             </a:extLst>
           </p:cNvPr>
@@ -1013,7 +1013,7 @@
           <p:cNvPr id="3" name="Text Placeholder 2">
             <a:extLst>
               <a:ext uri="{FF2B5EF4-FFF2-40B4-BE49-F238E27FC236}">
-                <a16:creationId xmlns:a16="http://schemas.microsoft.com/office/drawing/2014/main" xmlns="" id="{AEC4588D-1DA2-5601-851A-DD87E190D8DE}"/>
+                <a16:creationId xmlns="" xmlns:a16="http://schemas.microsoft.com/office/drawing/2014/main" id="{AEC4588D-1DA2-5601-851A-DD87E190D8DE}"/>
               </a:ext>
             </a:extLst>
           </p:cNvPr>
@@ -1138,7 +1138,7 @@
           <p:cNvPr id="4" name="Date Placeholder 3">
             <a:extLst>
               <a:ext uri="{FF2B5EF4-FFF2-40B4-BE49-F238E27FC236}">
-                <a16:creationId xmlns:a16="http://schemas.microsoft.com/office/drawing/2014/main" xmlns="" id="{5E2C9A32-0D4D-58A0-01ED-96F553A8B488}"/>
+                <a16:creationId xmlns="" xmlns:a16="http://schemas.microsoft.com/office/drawing/2014/main" id="{5E2C9A32-0D4D-58A0-01ED-96F553A8B488}"/>
               </a:ext>
             </a:extLst>
           </p:cNvPr>
@@ -1167,7 +1167,7 @@
           <p:cNvPr id="5" name="Footer Placeholder 4">
             <a:extLst>
               <a:ext uri="{FF2B5EF4-FFF2-40B4-BE49-F238E27FC236}">
-                <a16:creationId xmlns:a16="http://schemas.microsoft.com/office/drawing/2014/main" xmlns="" id="{1793D1C3-A65E-F1E9-2746-8E93684A3ACA}"/>
+                <a16:creationId xmlns="" xmlns:a16="http://schemas.microsoft.com/office/drawing/2014/main" id="{1793D1C3-A65E-F1E9-2746-8E93684A3ACA}"/>
               </a:ext>
             </a:extLst>
           </p:cNvPr>
@@ -1192,7 +1192,7 @@
           <p:cNvPr id="6" name="Slide Number Placeholder 5">
             <a:extLst>
               <a:ext uri="{FF2B5EF4-FFF2-40B4-BE49-F238E27FC236}">
-                <a16:creationId xmlns:a16="http://schemas.microsoft.com/office/drawing/2014/main" xmlns="" id="{5B344D94-A8C3-557D-6697-9E3F35AC91FF}"/>
+                <a16:creationId xmlns="" xmlns:a16="http://schemas.microsoft.com/office/drawing/2014/main" id="{5B344D94-A8C3-557D-6697-9E3F35AC91FF}"/>
               </a:ext>
             </a:extLst>
           </p:cNvPr>
@@ -1251,7 +1251,7 @@
           <p:cNvPr id="2" name="Title 1">
             <a:extLst>
               <a:ext uri="{FF2B5EF4-FFF2-40B4-BE49-F238E27FC236}">
-                <a16:creationId xmlns:a16="http://schemas.microsoft.com/office/drawing/2014/main" xmlns="" id="{38FDF45D-A799-F9B9-0E47-ABA847535C3E}"/>
+                <a16:creationId xmlns="" xmlns:a16="http://schemas.microsoft.com/office/drawing/2014/main" id="{38FDF45D-A799-F9B9-0E47-ABA847535C3E}"/>
               </a:ext>
             </a:extLst>
           </p:cNvPr>
@@ -1280,7 +1280,7 @@
           <p:cNvPr id="3" name="Content Placeholder 2">
             <a:extLst>
               <a:ext uri="{FF2B5EF4-FFF2-40B4-BE49-F238E27FC236}">
-                <a16:creationId xmlns:a16="http://schemas.microsoft.com/office/drawing/2014/main" xmlns="" id="{2057F595-3D5F-D1F0-29F4-CACD6AB4E787}"/>
+                <a16:creationId xmlns="" xmlns:a16="http://schemas.microsoft.com/office/drawing/2014/main" id="{2057F595-3D5F-D1F0-29F4-CACD6AB4E787}"/>
               </a:ext>
             </a:extLst>
           </p:cNvPr>
@@ -1343,7 +1343,7 @@
           <p:cNvPr id="4" name="Content Placeholder 3">
             <a:extLst>
               <a:ext uri="{FF2B5EF4-FFF2-40B4-BE49-F238E27FC236}">
-                <a16:creationId xmlns:a16="http://schemas.microsoft.com/office/drawing/2014/main" xmlns="" id="{48D0A82F-14AF-AA05-9830-A392409EA597}"/>
+                <a16:creationId xmlns="" xmlns:a16="http://schemas.microsoft.com/office/drawing/2014/main" id="{48D0A82F-14AF-AA05-9830-A392409EA597}"/>
               </a:ext>
             </a:extLst>
           </p:cNvPr>
@@ -1406,7 +1406,7 @@
           <p:cNvPr id="5" name="Date Placeholder 4">
             <a:extLst>
               <a:ext uri="{FF2B5EF4-FFF2-40B4-BE49-F238E27FC236}">
-                <a16:creationId xmlns:a16="http://schemas.microsoft.com/office/drawing/2014/main" xmlns="" id="{E90C682B-6B5C-33EC-6331-9ED66FF339F0}"/>
+                <a16:creationId xmlns="" xmlns:a16="http://schemas.microsoft.com/office/drawing/2014/main" id="{E90C682B-6B5C-33EC-6331-9ED66FF339F0}"/>
               </a:ext>
             </a:extLst>
           </p:cNvPr>
@@ -1435,7 +1435,7 @@
           <p:cNvPr id="6" name="Footer Placeholder 5">
             <a:extLst>
               <a:ext uri="{FF2B5EF4-FFF2-40B4-BE49-F238E27FC236}">
-                <a16:creationId xmlns:a16="http://schemas.microsoft.com/office/drawing/2014/main" xmlns="" id="{7C09C266-6C91-BEE9-0781-9DF65D3475B5}"/>
+                <a16:creationId xmlns="" xmlns:a16="http://schemas.microsoft.com/office/drawing/2014/main" id="{7C09C266-6C91-BEE9-0781-9DF65D3475B5}"/>
               </a:ext>
             </a:extLst>
           </p:cNvPr>
@@ -1460,7 +1460,7 @@
           <p:cNvPr id="7" name="Slide Number Placeholder 6">
             <a:extLst>
               <a:ext uri="{FF2B5EF4-FFF2-40B4-BE49-F238E27FC236}">
-                <a16:creationId xmlns:a16="http://schemas.microsoft.com/office/drawing/2014/main" xmlns="" id="{BFE8C09F-FC13-DAA0-721F-08722F089C9A}"/>
+                <a16:creationId xmlns="" xmlns:a16="http://schemas.microsoft.com/office/drawing/2014/main" id="{BFE8C09F-FC13-DAA0-721F-08722F089C9A}"/>
               </a:ext>
             </a:extLst>
           </p:cNvPr>
@@ -1519,7 +1519,7 @@
           <p:cNvPr id="2" name="Title 1">
             <a:extLst>
               <a:ext uri="{FF2B5EF4-FFF2-40B4-BE49-F238E27FC236}">
-                <a16:creationId xmlns:a16="http://schemas.microsoft.com/office/drawing/2014/main" xmlns="" id="{93CC10D8-3614-71BE-E26F-19170907D77E}"/>
+                <a16:creationId xmlns="" xmlns:a16="http://schemas.microsoft.com/office/drawing/2014/main" id="{93CC10D8-3614-71BE-E26F-19170907D77E}"/>
               </a:ext>
             </a:extLst>
           </p:cNvPr>
@@ -1553,7 +1553,7 @@
           <p:cNvPr id="3" name="Text Placeholder 2">
             <a:extLst>
               <a:ext uri="{FF2B5EF4-FFF2-40B4-BE49-F238E27FC236}">
-                <a16:creationId xmlns:a16="http://schemas.microsoft.com/office/drawing/2014/main" xmlns="" id="{169FEA6D-A997-DB5E-3380-8F12EFC96458}"/>
+                <a16:creationId xmlns="" xmlns:a16="http://schemas.microsoft.com/office/drawing/2014/main" id="{169FEA6D-A997-DB5E-3380-8F12EFC96458}"/>
               </a:ext>
             </a:extLst>
           </p:cNvPr>
@@ -1624,7 +1624,7 @@
           <p:cNvPr id="4" name="Content Placeholder 3">
             <a:extLst>
               <a:ext uri="{FF2B5EF4-FFF2-40B4-BE49-F238E27FC236}">
-                <a16:creationId xmlns:a16="http://schemas.microsoft.com/office/drawing/2014/main" xmlns="" id="{8B94CEDB-2A82-8B1E-00CA-1D12FDD1FAC2}"/>
+                <a16:creationId xmlns="" xmlns:a16="http://schemas.microsoft.com/office/drawing/2014/main" id="{8B94CEDB-2A82-8B1E-00CA-1D12FDD1FAC2}"/>
               </a:ext>
             </a:extLst>
           </p:cNvPr>
@@ -1687,7 +1687,7 @@
           <p:cNvPr id="5" name="Text Placeholder 4">
             <a:extLst>
               <a:ext uri="{FF2B5EF4-FFF2-40B4-BE49-F238E27FC236}">
-                <a16:creationId xmlns:a16="http://schemas.microsoft.com/office/drawing/2014/main" xmlns="" id="{1BDB36BE-07C4-8715-06FE-5FDCD9C8D072}"/>
+                <a16:creationId xmlns="" xmlns:a16="http://schemas.microsoft.com/office/drawing/2014/main" id="{1BDB36BE-07C4-8715-06FE-5FDCD9C8D072}"/>
               </a:ext>
             </a:extLst>
           </p:cNvPr>
@@ -1758,7 +1758,7 @@
           <p:cNvPr id="6" name="Content Placeholder 5">
             <a:extLst>
               <a:ext uri="{FF2B5EF4-FFF2-40B4-BE49-F238E27FC236}">
-                <a16:creationId xmlns:a16="http://schemas.microsoft.com/office/drawing/2014/main" xmlns="" id="{4CF77444-77FC-EF32-742B-D2E89CEA9C3A}"/>
+                <a16:creationId xmlns="" xmlns:a16="http://schemas.microsoft.com/office/drawing/2014/main" id="{4CF77444-77FC-EF32-742B-D2E89CEA9C3A}"/>
               </a:ext>
             </a:extLst>
           </p:cNvPr>
@@ -1821,7 +1821,7 @@
           <p:cNvPr id="7" name="Date Placeholder 6">
             <a:extLst>
               <a:ext uri="{FF2B5EF4-FFF2-40B4-BE49-F238E27FC236}">
-                <a16:creationId xmlns:a16="http://schemas.microsoft.com/office/drawing/2014/main" xmlns="" id="{4439F50D-DC25-555D-1883-4A41D4B80AE0}"/>
+                <a16:creationId xmlns="" xmlns:a16="http://schemas.microsoft.com/office/drawing/2014/main" id="{4439F50D-DC25-555D-1883-4A41D4B80AE0}"/>
               </a:ext>
             </a:extLst>
           </p:cNvPr>
@@ -1850,7 +1850,7 @@
           <p:cNvPr id="8" name="Footer Placeholder 7">
             <a:extLst>
               <a:ext uri="{FF2B5EF4-FFF2-40B4-BE49-F238E27FC236}">
-                <a16:creationId xmlns:a16="http://schemas.microsoft.com/office/drawing/2014/main" xmlns="" id="{8FEDEC04-0F36-E5B7-4060-2A6BB2586675}"/>
+                <a16:creationId xmlns="" xmlns:a16="http://schemas.microsoft.com/office/drawing/2014/main" id="{8FEDEC04-0F36-E5B7-4060-2A6BB2586675}"/>
               </a:ext>
             </a:extLst>
           </p:cNvPr>
@@ -1875,7 +1875,7 @@
           <p:cNvPr id="9" name="Slide Number Placeholder 8">
             <a:extLst>
               <a:ext uri="{FF2B5EF4-FFF2-40B4-BE49-F238E27FC236}">
-                <a16:creationId xmlns:a16="http://schemas.microsoft.com/office/drawing/2014/main" xmlns="" id="{08F3B794-685E-C1CB-3C74-DC1A770B4CF5}"/>
+                <a16:creationId xmlns="" xmlns:a16="http://schemas.microsoft.com/office/drawing/2014/main" id="{08F3B794-685E-C1CB-3C74-DC1A770B4CF5}"/>
               </a:ext>
             </a:extLst>
           </p:cNvPr>
@@ -1934,7 +1934,7 @@
           <p:cNvPr id="2" name="Title 1">
             <a:extLst>
               <a:ext uri="{FF2B5EF4-FFF2-40B4-BE49-F238E27FC236}">
-                <a16:creationId xmlns:a16="http://schemas.microsoft.com/office/drawing/2014/main" xmlns="" id="{02B75D1C-021C-D74F-5CF0-18026BD29F87}"/>
+                <a16:creationId xmlns="" xmlns:a16="http://schemas.microsoft.com/office/drawing/2014/main" id="{02B75D1C-021C-D74F-5CF0-18026BD29F87}"/>
               </a:ext>
             </a:extLst>
           </p:cNvPr>
@@ -1963,7 +1963,7 @@
           <p:cNvPr id="3" name="Date Placeholder 2">
             <a:extLst>
               <a:ext uri="{FF2B5EF4-FFF2-40B4-BE49-F238E27FC236}">
-                <a16:creationId xmlns:a16="http://schemas.microsoft.com/office/drawing/2014/main" xmlns="" id="{06CFC122-549E-5618-B8F0-D9CEB107809A}"/>
+                <a16:creationId xmlns="" xmlns:a16="http://schemas.microsoft.com/office/drawing/2014/main" id="{06CFC122-549E-5618-B8F0-D9CEB107809A}"/>
               </a:ext>
             </a:extLst>
           </p:cNvPr>
@@ -1992,7 +1992,7 @@
           <p:cNvPr id="4" name="Footer Placeholder 3">
             <a:extLst>
               <a:ext uri="{FF2B5EF4-FFF2-40B4-BE49-F238E27FC236}">
-                <a16:creationId xmlns:a16="http://schemas.microsoft.com/office/drawing/2014/main" xmlns="" id="{53041D40-FC66-978E-401D-82BAEF2D96A4}"/>
+                <a16:creationId xmlns="" xmlns:a16="http://schemas.microsoft.com/office/drawing/2014/main" id="{53041D40-FC66-978E-401D-82BAEF2D96A4}"/>
               </a:ext>
             </a:extLst>
           </p:cNvPr>
@@ -2017,7 +2017,7 @@
           <p:cNvPr id="5" name="Slide Number Placeholder 4">
             <a:extLst>
               <a:ext uri="{FF2B5EF4-FFF2-40B4-BE49-F238E27FC236}">
-                <a16:creationId xmlns:a16="http://schemas.microsoft.com/office/drawing/2014/main" xmlns="" id="{5C8C1D08-B7BE-C3F9-DAEE-F18BE2441164}"/>
+                <a16:creationId xmlns="" xmlns:a16="http://schemas.microsoft.com/office/drawing/2014/main" id="{5C8C1D08-B7BE-C3F9-DAEE-F18BE2441164}"/>
               </a:ext>
             </a:extLst>
           </p:cNvPr>
@@ -2076,7 +2076,7 @@
           <p:cNvPr id="2" name="Date Placeholder 1">
             <a:extLst>
               <a:ext uri="{FF2B5EF4-FFF2-40B4-BE49-F238E27FC236}">
-                <a16:creationId xmlns:a16="http://schemas.microsoft.com/office/drawing/2014/main" xmlns="" id="{C0C07E5E-9889-98AD-98C3-1C4B3BD0D832}"/>
+                <a16:creationId xmlns="" xmlns:a16="http://schemas.microsoft.com/office/drawing/2014/main" id="{C0C07E5E-9889-98AD-98C3-1C4B3BD0D832}"/>
               </a:ext>
             </a:extLst>
           </p:cNvPr>
@@ -2105,7 +2105,7 @@
           <p:cNvPr id="3" name="Footer Placeholder 2">
             <a:extLst>
               <a:ext uri="{FF2B5EF4-FFF2-40B4-BE49-F238E27FC236}">
-                <a16:creationId xmlns:a16="http://schemas.microsoft.com/office/drawing/2014/main" xmlns="" id="{3F4F7ECB-8C23-0CC2-16B6-1CBE09E4823F}"/>
+                <a16:creationId xmlns="" xmlns:a16="http://schemas.microsoft.com/office/drawing/2014/main" id="{3F4F7ECB-8C23-0CC2-16B6-1CBE09E4823F}"/>
               </a:ext>
             </a:extLst>
           </p:cNvPr>
@@ -2130,7 +2130,7 @@
           <p:cNvPr id="4" name="Slide Number Placeholder 3">
             <a:extLst>
               <a:ext uri="{FF2B5EF4-FFF2-40B4-BE49-F238E27FC236}">
-                <a16:creationId xmlns:a16="http://schemas.microsoft.com/office/drawing/2014/main" xmlns="" id="{E60B3913-6B24-E4CC-E9D2-562924E7752A}"/>
+                <a16:creationId xmlns="" xmlns:a16="http://schemas.microsoft.com/office/drawing/2014/main" id="{E60B3913-6B24-E4CC-E9D2-562924E7752A}"/>
               </a:ext>
             </a:extLst>
           </p:cNvPr>
@@ -2189,7 +2189,7 @@
           <p:cNvPr id="2" name="Title 1">
             <a:extLst>
               <a:ext uri="{FF2B5EF4-FFF2-40B4-BE49-F238E27FC236}">
-                <a16:creationId xmlns:a16="http://schemas.microsoft.com/office/drawing/2014/main" xmlns="" id="{325839DC-35F7-4A06-5D9B-B4772F2348A0}"/>
+                <a16:creationId xmlns="" xmlns:a16="http://schemas.microsoft.com/office/drawing/2014/main" id="{325839DC-35F7-4A06-5D9B-B4772F2348A0}"/>
               </a:ext>
             </a:extLst>
           </p:cNvPr>
@@ -2227,7 +2227,7 @@
           <p:cNvPr id="3" name="Content Placeholder 2">
             <a:extLst>
               <a:ext uri="{FF2B5EF4-FFF2-40B4-BE49-F238E27FC236}">
-                <a16:creationId xmlns:a16="http://schemas.microsoft.com/office/drawing/2014/main" xmlns="" id="{D6C1C81A-B55D-5BD6-586A-D7750A2E00D9}"/>
+                <a16:creationId xmlns="" xmlns:a16="http://schemas.microsoft.com/office/drawing/2014/main" id="{D6C1C81A-B55D-5BD6-586A-D7750A2E00D9}"/>
               </a:ext>
             </a:extLst>
           </p:cNvPr>
@@ -2318,7 +2318,7 @@
           <p:cNvPr id="4" name="Text Placeholder 3">
             <a:extLst>
               <a:ext uri="{FF2B5EF4-FFF2-40B4-BE49-F238E27FC236}">
-                <a16:creationId xmlns:a16="http://schemas.microsoft.com/office/drawing/2014/main" xmlns="" id="{DA488136-11D3-DCE2-9C0F-45286629A542}"/>
+                <a16:creationId xmlns="" xmlns:a16="http://schemas.microsoft.com/office/drawing/2014/main" id="{DA488136-11D3-DCE2-9C0F-45286629A542}"/>
               </a:ext>
             </a:extLst>
           </p:cNvPr>
@@ -2389,7 +2389,7 @@
           <p:cNvPr id="5" name="Date Placeholder 4">
             <a:extLst>
               <a:ext uri="{FF2B5EF4-FFF2-40B4-BE49-F238E27FC236}">
-                <a16:creationId xmlns:a16="http://schemas.microsoft.com/office/drawing/2014/main" xmlns="" id="{056D1ACA-892F-693B-BD88-4BDA7A408375}"/>
+                <a16:creationId xmlns="" xmlns:a16="http://schemas.microsoft.com/office/drawing/2014/main" id="{056D1ACA-892F-693B-BD88-4BDA7A408375}"/>
               </a:ext>
             </a:extLst>
           </p:cNvPr>
@@ -2418,7 +2418,7 @@
           <p:cNvPr id="6" name="Footer Placeholder 5">
             <a:extLst>
               <a:ext uri="{FF2B5EF4-FFF2-40B4-BE49-F238E27FC236}">
-                <a16:creationId xmlns:a16="http://schemas.microsoft.com/office/drawing/2014/main" xmlns="" id="{1BB2510E-12B1-135D-78C8-7BB09D1ACBDA}"/>
+                <a16:creationId xmlns="" xmlns:a16="http://schemas.microsoft.com/office/drawing/2014/main" id="{1BB2510E-12B1-135D-78C8-7BB09D1ACBDA}"/>
               </a:ext>
             </a:extLst>
           </p:cNvPr>
@@ -2443,7 +2443,7 @@
           <p:cNvPr id="7" name="Slide Number Placeholder 6">
             <a:extLst>
               <a:ext uri="{FF2B5EF4-FFF2-40B4-BE49-F238E27FC236}">
-                <a16:creationId xmlns:a16="http://schemas.microsoft.com/office/drawing/2014/main" xmlns="" id="{8E6B7611-B23C-1E83-6B02-C76FFC6FCB7D}"/>
+                <a16:creationId xmlns="" xmlns:a16="http://schemas.microsoft.com/office/drawing/2014/main" id="{8E6B7611-B23C-1E83-6B02-C76FFC6FCB7D}"/>
               </a:ext>
             </a:extLst>
           </p:cNvPr>
@@ -2502,7 +2502,7 @@
           <p:cNvPr id="2" name="Title 1">
             <a:extLst>
               <a:ext uri="{FF2B5EF4-FFF2-40B4-BE49-F238E27FC236}">
-                <a16:creationId xmlns:a16="http://schemas.microsoft.com/office/drawing/2014/main" xmlns="" id="{5BDA285B-29AB-BCB1-9550-BB008D50125D}"/>
+                <a16:creationId xmlns="" xmlns:a16="http://schemas.microsoft.com/office/drawing/2014/main" id="{5BDA285B-29AB-BCB1-9550-BB008D50125D}"/>
               </a:ext>
             </a:extLst>
           </p:cNvPr>
@@ -2540,7 +2540,7 @@
           <p:cNvPr id="3" name="Picture Placeholder 2">
             <a:extLst>
               <a:ext uri="{FF2B5EF4-FFF2-40B4-BE49-F238E27FC236}">
-                <a16:creationId xmlns:a16="http://schemas.microsoft.com/office/drawing/2014/main" xmlns="" id="{F74D9275-0495-B571-1F15-72EBAA2279C3}"/>
+                <a16:creationId xmlns="" xmlns:a16="http://schemas.microsoft.com/office/drawing/2014/main" id="{F74D9275-0495-B571-1F15-72EBAA2279C3}"/>
               </a:ext>
             </a:extLst>
           </p:cNvPr>
@@ -2607,7 +2607,7 @@
           <p:cNvPr id="4" name="Text Placeholder 3">
             <a:extLst>
               <a:ext uri="{FF2B5EF4-FFF2-40B4-BE49-F238E27FC236}">
-                <a16:creationId xmlns:a16="http://schemas.microsoft.com/office/drawing/2014/main" xmlns="" id="{A0F19077-DEDA-D5FC-9195-5863F74054A5}"/>
+                <a16:creationId xmlns="" xmlns:a16="http://schemas.microsoft.com/office/drawing/2014/main" id="{A0F19077-DEDA-D5FC-9195-5863F74054A5}"/>
               </a:ext>
             </a:extLst>
           </p:cNvPr>
@@ -2678,7 +2678,7 @@
           <p:cNvPr id="5" name="Date Placeholder 4">
             <a:extLst>
               <a:ext uri="{FF2B5EF4-FFF2-40B4-BE49-F238E27FC236}">
-                <a16:creationId xmlns:a16="http://schemas.microsoft.com/office/drawing/2014/main" xmlns="" id="{DA38E1A3-155B-6390-5BC1-D6755341FAE5}"/>
+                <a16:creationId xmlns="" xmlns:a16="http://schemas.microsoft.com/office/drawing/2014/main" id="{DA38E1A3-155B-6390-5BC1-D6755341FAE5}"/>
               </a:ext>
             </a:extLst>
           </p:cNvPr>
@@ -2707,7 +2707,7 @@
           <p:cNvPr id="6" name="Footer Placeholder 5">
             <a:extLst>
               <a:ext uri="{FF2B5EF4-FFF2-40B4-BE49-F238E27FC236}">
-                <a16:creationId xmlns:a16="http://schemas.microsoft.com/office/drawing/2014/main" xmlns="" id="{6DA633CE-17A8-8970-CB7C-7F516EE2BDDF}"/>
+                <a16:creationId xmlns="" xmlns:a16="http://schemas.microsoft.com/office/drawing/2014/main" id="{6DA633CE-17A8-8970-CB7C-7F516EE2BDDF}"/>
               </a:ext>
             </a:extLst>
           </p:cNvPr>
@@ -2732,7 +2732,7 @@
           <p:cNvPr id="7" name="Slide Number Placeholder 6">
             <a:extLst>
               <a:ext uri="{FF2B5EF4-FFF2-40B4-BE49-F238E27FC236}">
-                <a16:creationId xmlns:a16="http://schemas.microsoft.com/office/drawing/2014/main" xmlns="" id="{ACF23FE1-9938-E7A8-1F32-5D9F68BCBA71}"/>
+                <a16:creationId xmlns="" xmlns:a16="http://schemas.microsoft.com/office/drawing/2014/main" id="{ACF23FE1-9938-E7A8-1F32-5D9F68BCBA71}"/>
               </a:ext>
             </a:extLst>
           </p:cNvPr>
@@ -2796,7 +2796,7 @@
           <p:cNvPr id="2" name="Title Placeholder 1">
             <a:extLst>
               <a:ext uri="{FF2B5EF4-FFF2-40B4-BE49-F238E27FC236}">
-                <a16:creationId xmlns:a16="http://schemas.microsoft.com/office/drawing/2014/main" xmlns="" id="{CEAC5BA3-B27D-2AC3-8BCE-8D31A7D4843E}"/>
+                <a16:creationId xmlns="" xmlns:a16="http://schemas.microsoft.com/office/drawing/2014/main" id="{CEAC5BA3-B27D-2AC3-8BCE-8D31A7D4843E}"/>
               </a:ext>
             </a:extLst>
           </p:cNvPr>
@@ -2835,7 +2835,7 @@
           <p:cNvPr id="3" name="Text Placeholder 2">
             <a:extLst>
               <a:ext uri="{FF2B5EF4-FFF2-40B4-BE49-F238E27FC236}">
-                <a16:creationId xmlns:a16="http://schemas.microsoft.com/office/drawing/2014/main" xmlns="" id="{25634792-65D8-D335-0E9E-7FB06518DBF8}"/>
+                <a16:creationId xmlns="" xmlns:a16="http://schemas.microsoft.com/office/drawing/2014/main" id="{25634792-65D8-D335-0E9E-7FB06518DBF8}"/>
               </a:ext>
             </a:extLst>
           </p:cNvPr>
@@ -2903,7 +2903,7 @@
           <p:cNvPr id="4" name="Date Placeholder 3">
             <a:extLst>
               <a:ext uri="{FF2B5EF4-FFF2-40B4-BE49-F238E27FC236}">
-                <a16:creationId xmlns:a16="http://schemas.microsoft.com/office/drawing/2014/main" xmlns="" id="{8A24D74F-DEAD-9898-B1A1-9CCCAB8B7FE3}"/>
+                <a16:creationId xmlns="" xmlns:a16="http://schemas.microsoft.com/office/drawing/2014/main" id="{8A24D74F-DEAD-9898-B1A1-9CCCAB8B7FE3}"/>
               </a:ext>
             </a:extLst>
           </p:cNvPr>
@@ -2950,7 +2950,7 @@
           <p:cNvPr id="5" name="Footer Placeholder 4">
             <a:extLst>
               <a:ext uri="{FF2B5EF4-FFF2-40B4-BE49-F238E27FC236}">
-                <a16:creationId xmlns:a16="http://schemas.microsoft.com/office/drawing/2014/main" xmlns="" id="{91E2885E-FA16-A8B4-772B-3B3306478159}"/>
+                <a16:creationId xmlns="" xmlns:a16="http://schemas.microsoft.com/office/drawing/2014/main" id="{91E2885E-FA16-A8B4-772B-3B3306478159}"/>
               </a:ext>
             </a:extLst>
           </p:cNvPr>
@@ -2993,7 +2993,7 @@
           <p:cNvPr id="6" name="Slide Number Placeholder 5">
             <a:extLst>
               <a:ext uri="{FF2B5EF4-FFF2-40B4-BE49-F238E27FC236}">
-                <a16:creationId xmlns:a16="http://schemas.microsoft.com/office/drawing/2014/main" xmlns="" id="{13CAFF3D-A0F8-1C5F-3F30-1142AFDB2765}"/>
+                <a16:creationId xmlns="" xmlns:a16="http://schemas.microsoft.com/office/drawing/2014/main" id="{13CAFF3D-A0F8-1C5F-3F30-1142AFDB2765}"/>
               </a:ext>
             </a:extLst>
           </p:cNvPr>
@@ -3361,7 +3361,7 @@
           <p:cNvPr id="2" name="Title 1">
             <a:extLst>
               <a:ext uri="{FF2B5EF4-FFF2-40B4-BE49-F238E27FC236}">
-                <a16:creationId xmlns:a16="http://schemas.microsoft.com/office/drawing/2014/main" xmlns="" id="{377C7B94-FAF9-7ED8-E1ED-69A323B8EB79}"/>
+                <a16:creationId xmlns="" xmlns:a16="http://schemas.microsoft.com/office/drawing/2014/main" id="{377C7B94-FAF9-7ED8-E1ED-69A323B8EB79}"/>
               </a:ext>
             </a:extLst>
           </p:cNvPr>
@@ -3390,7 +3390,7 @@
           <p:cNvPr id="3" name="Subtitle 2">
             <a:extLst>
               <a:ext uri="{FF2B5EF4-FFF2-40B4-BE49-F238E27FC236}">
-                <a16:creationId xmlns:a16="http://schemas.microsoft.com/office/drawing/2014/main" xmlns="" id="{0DC2EBE6-D970-1494-228B-ADE08D5AD456}"/>
+                <a16:creationId xmlns="" xmlns:a16="http://schemas.microsoft.com/office/drawing/2014/main" id="{0DC2EBE6-D970-1494-228B-ADE08D5AD456}"/>
               </a:ext>
             </a:extLst>
           </p:cNvPr>
@@ -3457,7 +3457,7 @@
           <p:cNvPr id="2" name="Title 1">
             <a:extLst>
               <a:ext uri="{FF2B5EF4-FFF2-40B4-BE49-F238E27FC236}">
-                <a16:creationId xmlns:a16="http://schemas.microsoft.com/office/drawing/2014/main" xmlns="" id="{85299696-510F-B919-FBD6-2973CF25FC17}"/>
+                <a16:creationId xmlns="" xmlns:a16="http://schemas.microsoft.com/office/drawing/2014/main" id="{85299696-510F-B919-FBD6-2973CF25FC17}"/>
               </a:ext>
             </a:extLst>
           </p:cNvPr>
@@ -3486,7 +3486,7 @@
           <p:cNvPr id="3" name="Content Placeholder 2">
             <a:extLst>
               <a:ext uri="{FF2B5EF4-FFF2-40B4-BE49-F238E27FC236}">
-                <a16:creationId xmlns:a16="http://schemas.microsoft.com/office/drawing/2014/main" xmlns="" id="{2172BA96-7811-6211-64D0-36261E25F414}"/>
+                <a16:creationId xmlns="" xmlns:a16="http://schemas.microsoft.com/office/drawing/2014/main" id="{2172BA96-7811-6211-64D0-36261E25F414}"/>
               </a:ext>
             </a:extLst>
           </p:cNvPr>
@@ -3512,70 +3512,90 @@
               <a:t>Requirement </a:t>
             </a:r>
             <a:r>
+              <a:rPr lang="en-US" altLang="zh-CN" dirty="0" smtClean="0"/>
+              <a:t>analysis -&gt; Program Design -&gt; Implementation -&gt; AI </a:t>
+            </a:r>
+            <a:r>
               <a:rPr lang="en-US" altLang="zh-CN" dirty="0"/>
-              <a:t>analysis-&gt;program design-&gt;implementation-&gt;AI integration -&gt;Function improvements-&gt;</a:t>
+              <a:t>integration -&gt;Function </a:t>
             </a:r>
             <a:r>
               <a:rPr lang="en-US" altLang="zh-CN" dirty="0" smtClean="0"/>
-              <a:t>verify</a:t>
+              <a:t>improvements -&gt; Verify</a:t>
             </a:r>
             <a:endParaRPr lang="en-US" altLang="zh-CN" dirty="0" smtClean="0"/>
           </a:p>
           <a:p>
             <a:r>
+              <a:rPr lang="en-US" altLang="zh-CN" sz="2000" dirty="0" smtClean="0"/>
+              <a:t>Idea from project2 and project3</a:t>
+            </a:r>
+          </a:p>
+          <a:p>
+            <a:r>
+              <a:rPr lang="en-US" altLang="zh-CN" sz="2000" dirty="0" smtClean="0"/>
+              <a:t>Design </a:t>
+            </a:r>
+            <a:r>
               <a:rPr lang="en-US" altLang="zh-CN" sz="2000" dirty="0"/>
-              <a:t>Our project idea came from several programming assignments on planning travel routes this semester. we want to create a travel planner closer to real-life travel. </a:t>
+              <a:t>a</a:t>
+            </a:r>
+            <a:r>
+              <a:rPr lang="en-US" altLang="zh-CN" sz="2000" dirty="0" smtClean="0"/>
+              <a:t> </a:t>
+            </a:r>
+            <a:r>
+              <a:rPr lang="en-US" altLang="zh-CN" sz="2000" dirty="0"/>
+              <a:t>travel planner closer to real-life travel. </a:t>
             </a:r>
             <a:endParaRPr lang="en-US" altLang="zh-CN" dirty="0"/>
           </a:p>
           <a:p>
             <a:r>
               <a:rPr lang="en-US" altLang="zh-CN" sz="2000" dirty="0" smtClean="0"/>
-              <a:t>Based </a:t>
+              <a:t>Extended anytime search </a:t>
+            </a:r>
+          </a:p>
+          <a:p>
+            <a:r>
+              <a:rPr lang="en-US" altLang="zh-CN" sz="2000" dirty="0" smtClean="0"/>
+              <a:t>Implement daily planner</a:t>
+            </a:r>
+            <a:endParaRPr lang="en-US" altLang="zh-CN" sz="2000" dirty="0" smtClean="0"/>
+          </a:p>
+          <a:p>
+            <a:r>
+              <a:rPr lang="en-US" altLang="zh-CN" sz="2000" dirty="0" smtClean="0"/>
+              <a:t>ChatGPT4.0 helps neural network design and training </a:t>
+            </a:r>
+            <a:endParaRPr lang="en-US" altLang="zh-CN" sz="2000" dirty="0"/>
+          </a:p>
+          <a:p>
+            <a:r>
+              <a:rPr lang="en-US" altLang="zh-CN" sz="2000" dirty="0" smtClean="0"/>
+              <a:t>We are </a:t>
             </a:r>
             <a:r>
               <a:rPr lang="en-US" altLang="zh-CN" sz="2000" dirty="0"/>
-              <a:t>on the second job, anytime search, we extended the algorithm to enable it to plan daily itineraries and introduced </a:t>
+              <a:t>more familiar with search algorithms and neural network </a:t>
             </a:r>
             <a:r>
               <a:rPr lang="en-US" altLang="zh-CN" sz="2000" dirty="0" smtClean="0"/>
-              <a:t>neural network prediction to </a:t>
+              <a:t>training</a:t>
+            </a:r>
+          </a:p>
+          <a:p>
+            <a:r>
+              <a:rPr lang="en-US" altLang="zh-CN" sz="2000" dirty="0" smtClean="0"/>
+              <a:t>In future, </a:t>
             </a:r>
             <a:r>
               <a:rPr lang="en-US" altLang="zh-CN" sz="2000" dirty="0"/>
-              <a:t>select routes based on the user's interests</a:t>
+              <a:t>we may extend the front-end of this project to implement a graphical </a:t>
             </a:r>
             <a:r>
               <a:rPr lang="en-US" altLang="zh-CN" sz="2000" dirty="0" smtClean="0"/>
-              <a:t>.</a:t>
-            </a:r>
-          </a:p>
-          <a:p>
-            <a:r>
-              <a:rPr lang="en-US" altLang="zh-CN" sz="2000" dirty="0"/>
-              <a:t>ChatGPT4.0 was used to assist in the design of neural network. There were many problems with the </a:t>
-            </a:r>
-            <a:r>
-              <a:rPr lang="en-US" altLang="zh-CN" sz="2000" dirty="0" smtClean="0"/>
-              <a:t>initial </a:t>
-            </a:r>
-            <a:r>
-              <a:rPr lang="en-US" altLang="zh-CN" sz="2000" dirty="0"/>
-              <a:t>design, but after constantly clarifying my needs, the AI worked </a:t>
-            </a:r>
-            <a:r>
-              <a:rPr lang="en-US" altLang="zh-CN" sz="2000" dirty="0" smtClean="0"/>
-              <a:t>satisfactorily.</a:t>
-            </a:r>
-          </a:p>
-          <a:p>
-            <a:r>
-              <a:rPr lang="en-US" altLang="zh-CN" sz="2000" dirty="0"/>
-              <a:t>During the development of this project, we became more familiar with search algorithms and neural network training. In future expectations, we may extend the front-end of this project to implement a graphical interface for user </a:t>
-            </a:r>
-            <a:r>
-              <a:rPr lang="en-US" altLang="zh-CN" sz="2000" dirty="0" smtClean="0"/>
-              <a:t>interaction.</a:t>
+              <a:t>interface</a:t>
             </a:r>
             <a:endParaRPr lang="zh-CN" altLang="en-US" sz="2000" dirty="0"/>
           </a:p>
@@ -3616,7 +3636,7 @@
           <p:cNvPr id="2" name="Title 1">
             <a:extLst>
               <a:ext uri="{FF2B5EF4-FFF2-40B4-BE49-F238E27FC236}">
-                <a16:creationId xmlns:a16="http://schemas.microsoft.com/office/drawing/2014/main" xmlns="" id="{4DF47EBD-9986-9EE8-38DC-5630B9E893C3}"/>
+                <a16:creationId xmlns="" xmlns:a16="http://schemas.microsoft.com/office/drawing/2014/main" id="{4DF47EBD-9986-9EE8-38DC-5630B9E893C3}"/>
               </a:ext>
             </a:extLst>
           </p:cNvPr>
@@ -3644,7 +3664,7 @@
           <p:cNvPr id="3" name="Content Placeholder 2">
             <a:extLst>
               <a:ext uri="{FF2B5EF4-FFF2-40B4-BE49-F238E27FC236}">
-                <a16:creationId xmlns:a16="http://schemas.microsoft.com/office/drawing/2014/main" xmlns="" id="{E7F6BBB8-AE51-5C67-E134-0C7290669A58}"/>
+                <a16:creationId xmlns="" xmlns:a16="http://schemas.microsoft.com/office/drawing/2014/main" id="{E7F6BBB8-AE51-5C67-E134-0C7290669A58}"/>
               </a:ext>
             </a:extLst>
           </p:cNvPr>
@@ -3715,7 +3735,7 @@
           <p:cNvPr id="2" name="Title 1">
             <a:extLst>
               <a:ext uri="{FF2B5EF4-FFF2-40B4-BE49-F238E27FC236}">
-                <a16:creationId xmlns:a16="http://schemas.microsoft.com/office/drawing/2014/main" xmlns="" id="{AAE1B1DB-B52E-A753-D0D7-B58CBB8E9166}"/>
+                <a16:creationId xmlns="" xmlns:a16="http://schemas.microsoft.com/office/drawing/2014/main" id="{AAE1B1DB-B52E-A753-D0D7-B58CBB8E9166}"/>
               </a:ext>
             </a:extLst>
           </p:cNvPr>
@@ -3744,7 +3764,7 @@
           <p:cNvPr id="3" name="Content Placeholder 2">
             <a:extLst>
               <a:ext uri="{FF2B5EF4-FFF2-40B4-BE49-F238E27FC236}">
-                <a16:creationId xmlns:a16="http://schemas.microsoft.com/office/drawing/2014/main" xmlns="" id="{3BB3D395-A7F5-F90E-8A66-C7B8058C9F07}"/>
+                <a16:creationId xmlns="" xmlns:a16="http://schemas.microsoft.com/office/drawing/2014/main" id="{3BB3D395-A7F5-F90E-8A66-C7B8058C9F07}"/>
               </a:ext>
             </a:extLst>
           </p:cNvPr>
@@ -3855,7 +3875,7 @@
           <p:cNvPr id="2" name="Title 1">
             <a:extLst>
               <a:ext uri="{FF2B5EF4-FFF2-40B4-BE49-F238E27FC236}">
-                <a16:creationId xmlns:a16="http://schemas.microsoft.com/office/drawing/2014/main" xmlns="" id="{FD1A3231-FA12-0F9C-FA50-405C85E3FC86}"/>
+                <a16:creationId xmlns="" xmlns:a16="http://schemas.microsoft.com/office/drawing/2014/main" id="{FD1A3231-FA12-0F9C-FA50-405C85E3FC86}"/>
               </a:ext>
             </a:extLst>
           </p:cNvPr>
@@ -3886,7 +3906,7 @@
               <p:cNvPr id="7" name="TextBox 6">
                 <a:extLst>
                   <a:ext uri="{FF2B5EF4-FFF2-40B4-BE49-F238E27FC236}">
-                    <a16:creationId xmlns:a16="http://schemas.microsoft.com/office/drawing/2014/main" xmlns="" id="{E8DD5CCB-EAED-66A9-B805-4A3D8E194302}"/>
+                    <a16:creationId xmlns="" xmlns:a16="http://schemas.microsoft.com/office/drawing/2014/main" id="{E8DD5CCB-EAED-66A9-B805-4A3D8E194302}"/>
                   </a:ext>
                 </a:extLst>
               </p:cNvPr>
@@ -4106,7 +4126,7 @@
               <p:cNvPr id="9" name="TextBox 8">
                 <a:extLst>
                   <a:ext uri="{FF2B5EF4-FFF2-40B4-BE49-F238E27FC236}">
-                    <a16:creationId xmlns:a16="http://schemas.microsoft.com/office/drawing/2014/main" xmlns="" id="{AD7E3E8A-802D-37F5-53A7-C7D431152B71}"/>
+                    <a16:creationId xmlns="" xmlns:a16="http://schemas.microsoft.com/office/drawing/2014/main" id="{AD7E3E8A-802D-37F5-53A7-C7D431152B71}"/>
                   </a:ext>
                 </a:extLst>
               </p:cNvPr>
@@ -4242,7 +4262,7 @@
               <p:cNvPr id="13" name="TextBox 12">
                 <a:extLst>
                   <a:ext uri="{FF2B5EF4-FFF2-40B4-BE49-F238E27FC236}">
-                    <a16:creationId xmlns:a16="http://schemas.microsoft.com/office/drawing/2014/main" xmlns="" id="{89013BA7-7C13-2837-CF93-70988D05833E}"/>
+                    <a16:creationId xmlns="" xmlns:a16="http://schemas.microsoft.com/office/drawing/2014/main" id="{89013BA7-7C13-2837-CF93-70988D05833E}"/>
                   </a:ext>
                 </a:extLst>
               </p:cNvPr>
@@ -4368,7 +4388,7 @@
           <p:cNvPr id="2" name="Title 1">
             <a:extLst>
               <a:ext uri="{FF2B5EF4-FFF2-40B4-BE49-F238E27FC236}">
-                <a16:creationId xmlns:a16="http://schemas.microsoft.com/office/drawing/2014/main" xmlns="" id="{728E5994-E4A9-A3D8-2A32-0DFE6ADFB364}"/>
+                <a16:creationId xmlns="" xmlns:a16="http://schemas.microsoft.com/office/drawing/2014/main" id="{728E5994-E4A9-A3D8-2A32-0DFE6ADFB364}"/>
               </a:ext>
             </a:extLst>
           </p:cNvPr>
@@ -4397,7 +4417,7 @@
           <p:cNvPr id="3" name="Content Placeholder 2">
             <a:extLst>
               <a:ext uri="{FF2B5EF4-FFF2-40B4-BE49-F238E27FC236}">
-                <a16:creationId xmlns:a16="http://schemas.microsoft.com/office/drawing/2014/main" xmlns="" id="{5668C2C1-B96A-9D61-BDD6-311398A9154F}"/>
+                <a16:creationId xmlns="" xmlns:a16="http://schemas.microsoft.com/office/drawing/2014/main" id="{5668C2C1-B96A-9D61-BDD6-311398A9154F}"/>
               </a:ext>
             </a:extLst>
           </p:cNvPr>
@@ -4476,7 +4496,7 @@
           <p:cNvPr id="2" name="Title 1">
             <a:extLst>
               <a:ext uri="{FF2B5EF4-FFF2-40B4-BE49-F238E27FC236}">
-                <a16:creationId xmlns:a16="http://schemas.microsoft.com/office/drawing/2014/main" xmlns="" id="{1981485B-15E7-AB28-9036-AD11C7BC615B}"/>
+                <a16:creationId xmlns="" xmlns:a16="http://schemas.microsoft.com/office/drawing/2014/main" id="{1981485B-15E7-AB28-9036-AD11C7BC615B}"/>
               </a:ext>
             </a:extLst>
           </p:cNvPr>
@@ -4505,7 +4525,7 @@
           <p:cNvPr id="3" name="Content Placeholder 2">
             <a:extLst>
               <a:ext uri="{FF2B5EF4-FFF2-40B4-BE49-F238E27FC236}">
-                <a16:creationId xmlns:a16="http://schemas.microsoft.com/office/drawing/2014/main" xmlns="" id="{B81259E5-EB32-E452-12B0-0F960BBDA302}"/>
+                <a16:creationId xmlns="" xmlns:a16="http://schemas.microsoft.com/office/drawing/2014/main" id="{B81259E5-EB32-E452-12B0-0F960BBDA302}"/>
               </a:ext>
             </a:extLst>
           </p:cNvPr>
@@ -4545,7 +4565,7 @@
           <p:cNvPr id="5" name="TextBox 4">
             <a:extLst>
               <a:ext uri="{FF2B5EF4-FFF2-40B4-BE49-F238E27FC236}">
-                <a16:creationId xmlns:a16="http://schemas.microsoft.com/office/drawing/2014/main" xmlns="" id="{56E20526-FC80-00FC-6495-1AC3A675BAAF}"/>
+                <a16:creationId xmlns="" xmlns:a16="http://schemas.microsoft.com/office/drawing/2014/main" id="{56E20526-FC80-00FC-6495-1AC3A675BAAF}"/>
               </a:ext>
             </a:extLst>
           </p:cNvPr>
@@ -4631,7 +4651,7 @@
           <p:cNvPr id="6" name="TextBox 5">
             <a:extLst>
               <a:ext uri="{FF2B5EF4-FFF2-40B4-BE49-F238E27FC236}">
-                <a16:creationId xmlns:a16="http://schemas.microsoft.com/office/drawing/2014/main" xmlns="" id="{AA0AE594-F5AE-AF01-D07E-1C79B7F68AAB}"/>
+                <a16:creationId xmlns="" xmlns:a16="http://schemas.microsoft.com/office/drawing/2014/main" id="{AA0AE594-F5AE-AF01-D07E-1C79B7F68AAB}"/>
               </a:ext>
             </a:extLst>
           </p:cNvPr>
@@ -4723,7 +4743,7 @@
           <p:cNvPr id="2" name="Title 1">
             <a:extLst>
               <a:ext uri="{FF2B5EF4-FFF2-40B4-BE49-F238E27FC236}">
-                <a16:creationId xmlns:a16="http://schemas.microsoft.com/office/drawing/2014/main" xmlns="" id="{E7E8EBE6-50F9-F39F-C767-388C5C2DDFF1}"/>
+                <a16:creationId xmlns="" xmlns:a16="http://schemas.microsoft.com/office/drawing/2014/main" id="{E7E8EBE6-50F9-F39F-C767-388C5C2DDFF1}"/>
               </a:ext>
             </a:extLst>
           </p:cNvPr>
@@ -4752,7 +4772,7 @@
           <p:cNvPr id="3" name="Content Placeholder 2">
             <a:extLst>
               <a:ext uri="{FF2B5EF4-FFF2-40B4-BE49-F238E27FC236}">
-                <a16:creationId xmlns:a16="http://schemas.microsoft.com/office/drawing/2014/main" xmlns="" id="{128D6421-5999-D286-21E9-F6AE49AB54DD}"/>
+                <a16:creationId xmlns="" xmlns:a16="http://schemas.microsoft.com/office/drawing/2014/main" id="{128D6421-5999-D286-21E9-F6AE49AB54DD}"/>
               </a:ext>
             </a:extLst>
           </p:cNvPr>
@@ -4788,7 +4808,7 @@
           <p:cNvPr id="6" name="TextBox 5">
             <a:extLst>
               <a:ext uri="{FF2B5EF4-FFF2-40B4-BE49-F238E27FC236}">
-                <a16:creationId xmlns:a16="http://schemas.microsoft.com/office/drawing/2014/main" xmlns="" id="{2B5390E4-F869-1222-6E18-431EE587D656}"/>
+                <a16:creationId xmlns="" xmlns:a16="http://schemas.microsoft.com/office/drawing/2014/main" id="{2B5390E4-F869-1222-6E18-431EE587D656}"/>
               </a:ext>
             </a:extLst>
           </p:cNvPr>
@@ -5458,7 +5478,7 @@
           <p:cNvPr id="7" name="TextBox 6">
             <a:extLst>
               <a:ext uri="{FF2B5EF4-FFF2-40B4-BE49-F238E27FC236}">
-                <a16:creationId xmlns:a16="http://schemas.microsoft.com/office/drawing/2014/main" xmlns="" id="{717BB41B-A497-2D7D-E667-AFA7268333E6}"/>
+                <a16:creationId xmlns="" xmlns:a16="http://schemas.microsoft.com/office/drawing/2014/main" id="{717BB41B-A497-2D7D-E667-AFA7268333E6}"/>
               </a:ext>
             </a:extLst>
           </p:cNvPr>
@@ -5601,7 +5621,7 @@
           <p:cNvPr id="5" name="TextBox 4">
             <a:extLst>
               <a:ext uri="{FF2B5EF4-FFF2-40B4-BE49-F238E27FC236}">
-                <a16:creationId xmlns:a16="http://schemas.microsoft.com/office/drawing/2014/main" xmlns="" id="{E70CE28A-8D01-7391-E83A-056028A53508}"/>
+                <a16:creationId xmlns="" xmlns:a16="http://schemas.microsoft.com/office/drawing/2014/main" id="{E70CE28A-8D01-7391-E83A-056028A53508}"/>
               </a:ext>
             </a:extLst>
           </p:cNvPr>
@@ -6374,7 +6394,7 @@
           <p:cNvPr id="9" name="Title 1">
             <a:extLst>
               <a:ext uri="{FF2B5EF4-FFF2-40B4-BE49-F238E27FC236}">
-                <a16:creationId xmlns:a16="http://schemas.microsoft.com/office/drawing/2014/main" xmlns="" id="{682FF2EF-30C7-0480-213A-3AC9339F8F39}"/>
+                <a16:creationId xmlns="" xmlns:a16="http://schemas.microsoft.com/office/drawing/2014/main" id="{682FF2EF-30C7-0480-213A-3AC9339F8F39}"/>
               </a:ext>
             </a:extLst>
           </p:cNvPr>
@@ -6408,7 +6428,7 @@
           <p:cNvPr id="10" name="Content Placeholder 2">
             <a:extLst>
               <a:ext uri="{FF2B5EF4-FFF2-40B4-BE49-F238E27FC236}">
-                <a16:creationId xmlns:a16="http://schemas.microsoft.com/office/drawing/2014/main" xmlns="" id="{DAF7AD61-6A80-876A-E605-9669BAF11DA7}"/>
+                <a16:creationId xmlns="" xmlns:a16="http://schemas.microsoft.com/office/drawing/2014/main" id="{DAF7AD61-6A80-876A-E605-9669BAF11DA7}"/>
               </a:ext>
             </a:extLst>
           </p:cNvPr>
@@ -6444,7 +6464,7 @@
           <p:cNvPr id="12" name="TextBox 11">
             <a:extLst>
               <a:ext uri="{FF2B5EF4-FFF2-40B4-BE49-F238E27FC236}">
-                <a16:creationId xmlns:a16="http://schemas.microsoft.com/office/drawing/2014/main" xmlns="" id="{599EA743-19A7-BC85-6CD0-9AB794942424}"/>
+                <a16:creationId xmlns="" xmlns:a16="http://schemas.microsoft.com/office/drawing/2014/main" id="{599EA743-19A7-BC85-6CD0-9AB794942424}"/>
               </a:ext>
             </a:extLst>
           </p:cNvPr>
@@ -6587,7 +6607,7 @@
           <p:cNvPr id="5" name="TextBox 4">
             <a:extLst>
               <a:ext uri="{FF2B5EF4-FFF2-40B4-BE49-F238E27FC236}">
-                <a16:creationId xmlns:a16="http://schemas.microsoft.com/office/drawing/2014/main" xmlns="" id="{E70CE28A-8D01-7391-E83A-056028A53508}"/>
+                <a16:creationId xmlns="" xmlns:a16="http://schemas.microsoft.com/office/drawing/2014/main" id="{E70CE28A-8D01-7391-E83A-056028A53508}"/>
               </a:ext>
             </a:extLst>
           </p:cNvPr>
@@ -7181,7 +7201,7 @@
           <p:cNvPr id="9" name="Title 1">
             <a:extLst>
               <a:ext uri="{FF2B5EF4-FFF2-40B4-BE49-F238E27FC236}">
-                <a16:creationId xmlns:a16="http://schemas.microsoft.com/office/drawing/2014/main" xmlns="" id="{682FF2EF-30C7-0480-213A-3AC9339F8F39}"/>
+                <a16:creationId xmlns="" xmlns:a16="http://schemas.microsoft.com/office/drawing/2014/main" id="{682FF2EF-30C7-0480-213A-3AC9339F8F39}"/>
               </a:ext>
             </a:extLst>
           </p:cNvPr>
@@ -7215,7 +7235,7 @@
           <p:cNvPr id="10" name="Content Placeholder 2">
             <a:extLst>
               <a:ext uri="{FF2B5EF4-FFF2-40B4-BE49-F238E27FC236}">
-                <a16:creationId xmlns:a16="http://schemas.microsoft.com/office/drawing/2014/main" xmlns="" id="{DAF7AD61-6A80-876A-E605-9669BAF11DA7}"/>
+                <a16:creationId xmlns="" xmlns:a16="http://schemas.microsoft.com/office/drawing/2014/main" id="{DAF7AD61-6A80-876A-E605-9669BAF11DA7}"/>
               </a:ext>
             </a:extLst>
           </p:cNvPr>
@@ -7251,7 +7271,7 @@
           <p:cNvPr id="11" name="TextBox 10">
             <a:extLst>
               <a:ext uri="{FF2B5EF4-FFF2-40B4-BE49-F238E27FC236}">
-                <a16:creationId xmlns:a16="http://schemas.microsoft.com/office/drawing/2014/main" xmlns="" id="{AF267141-9D47-0744-D31C-1071121E554B}"/>
+                <a16:creationId xmlns="" xmlns:a16="http://schemas.microsoft.com/office/drawing/2014/main" id="{AF267141-9D47-0744-D31C-1071121E554B}"/>
               </a:ext>
             </a:extLst>
           </p:cNvPr>

--- a/Presentation.pptx
+++ b/Presentation.pptx
@@ -15,6 +15,7 @@
     <p:sldId id="261" r:id="rId9"/>
     <p:sldId id="264" r:id="rId10"/>
     <p:sldId id="266" r:id="rId11"/>
+    <p:sldId id="267" r:id="rId12"/>
   </p:sldIdLst>
   <p:sldSz cx="12192000" cy="6858000"/>
   <p:notesSz cx="6858000" cy="9144000"/>
@@ -143,7 +144,7 @@
           <p:cNvPr id="2" name="Title 1">
             <a:extLst>
               <a:ext uri="{FF2B5EF4-FFF2-40B4-BE49-F238E27FC236}">
-                <a16:creationId xmlns="" xmlns:a16="http://schemas.microsoft.com/office/drawing/2014/main" id="{838DFA02-0815-5FC1-A551-A04F0F0EA8AA}"/>
+                <a16:creationId xmlns:a16="http://schemas.microsoft.com/office/drawing/2014/main" xmlns="" id="{838DFA02-0815-5FC1-A551-A04F0F0EA8AA}"/>
               </a:ext>
             </a:extLst>
           </p:cNvPr>
@@ -181,7 +182,7 @@
           <p:cNvPr id="3" name="Subtitle 2">
             <a:extLst>
               <a:ext uri="{FF2B5EF4-FFF2-40B4-BE49-F238E27FC236}">
-                <a16:creationId xmlns="" xmlns:a16="http://schemas.microsoft.com/office/drawing/2014/main" id="{A4A5F32D-D3FA-43DF-980F-841373DC3ECC}"/>
+                <a16:creationId xmlns:a16="http://schemas.microsoft.com/office/drawing/2014/main" xmlns="" id="{A4A5F32D-D3FA-43DF-980F-841373DC3ECC}"/>
               </a:ext>
             </a:extLst>
           </p:cNvPr>
@@ -252,7 +253,7 @@
           <p:cNvPr id="4" name="Date Placeholder 3">
             <a:extLst>
               <a:ext uri="{FF2B5EF4-FFF2-40B4-BE49-F238E27FC236}">
-                <a16:creationId xmlns="" xmlns:a16="http://schemas.microsoft.com/office/drawing/2014/main" id="{351D1744-FC91-E90D-751F-40575ABE0C34}"/>
+                <a16:creationId xmlns:a16="http://schemas.microsoft.com/office/drawing/2014/main" xmlns="" id="{351D1744-FC91-E90D-751F-40575ABE0C34}"/>
               </a:ext>
             </a:extLst>
           </p:cNvPr>
@@ -281,7 +282,7 @@
           <p:cNvPr id="5" name="Footer Placeholder 4">
             <a:extLst>
               <a:ext uri="{FF2B5EF4-FFF2-40B4-BE49-F238E27FC236}">
-                <a16:creationId xmlns="" xmlns:a16="http://schemas.microsoft.com/office/drawing/2014/main" id="{2F2AC6AD-757C-FF86-0801-722B55BE4565}"/>
+                <a16:creationId xmlns:a16="http://schemas.microsoft.com/office/drawing/2014/main" xmlns="" id="{2F2AC6AD-757C-FF86-0801-722B55BE4565}"/>
               </a:ext>
             </a:extLst>
           </p:cNvPr>
@@ -306,7 +307,7 @@
           <p:cNvPr id="6" name="Slide Number Placeholder 5">
             <a:extLst>
               <a:ext uri="{FF2B5EF4-FFF2-40B4-BE49-F238E27FC236}">
-                <a16:creationId xmlns="" xmlns:a16="http://schemas.microsoft.com/office/drawing/2014/main" id="{B7B50569-C460-06A9-25BE-C0A22201A5FF}"/>
+                <a16:creationId xmlns:a16="http://schemas.microsoft.com/office/drawing/2014/main" xmlns="" id="{B7B50569-C460-06A9-25BE-C0A22201A5FF}"/>
               </a:ext>
             </a:extLst>
           </p:cNvPr>
@@ -365,7 +366,7 @@
           <p:cNvPr id="2" name="Title 1">
             <a:extLst>
               <a:ext uri="{FF2B5EF4-FFF2-40B4-BE49-F238E27FC236}">
-                <a16:creationId xmlns="" xmlns:a16="http://schemas.microsoft.com/office/drawing/2014/main" id="{534B67B7-D695-C083-E754-2C2435B27523}"/>
+                <a16:creationId xmlns:a16="http://schemas.microsoft.com/office/drawing/2014/main" xmlns="" id="{534B67B7-D695-C083-E754-2C2435B27523}"/>
               </a:ext>
             </a:extLst>
           </p:cNvPr>
@@ -394,7 +395,7 @@
           <p:cNvPr id="3" name="Vertical Text Placeholder 2">
             <a:extLst>
               <a:ext uri="{FF2B5EF4-FFF2-40B4-BE49-F238E27FC236}">
-                <a16:creationId xmlns="" xmlns:a16="http://schemas.microsoft.com/office/drawing/2014/main" id="{3D928E18-539B-28B9-763F-7B0FA4AEA960}"/>
+                <a16:creationId xmlns:a16="http://schemas.microsoft.com/office/drawing/2014/main" xmlns="" id="{3D928E18-539B-28B9-763F-7B0FA4AEA960}"/>
               </a:ext>
             </a:extLst>
           </p:cNvPr>
@@ -452,7 +453,7 @@
           <p:cNvPr id="4" name="Date Placeholder 3">
             <a:extLst>
               <a:ext uri="{FF2B5EF4-FFF2-40B4-BE49-F238E27FC236}">
-                <a16:creationId xmlns="" xmlns:a16="http://schemas.microsoft.com/office/drawing/2014/main" id="{7CB41EC9-C377-9CE4-7998-6436EB71EB34}"/>
+                <a16:creationId xmlns:a16="http://schemas.microsoft.com/office/drawing/2014/main" xmlns="" id="{7CB41EC9-C377-9CE4-7998-6436EB71EB34}"/>
               </a:ext>
             </a:extLst>
           </p:cNvPr>
@@ -481,7 +482,7 @@
           <p:cNvPr id="5" name="Footer Placeholder 4">
             <a:extLst>
               <a:ext uri="{FF2B5EF4-FFF2-40B4-BE49-F238E27FC236}">
-                <a16:creationId xmlns="" xmlns:a16="http://schemas.microsoft.com/office/drawing/2014/main" id="{4E9ACFD3-4103-5E3C-0E9D-46E8C24E9DCD}"/>
+                <a16:creationId xmlns:a16="http://schemas.microsoft.com/office/drawing/2014/main" xmlns="" id="{4E9ACFD3-4103-5E3C-0E9D-46E8C24E9DCD}"/>
               </a:ext>
             </a:extLst>
           </p:cNvPr>
@@ -506,7 +507,7 @@
           <p:cNvPr id="6" name="Slide Number Placeholder 5">
             <a:extLst>
               <a:ext uri="{FF2B5EF4-FFF2-40B4-BE49-F238E27FC236}">
-                <a16:creationId xmlns="" xmlns:a16="http://schemas.microsoft.com/office/drawing/2014/main" id="{875EEBA2-86F2-87A7-B35D-B36F3EABE08C}"/>
+                <a16:creationId xmlns:a16="http://schemas.microsoft.com/office/drawing/2014/main" xmlns="" id="{875EEBA2-86F2-87A7-B35D-B36F3EABE08C}"/>
               </a:ext>
             </a:extLst>
           </p:cNvPr>
@@ -565,7 +566,7 @@
           <p:cNvPr id="2" name="Vertical Title 1">
             <a:extLst>
               <a:ext uri="{FF2B5EF4-FFF2-40B4-BE49-F238E27FC236}">
-                <a16:creationId xmlns="" xmlns:a16="http://schemas.microsoft.com/office/drawing/2014/main" id="{1FC96069-F8CF-A197-DE4E-30A66C6519B2}"/>
+                <a16:creationId xmlns:a16="http://schemas.microsoft.com/office/drawing/2014/main" xmlns="" id="{1FC96069-F8CF-A197-DE4E-30A66C6519B2}"/>
               </a:ext>
             </a:extLst>
           </p:cNvPr>
@@ -599,7 +600,7 @@
           <p:cNvPr id="3" name="Vertical Text Placeholder 2">
             <a:extLst>
               <a:ext uri="{FF2B5EF4-FFF2-40B4-BE49-F238E27FC236}">
-                <a16:creationId xmlns="" xmlns:a16="http://schemas.microsoft.com/office/drawing/2014/main" id="{B70064AD-E8B3-1626-47FB-F18D3059EBCC}"/>
+                <a16:creationId xmlns:a16="http://schemas.microsoft.com/office/drawing/2014/main" xmlns="" id="{B70064AD-E8B3-1626-47FB-F18D3059EBCC}"/>
               </a:ext>
             </a:extLst>
           </p:cNvPr>
@@ -662,7 +663,7 @@
           <p:cNvPr id="4" name="Date Placeholder 3">
             <a:extLst>
               <a:ext uri="{FF2B5EF4-FFF2-40B4-BE49-F238E27FC236}">
-                <a16:creationId xmlns="" xmlns:a16="http://schemas.microsoft.com/office/drawing/2014/main" id="{31287859-8E1B-C69B-0097-DA617596B98F}"/>
+                <a16:creationId xmlns:a16="http://schemas.microsoft.com/office/drawing/2014/main" xmlns="" id="{31287859-8E1B-C69B-0097-DA617596B98F}"/>
               </a:ext>
             </a:extLst>
           </p:cNvPr>
@@ -691,7 +692,7 @@
           <p:cNvPr id="5" name="Footer Placeholder 4">
             <a:extLst>
               <a:ext uri="{FF2B5EF4-FFF2-40B4-BE49-F238E27FC236}">
-                <a16:creationId xmlns="" xmlns:a16="http://schemas.microsoft.com/office/drawing/2014/main" id="{D50FD12A-C75F-B3B7-CECD-30E369EDF529}"/>
+                <a16:creationId xmlns:a16="http://schemas.microsoft.com/office/drawing/2014/main" xmlns="" id="{D50FD12A-C75F-B3B7-CECD-30E369EDF529}"/>
               </a:ext>
             </a:extLst>
           </p:cNvPr>
@@ -716,7 +717,7 @@
           <p:cNvPr id="6" name="Slide Number Placeholder 5">
             <a:extLst>
               <a:ext uri="{FF2B5EF4-FFF2-40B4-BE49-F238E27FC236}">
-                <a16:creationId xmlns="" xmlns:a16="http://schemas.microsoft.com/office/drawing/2014/main" id="{B8B425AC-C0E7-44A0-6373-01A23A782076}"/>
+                <a16:creationId xmlns:a16="http://schemas.microsoft.com/office/drawing/2014/main" xmlns="" id="{B8B425AC-C0E7-44A0-6373-01A23A782076}"/>
               </a:ext>
             </a:extLst>
           </p:cNvPr>
@@ -775,7 +776,7 @@
           <p:cNvPr id="2" name="Title 1">
             <a:extLst>
               <a:ext uri="{FF2B5EF4-FFF2-40B4-BE49-F238E27FC236}">
-                <a16:creationId xmlns="" xmlns:a16="http://schemas.microsoft.com/office/drawing/2014/main" id="{92D8EE88-365E-CAB9-20F3-3DB372FB476C}"/>
+                <a16:creationId xmlns:a16="http://schemas.microsoft.com/office/drawing/2014/main" xmlns="" id="{92D8EE88-365E-CAB9-20F3-3DB372FB476C}"/>
               </a:ext>
             </a:extLst>
           </p:cNvPr>
@@ -804,7 +805,7 @@
           <p:cNvPr id="3" name="Content Placeholder 2">
             <a:extLst>
               <a:ext uri="{FF2B5EF4-FFF2-40B4-BE49-F238E27FC236}">
-                <a16:creationId xmlns="" xmlns:a16="http://schemas.microsoft.com/office/drawing/2014/main" id="{C5678E7A-574C-5462-40C8-A9C96C31A860}"/>
+                <a16:creationId xmlns:a16="http://schemas.microsoft.com/office/drawing/2014/main" xmlns="" id="{C5678E7A-574C-5462-40C8-A9C96C31A860}"/>
               </a:ext>
             </a:extLst>
           </p:cNvPr>
@@ -862,7 +863,7 @@
           <p:cNvPr id="4" name="Date Placeholder 3">
             <a:extLst>
               <a:ext uri="{FF2B5EF4-FFF2-40B4-BE49-F238E27FC236}">
-                <a16:creationId xmlns="" xmlns:a16="http://schemas.microsoft.com/office/drawing/2014/main" id="{0AB4A276-4715-FE79-33CA-B6F7461FAB60}"/>
+                <a16:creationId xmlns:a16="http://schemas.microsoft.com/office/drawing/2014/main" xmlns="" id="{0AB4A276-4715-FE79-33CA-B6F7461FAB60}"/>
               </a:ext>
             </a:extLst>
           </p:cNvPr>
@@ -891,7 +892,7 @@
           <p:cNvPr id="5" name="Footer Placeholder 4">
             <a:extLst>
               <a:ext uri="{FF2B5EF4-FFF2-40B4-BE49-F238E27FC236}">
-                <a16:creationId xmlns="" xmlns:a16="http://schemas.microsoft.com/office/drawing/2014/main" id="{80A0BBB0-CD46-8E85-1E8F-8FEAAE2B1BFB}"/>
+                <a16:creationId xmlns:a16="http://schemas.microsoft.com/office/drawing/2014/main" xmlns="" id="{80A0BBB0-CD46-8E85-1E8F-8FEAAE2B1BFB}"/>
               </a:ext>
             </a:extLst>
           </p:cNvPr>
@@ -916,7 +917,7 @@
           <p:cNvPr id="6" name="Slide Number Placeholder 5">
             <a:extLst>
               <a:ext uri="{FF2B5EF4-FFF2-40B4-BE49-F238E27FC236}">
-                <a16:creationId xmlns="" xmlns:a16="http://schemas.microsoft.com/office/drawing/2014/main" id="{CC9CBFCB-E28A-0480-8284-9D221A630F14}"/>
+                <a16:creationId xmlns:a16="http://schemas.microsoft.com/office/drawing/2014/main" xmlns="" id="{CC9CBFCB-E28A-0480-8284-9D221A630F14}"/>
               </a:ext>
             </a:extLst>
           </p:cNvPr>
@@ -975,7 +976,7 @@
           <p:cNvPr id="2" name="Title 1">
             <a:extLst>
               <a:ext uri="{FF2B5EF4-FFF2-40B4-BE49-F238E27FC236}">
-                <a16:creationId xmlns="" xmlns:a16="http://schemas.microsoft.com/office/drawing/2014/main" id="{F2ABCD7D-2F76-A9EB-6C54-BD2ADE9A334C}"/>
+                <a16:creationId xmlns:a16="http://schemas.microsoft.com/office/drawing/2014/main" xmlns="" id="{F2ABCD7D-2F76-A9EB-6C54-BD2ADE9A334C}"/>
               </a:ext>
             </a:extLst>
           </p:cNvPr>
@@ -1013,7 +1014,7 @@
           <p:cNvPr id="3" name="Text Placeholder 2">
             <a:extLst>
               <a:ext uri="{FF2B5EF4-FFF2-40B4-BE49-F238E27FC236}">
-                <a16:creationId xmlns="" xmlns:a16="http://schemas.microsoft.com/office/drawing/2014/main" id="{AEC4588D-1DA2-5601-851A-DD87E190D8DE}"/>
+                <a16:creationId xmlns:a16="http://schemas.microsoft.com/office/drawing/2014/main" xmlns="" id="{AEC4588D-1DA2-5601-851A-DD87E190D8DE}"/>
               </a:ext>
             </a:extLst>
           </p:cNvPr>
@@ -1138,7 +1139,7 @@
           <p:cNvPr id="4" name="Date Placeholder 3">
             <a:extLst>
               <a:ext uri="{FF2B5EF4-FFF2-40B4-BE49-F238E27FC236}">
-                <a16:creationId xmlns="" xmlns:a16="http://schemas.microsoft.com/office/drawing/2014/main" id="{5E2C9A32-0D4D-58A0-01ED-96F553A8B488}"/>
+                <a16:creationId xmlns:a16="http://schemas.microsoft.com/office/drawing/2014/main" xmlns="" id="{5E2C9A32-0D4D-58A0-01ED-96F553A8B488}"/>
               </a:ext>
             </a:extLst>
           </p:cNvPr>
@@ -1167,7 +1168,7 @@
           <p:cNvPr id="5" name="Footer Placeholder 4">
             <a:extLst>
               <a:ext uri="{FF2B5EF4-FFF2-40B4-BE49-F238E27FC236}">
-                <a16:creationId xmlns="" xmlns:a16="http://schemas.microsoft.com/office/drawing/2014/main" id="{1793D1C3-A65E-F1E9-2746-8E93684A3ACA}"/>
+                <a16:creationId xmlns:a16="http://schemas.microsoft.com/office/drawing/2014/main" xmlns="" id="{1793D1C3-A65E-F1E9-2746-8E93684A3ACA}"/>
               </a:ext>
             </a:extLst>
           </p:cNvPr>
@@ -1192,7 +1193,7 @@
           <p:cNvPr id="6" name="Slide Number Placeholder 5">
             <a:extLst>
               <a:ext uri="{FF2B5EF4-FFF2-40B4-BE49-F238E27FC236}">
-                <a16:creationId xmlns="" xmlns:a16="http://schemas.microsoft.com/office/drawing/2014/main" id="{5B344D94-A8C3-557D-6697-9E3F35AC91FF}"/>
+                <a16:creationId xmlns:a16="http://schemas.microsoft.com/office/drawing/2014/main" xmlns="" id="{5B344D94-A8C3-557D-6697-9E3F35AC91FF}"/>
               </a:ext>
             </a:extLst>
           </p:cNvPr>
@@ -1251,7 +1252,7 @@
           <p:cNvPr id="2" name="Title 1">
             <a:extLst>
               <a:ext uri="{FF2B5EF4-FFF2-40B4-BE49-F238E27FC236}">
-                <a16:creationId xmlns="" xmlns:a16="http://schemas.microsoft.com/office/drawing/2014/main" id="{38FDF45D-A799-F9B9-0E47-ABA847535C3E}"/>
+                <a16:creationId xmlns:a16="http://schemas.microsoft.com/office/drawing/2014/main" xmlns="" id="{38FDF45D-A799-F9B9-0E47-ABA847535C3E}"/>
               </a:ext>
             </a:extLst>
           </p:cNvPr>
@@ -1280,7 +1281,7 @@
           <p:cNvPr id="3" name="Content Placeholder 2">
             <a:extLst>
               <a:ext uri="{FF2B5EF4-FFF2-40B4-BE49-F238E27FC236}">
-                <a16:creationId xmlns="" xmlns:a16="http://schemas.microsoft.com/office/drawing/2014/main" id="{2057F595-3D5F-D1F0-29F4-CACD6AB4E787}"/>
+                <a16:creationId xmlns:a16="http://schemas.microsoft.com/office/drawing/2014/main" xmlns="" id="{2057F595-3D5F-D1F0-29F4-CACD6AB4E787}"/>
               </a:ext>
             </a:extLst>
           </p:cNvPr>
@@ -1343,7 +1344,7 @@
           <p:cNvPr id="4" name="Content Placeholder 3">
             <a:extLst>
               <a:ext uri="{FF2B5EF4-FFF2-40B4-BE49-F238E27FC236}">
-                <a16:creationId xmlns="" xmlns:a16="http://schemas.microsoft.com/office/drawing/2014/main" id="{48D0A82F-14AF-AA05-9830-A392409EA597}"/>
+                <a16:creationId xmlns:a16="http://schemas.microsoft.com/office/drawing/2014/main" xmlns="" id="{48D0A82F-14AF-AA05-9830-A392409EA597}"/>
               </a:ext>
             </a:extLst>
           </p:cNvPr>
@@ -1406,7 +1407,7 @@
           <p:cNvPr id="5" name="Date Placeholder 4">
             <a:extLst>
               <a:ext uri="{FF2B5EF4-FFF2-40B4-BE49-F238E27FC236}">
-                <a16:creationId xmlns="" xmlns:a16="http://schemas.microsoft.com/office/drawing/2014/main" id="{E90C682B-6B5C-33EC-6331-9ED66FF339F0}"/>
+                <a16:creationId xmlns:a16="http://schemas.microsoft.com/office/drawing/2014/main" xmlns="" id="{E90C682B-6B5C-33EC-6331-9ED66FF339F0}"/>
               </a:ext>
             </a:extLst>
           </p:cNvPr>
@@ -1435,7 +1436,7 @@
           <p:cNvPr id="6" name="Footer Placeholder 5">
             <a:extLst>
               <a:ext uri="{FF2B5EF4-FFF2-40B4-BE49-F238E27FC236}">
-                <a16:creationId xmlns="" xmlns:a16="http://schemas.microsoft.com/office/drawing/2014/main" id="{7C09C266-6C91-BEE9-0781-9DF65D3475B5}"/>
+                <a16:creationId xmlns:a16="http://schemas.microsoft.com/office/drawing/2014/main" xmlns="" id="{7C09C266-6C91-BEE9-0781-9DF65D3475B5}"/>
               </a:ext>
             </a:extLst>
           </p:cNvPr>
@@ -1460,7 +1461,7 @@
           <p:cNvPr id="7" name="Slide Number Placeholder 6">
             <a:extLst>
               <a:ext uri="{FF2B5EF4-FFF2-40B4-BE49-F238E27FC236}">
-                <a16:creationId xmlns="" xmlns:a16="http://schemas.microsoft.com/office/drawing/2014/main" id="{BFE8C09F-FC13-DAA0-721F-08722F089C9A}"/>
+                <a16:creationId xmlns:a16="http://schemas.microsoft.com/office/drawing/2014/main" xmlns="" id="{BFE8C09F-FC13-DAA0-721F-08722F089C9A}"/>
               </a:ext>
             </a:extLst>
           </p:cNvPr>
@@ -1519,7 +1520,7 @@
           <p:cNvPr id="2" name="Title 1">
             <a:extLst>
               <a:ext uri="{FF2B5EF4-FFF2-40B4-BE49-F238E27FC236}">
-                <a16:creationId xmlns="" xmlns:a16="http://schemas.microsoft.com/office/drawing/2014/main" id="{93CC10D8-3614-71BE-E26F-19170907D77E}"/>
+                <a16:creationId xmlns:a16="http://schemas.microsoft.com/office/drawing/2014/main" xmlns="" id="{93CC10D8-3614-71BE-E26F-19170907D77E}"/>
               </a:ext>
             </a:extLst>
           </p:cNvPr>
@@ -1553,7 +1554,7 @@
           <p:cNvPr id="3" name="Text Placeholder 2">
             <a:extLst>
               <a:ext uri="{FF2B5EF4-FFF2-40B4-BE49-F238E27FC236}">
-                <a16:creationId xmlns="" xmlns:a16="http://schemas.microsoft.com/office/drawing/2014/main" id="{169FEA6D-A997-DB5E-3380-8F12EFC96458}"/>
+                <a16:creationId xmlns:a16="http://schemas.microsoft.com/office/drawing/2014/main" xmlns="" id="{169FEA6D-A997-DB5E-3380-8F12EFC96458}"/>
               </a:ext>
             </a:extLst>
           </p:cNvPr>
@@ -1624,7 +1625,7 @@
           <p:cNvPr id="4" name="Content Placeholder 3">
             <a:extLst>
               <a:ext uri="{FF2B5EF4-FFF2-40B4-BE49-F238E27FC236}">
-                <a16:creationId xmlns="" xmlns:a16="http://schemas.microsoft.com/office/drawing/2014/main" id="{8B94CEDB-2A82-8B1E-00CA-1D12FDD1FAC2}"/>
+                <a16:creationId xmlns:a16="http://schemas.microsoft.com/office/drawing/2014/main" xmlns="" id="{8B94CEDB-2A82-8B1E-00CA-1D12FDD1FAC2}"/>
               </a:ext>
             </a:extLst>
           </p:cNvPr>
@@ -1687,7 +1688,7 @@
           <p:cNvPr id="5" name="Text Placeholder 4">
             <a:extLst>
               <a:ext uri="{FF2B5EF4-FFF2-40B4-BE49-F238E27FC236}">
-                <a16:creationId xmlns="" xmlns:a16="http://schemas.microsoft.com/office/drawing/2014/main" id="{1BDB36BE-07C4-8715-06FE-5FDCD9C8D072}"/>
+                <a16:creationId xmlns:a16="http://schemas.microsoft.com/office/drawing/2014/main" xmlns="" id="{1BDB36BE-07C4-8715-06FE-5FDCD9C8D072}"/>
               </a:ext>
             </a:extLst>
           </p:cNvPr>
@@ -1758,7 +1759,7 @@
           <p:cNvPr id="6" name="Content Placeholder 5">
             <a:extLst>
               <a:ext uri="{FF2B5EF4-FFF2-40B4-BE49-F238E27FC236}">
-                <a16:creationId xmlns="" xmlns:a16="http://schemas.microsoft.com/office/drawing/2014/main" id="{4CF77444-77FC-EF32-742B-D2E89CEA9C3A}"/>
+                <a16:creationId xmlns:a16="http://schemas.microsoft.com/office/drawing/2014/main" xmlns="" id="{4CF77444-77FC-EF32-742B-D2E89CEA9C3A}"/>
               </a:ext>
             </a:extLst>
           </p:cNvPr>
@@ -1821,7 +1822,7 @@
           <p:cNvPr id="7" name="Date Placeholder 6">
             <a:extLst>
               <a:ext uri="{FF2B5EF4-FFF2-40B4-BE49-F238E27FC236}">
-                <a16:creationId xmlns="" xmlns:a16="http://schemas.microsoft.com/office/drawing/2014/main" id="{4439F50D-DC25-555D-1883-4A41D4B80AE0}"/>
+                <a16:creationId xmlns:a16="http://schemas.microsoft.com/office/drawing/2014/main" xmlns="" id="{4439F50D-DC25-555D-1883-4A41D4B80AE0}"/>
               </a:ext>
             </a:extLst>
           </p:cNvPr>
@@ -1850,7 +1851,7 @@
           <p:cNvPr id="8" name="Footer Placeholder 7">
             <a:extLst>
               <a:ext uri="{FF2B5EF4-FFF2-40B4-BE49-F238E27FC236}">
-                <a16:creationId xmlns="" xmlns:a16="http://schemas.microsoft.com/office/drawing/2014/main" id="{8FEDEC04-0F36-E5B7-4060-2A6BB2586675}"/>
+                <a16:creationId xmlns:a16="http://schemas.microsoft.com/office/drawing/2014/main" xmlns="" id="{8FEDEC04-0F36-E5B7-4060-2A6BB2586675}"/>
               </a:ext>
             </a:extLst>
           </p:cNvPr>
@@ -1875,7 +1876,7 @@
           <p:cNvPr id="9" name="Slide Number Placeholder 8">
             <a:extLst>
               <a:ext uri="{FF2B5EF4-FFF2-40B4-BE49-F238E27FC236}">
-                <a16:creationId xmlns="" xmlns:a16="http://schemas.microsoft.com/office/drawing/2014/main" id="{08F3B794-685E-C1CB-3C74-DC1A770B4CF5}"/>
+                <a16:creationId xmlns:a16="http://schemas.microsoft.com/office/drawing/2014/main" xmlns="" id="{08F3B794-685E-C1CB-3C74-DC1A770B4CF5}"/>
               </a:ext>
             </a:extLst>
           </p:cNvPr>
@@ -1934,7 +1935,7 @@
           <p:cNvPr id="2" name="Title 1">
             <a:extLst>
               <a:ext uri="{FF2B5EF4-FFF2-40B4-BE49-F238E27FC236}">
-                <a16:creationId xmlns="" xmlns:a16="http://schemas.microsoft.com/office/drawing/2014/main" id="{02B75D1C-021C-D74F-5CF0-18026BD29F87}"/>
+                <a16:creationId xmlns:a16="http://schemas.microsoft.com/office/drawing/2014/main" xmlns="" id="{02B75D1C-021C-D74F-5CF0-18026BD29F87}"/>
               </a:ext>
             </a:extLst>
           </p:cNvPr>
@@ -1963,7 +1964,7 @@
           <p:cNvPr id="3" name="Date Placeholder 2">
             <a:extLst>
               <a:ext uri="{FF2B5EF4-FFF2-40B4-BE49-F238E27FC236}">
-                <a16:creationId xmlns="" xmlns:a16="http://schemas.microsoft.com/office/drawing/2014/main" id="{06CFC122-549E-5618-B8F0-D9CEB107809A}"/>
+                <a16:creationId xmlns:a16="http://schemas.microsoft.com/office/drawing/2014/main" xmlns="" id="{06CFC122-549E-5618-B8F0-D9CEB107809A}"/>
               </a:ext>
             </a:extLst>
           </p:cNvPr>
@@ -1992,7 +1993,7 @@
           <p:cNvPr id="4" name="Footer Placeholder 3">
             <a:extLst>
               <a:ext uri="{FF2B5EF4-FFF2-40B4-BE49-F238E27FC236}">
-                <a16:creationId xmlns="" xmlns:a16="http://schemas.microsoft.com/office/drawing/2014/main" id="{53041D40-FC66-978E-401D-82BAEF2D96A4}"/>
+                <a16:creationId xmlns:a16="http://schemas.microsoft.com/office/drawing/2014/main" xmlns="" id="{53041D40-FC66-978E-401D-82BAEF2D96A4}"/>
               </a:ext>
             </a:extLst>
           </p:cNvPr>
@@ -2017,7 +2018,7 @@
           <p:cNvPr id="5" name="Slide Number Placeholder 4">
             <a:extLst>
               <a:ext uri="{FF2B5EF4-FFF2-40B4-BE49-F238E27FC236}">
-                <a16:creationId xmlns="" xmlns:a16="http://schemas.microsoft.com/office/drawing/2014/main" id="{5C8C1D08-B7BE-C3F9-DAEE-F18BE2441164}"/>
+                <a16:creationId xmlns:a16="http://schemas.microsoft.com/office/drawing/2014/main" xmlns="" id="{5C8C1D08-B7BE-C3F9-DAEE-F18BE2441164}"/>
               </a:ext>
             </a:extLst>
           </p:cNvPr>
@@ -2076,7 +2077,7 @@
           <p:cNvPr id="2" name="Date Placeholder 1">
             <a:extLst>
               <a:ext uri="{FF2B5EF4-FFF2-40B4-BE49-F238E27FC236}">
-                <a16:creationId xmlns="" xmlns:a16="http://schemas.microsoft.com/office/drawing/2014/main" id="{C0C07E5E-9889-98AD-98C3-1C4B3BD0D832}"/>
+                <a16:creationId xmlns:a16="http://schemas.microsoft.com/office/drawing/2014/main" xmlns="" id="{C0C07E5E-9889-98AD-98C3-1C4B3BD0D832}"/>
               </a:ext>
             </a:extLst>
           </p:cNvPr>
@@ -2105,7 +2106,7 @@
           <p:cNvPr id="3" name="Footer Placeholder 2">
             <a:extLst>
               <a:ext uri="{FF2B5EF4-FFF2-40B4-BE49-F238E27FC236}">
-                <a16:creationId xmlns="" xmlns:a16="http://schemas.microsoft.com/office/drawing/2014/main" id="{3F4F7ECB-8C23-0CC2-16B6-1CBE09E4823F}"/>
+                <a16:creationId xmlns:a16="http://schemas.microsoft.com/office/drawing/2014/main" xmlns="" id="{3F4F7ECB-8C23-0CC2-16B6-1CBE09E4823F}"/>
               </a:ext>
             </a:extLst>
           </p:cNvPr>
@@ -2130,7 +2131,7 @@
           <p:cNvPr id="4" name="Slide Number Placeholder 3">
             <a:extLst>
               <a:ext uri="{FF2B5EF4-FFF2-40B4-BE49-F238E27FC236}">
-                <a16:creationId xmlns="" xmlns:a16="http://schemas.microsoft.com/office/drawing/2014/main" id="{E60B3913-6B24-E4CC-E9D2-562924E7752A}"/>
+                <a16:creationId xmlns:a16="http://schemas.microsoft.com/office/drawing/2014/main" xmlns="" id="{E60B3913-6B24-E4CC-E9D2-562924E7752A}"/>
               </a:ext>
             </a:extLst>
           </p:cNvPr>
@@ -2189,7 +2190,7 @@
           <p:cNvPr id="2" name="Title 1">
             <a:extLst>
               <a:ext uri="{FF2B5EF4-FFF2-40B4-BE49-F238E27FC236}">
-                <a16:creationId xmlns="" xmlns:a16="http://schemas.microsoft.com/office/drawing/2014/main" id="{325839DC-35F7-4A06-5D9B-B4772F2348A0}"/>
+                <a16:creationId xmlns:a16="http://schemas.microsoft.com/office/drawing/2014/main" xmlns="" id="{325839DC-35F7-4A06-5D9B-B4772F2348A0}"/>
               </a:ext>
             </a:extLst>
           </p:cNvPr>
@@ -2227,7 +2228,7 @@
           <p:cNvPr id="3" name="Content Placeholder 2">
             <a:extLst>
               <a:ext uri="{FF2B5EF4-FFF2-40B4-BE49-F238E27FC236}">
-                <a16:creationId xmlns="" xmlns:a16="http://schemas.microsoft.com/office/drawing/2014/main" id="{D6C1C81A-B55D-5BD6-586A-D7750A2E00D9}"/>
+                <a16:creationId xmlns:a16="http://schemas.microsoft.com/office/drawing/2014/main" xmlns="" id="{D6C1C81A-B55D-5BD6-586A-D7750A2E00D9}"/>
               </a:ext>
             </a:extLst>
           </p:cNvPr>
@@ -2318,7 +2319,7 @@
           <p:cNvPr id="4" name="Text Placeholder 3">
             <a:extLst>
               <a:ext uri="{FF2B5EF4-FFF2-40B4-BE49-F238E27FC236}">
-                <a16:creationId xmlns="" xmlns:a16="http://schemas.microsoft.com/office/drawing/2014/main" id="{DA488136-11D3-DCE2-9C0F-45286629A542}"/>
+                <a16:creationId xmlns:a16="http://schemas.microsoft.com/office/drawing/2014/main" xmlns="" id="{DA488136-11D3-DCE2-9C0F-45286629A542}"/>
               </a:ext>
             </a:extLst>
           </p:cNvPr>
@@ -2389,7 +2390,7 @@
           <p:cNvPr id="5" name="Date Placeholder 4">
             <a:extLst>
               <a:ext uri="{FF2B5EF4-FFF2-40B4-BE49-F238E27FC236}">
-                <a16:creationId xmlns="" xmlns:a16="http://schemas.microsoft.com/office/drawing/2014/main" id="{056D1ACA-892F-693B-BD88-4BDA7A408375}"/>
+                <a16:creationId xmlns:a16="http://schemas.microsoft.com/office/drawing/2014/main" xmlns="" id="{056D1ACA-892F-693B-BD88-4BDA7A408375}"/>
               </a:ext>
             </a:extLst>
           </p:cNvPr>
@@ -2418,7 +2419,7 @@
           <p:cNvPr id="6" name="Footer Placeholder 5">
             <a:extLst>
               <a:ext uri="{FF2B5EF4-FFF2-40B4-BE49-F238E27FC236}">
-                <a16:creationId xmlns="" xmlns:a16="http://schemas.microsoft.com/office/drawing/2014/main" id="{1BB2510E-12B1-135D-78C8-7BB09D1ACBDA}"/>
+                <a16:creationId xmlns:a16="http://schemas.microsoft.com/office/drawing/2014/main" xmlns="" id="{1BB2510E-12B1-135D-78C8-7BB09D1ACBDA}"/>
               </a:ext>
             </a:extLst>
           </p:cNvPr>
@@ -2443,7 +2444,7 @@
           <p:cNvPr id="7" name="Slide Number Placeholder 6">
             <a:extLst>
               <a:ext uri="{FF2B5EF4-FFF2-40B4-BE49-F238E27FC236}">
-                <a16:creationId xmlns="" xmlns:a16="http://schemas.microsoft.com/office/drawing/2014/main" id="{8E6B7611-B23C-1E83-6B02-C76FFC6FCB7D}"/>
+                <a16:creationId xmlns:a16="http://schemas.microsoft.com/office/drawing/2014/main" xmlns="" id="{8E6B7611-B23C-1E83-6B02-C76FFC6FCB7D}"/>
               </a:ext>
             </a:extLst>
           </p:cNvPr>
@@ -2502,7 +2503,7 @@
           <p:cNvPr id="2" name="Title 1">
             <a:extLst>
               <a:ext uri="{FF2B5EF4-FFF2-40B4-BE49-F238E27FC236}">
-                <a16:creationId xmlns="" xmlns:a16="http://schemas.microsoft.com/office/drawing/2014/main" id="{5BDA285B-29AB-BCB1-9550-BB008D50125D}"/>
+                <a16:creationId xmlns:a16="http://schemas.microsoft.com/office/drawing/2014/main" xmlns="" id="{5BDA285B-29AB-BCB1-9550-BB008D50125D}"/>
               </a:ext>
             </a:extLst>
           </p:cNvPr>
@@ -2540,7 +2541,7 @@
           <p:cNvPr id="3" name="Picture Placeholder 2">
             <a:extLst>
               <a:ext uri="{FF2B5EF4-FFF2-40B4-BE49-F238E27FC236}">
-                <a16:creationId xmlns="" xmlns:a16="http://schemas.microsoft.com/office/drawing/2014/main" id="{F74D9275-0495-B571-1F15-72EBAA2279C3}"/>
+                <a16:creationId xmlns:a16="http://schemas.microsoft.com/office/drawing/2014/main" xmlns="" id="{F74D9275-0495-B571-1F15-72EBAA2279C3}"/>
               </a:ext>
             </a:extLst>
           </p:cNvPr>
@@ -2607,7 +2608,7 @@
           <p:cNvPr id="4" name="Text Placeholder 3">
             <a:extLst>
               <a:ext uri="{FF2B5EF4-FFF2-40B4-BE49-F238E27FC236}">
-                <a16:creationId xmlns="" xmlns:a16="http://schemas.microsoft.com/office/drawing/2014/main" id="{A0F19077-DEDA-D5FC-9195-5863F74054A5}"/>
+                <a16:creationId xmlns:a16="http://schemas.microsoft.com/office/drawing/2014/main" xmlns="" id="{A0F19077-DEDA-D5FC-9195-5863F74054A5}"/>
               </a:ext>
             </a:extLst>
           </p:cNvPr>
@@ -2678,7 +2679,7 @@
           <p:cNvPr id="5" name="Date Placeholder 4">
             <a:extLst>
               <a:ext uri="{FF2B5EF4-FFF2-40B4-BE49-F238E27FC236}">
-                <a16:creationId xmlns="" xmlns:a16="http://schemas.microsoft.com/office/drawing/2014/main" id="{DA38E1A3-155B-6390-5BC1-D6755341FAE5}"/>
+                <a16:creationId xmlns:a16="http://schemas.microsoft.com/office/drawing/2014/main" xmlns="" id="{DA38E1A3-155B-6390-5BC1-D6755341FAE5}"/>
               </a:ext>
             </a:extLst>
           </p:cNvPr>
@@ -2707,7 +2708,7 @@
           <p:cNvPr id="6" name="Footer Placeholder 5">
             <a:extLst>
               <a:ext uri="{FF2B5EF4-FFF2-40B4-BE49-F238E27FC236}">
-                <a16:creationId xmlns="" xmlns:a16="http://schemas.microsoft.com/office/drawing/2014/main" id="{6DA633CE-17A8-8970-CB7C-7F516EE2BDDF}"/>
+                <a16:creationId xmlns:a16="http://schemas.microsoft.com/office/drawing/2014/main" xmlns="" id="{6DA633CE-17A8-8970-CB7C-7F516EE2BDDF}"/>
               </a:ext>
             </a:extLst>
           </p:cNvPr>
@@ -2732,7 +2733,7 @@
           <p:cNvPr id="7" name="Slide Number Placeholder 6">
             <a:extLst>
               <a:ext uri="{FF2B5EF4-FFF2-40B4-BE49-F238E27FC236}">
-                <a16:creationId xmlns="" xmlns:a16="http://schemas.microsoft.com/office/drawing/2014/main" id="{ACF23FE1-9938-E7A8-1F32-5D9F68BCBA71}"/>
+                <a16:creationId xmlns:a16="http://schemas.microsoft.com/office/drawing/2014/main" xmlns="" id="{ACF23FE1-9938-E7A8-1F32-5D9F68BCBA71}"/>
               </a:ext>
             </a:extLst>
           </p:cNvPr>
@@ -2796,7 +2797,7 @@
           <p:cNvPr id="2" name="Title Placeholder 1">
             <a:extLst>
               <a:ext uri="{FF2B5EF4-FFF2-40B4-BE49-F238E27FC236}">
-                <a16:creationId xmlns="" xmlns:a16="http://schemas.microsoft.com/office/drawing/2014/main" id="{CEAC5BA3-B27D-2AC3-8BCE-8D31A7D4843E}"/>
+                <a16:creationId xmlns:a16="http://schemas.microsoft.com/office/drawing/2014/main" xmlns="" id="{CEAC5BA3-B27D-2AC3-8BCE-8D31A7D4843E}"/>
               </a:ext>
             </a:extLst>
           </p:cNvPr>
@@ -2835,7 +2836,7 @@
           <p:cNvPr id="3" name="Text Placeholder 2">
             <a:extLst>
               <a:ext uri="{FF2B5EF4-FFF2-40B4-BE49-F238E27FC236}">
-                <a16:creationId xmlns="" xmlns:a16="http://schemas.microsoft.com/office/drawing/2014/main" id="{25634792-65D8-D335-0E9E-7FB06518DBF8}"/>
+                <a16:creationId xmlns:a16="http://schemas.microsoft.com/office/drawing/2014/main" xmlns="" id="{25634792-65D8-D335-0E9E-7FB06518DBF8}"/>
               </a:ext>
             </a:extLst>
           </p:cNvPr>
@@ -2903,7 +2904,7 @@
           <p:cNvPr id="4" name="Date Placeholder 3">
             <a:extLst>
               <a:ext uri="{FF2B5EF4-FFF2-40B4-BE49-F238E27FC236}">
-                <a16:creationId xmlns="" xmlns:a16="http://schemas.microsoft.com/office/drawing/2014/main" id="{8A24D74F-DEAD-9898-B1A1-9CCCAB8B7FE3}"/>
+                <a16:creationId xmlns:a16="http://schemas.microsoft.com/office/drawing/2014/main" xmlns="" id="{8A24D74F-DEAD-9898-B1A1-9CCCAB8B7FE3}"/>
               </a:ext>
             </a:extLst>
           </p:cNvPr>
@@ -2950,7 +2951,7 @@
           <p:cNvPr id="5" name="Footer Placeholder 4">
             <a:extLst>
               <a:ext uri="{FF2B5EF4-FFF2-40B4-BE49-F238E27FC236}">
-                <a16:creationId xmlns="" xmlns:a16="http://schemas.microsoft.com/office/drawing/2014/main" id="{91E2885E-FA16-A8B4-772B-3B3306478159}"/>
+                <a16:creationId xmlns:a16="http://schemas.microsoft.com/office/drawing/2014/main" xmlns="" id="{91E2885E-FA16-A8B4-772B-3B3306478159}"/>
               </a:ext>
             </a:extLst>
           </p:cNvPr>
@@ -2993,7 +2994,7 @@
           <p:cNvPr id="6" name="Slide Number Placeholder 5">
             <a:extLst>
               <a:ext uri="{FF2B5EF4-FFF2-40B4-BE49-F238E27FC236}">
-                <a16:creationId xmlns="" xmlns:a16="http://schemas.microsoft.com/office/drawing/2014/main" id="{13CAFF3D-A0F8-1C5F-3F30-1142AFDB2765}"/>
+                <a16:creationId xmlns:a16="http://schemas.microsoft.com/office/drawing/2014/main" xmlns="" id="{13CAFF3D-A0F8-1C5F-3F30-1142AFDB2765}"/>
               </a:ext>
             </a:extLst>
           </p:cNvPr>
@@ -3361,7 +3362,7 @@
           <p:cNvPr id="2" name="Title 1">
             <a:extLst>
               <a:ext uri="{FF2B5EF4-FFF2-40B4-BE49-F238E27FC236}">
-                <a16:creationId xmlns="" xmlns:a16="http://schemas.microsoft.com/office/drawing/2014/main" id="{377C7B94-FAF9-7ED8-E1ED-69A323B8EB79}"/>
+                <a16:creationId xmlns:a16="http://schemas.microsoft.com/office/drawing/2014/main" xmlns="" id="{377C7B94-FAF9-7ED8-E1ED-69A323B8EB79}"/>
               </a:ext>
             </a:extLst>
           </p:cNvPr>
@@ -3390,7 +3391,7 @@
           <p:cNvPr id="3" name="Subtitle 2">
             <a:extLst>
               <a:ext uri="{FF2B5EF4-FFF2-40B4-BE49-F238E27FC236}">
-                <a16:creationId xmlns="" xmlns:a16="http://schemas.microsoft.com/office/drawing/2014/main" id="{0DC2EBE6-D970-1494-228B-ADE08D5AD456}"/>
+                <a16:creationId xmlns:a16="http://schemas.microsoft.com/office/drawing/2014/main" xmlns="" id="{0DC2EBE6-D970-1494-228B-ADE08D5AD456}"/>
               </a:ext>
             </a:extLst>
           </p:cNvPr>
@@ -3457,7 +3458,7 @@
           <p:cNvPr id="2" name="Title 1">
             <a:extLst>
               <a:ext uri="{FF2B5EF4-FFF2-40B4-BE49-F238E27FC236}">
-                <a16:creationId xmlns="" xmlns:a16="http://schemas.microsoft.com/office/drawing/2014/main" id="{85299696-510F-B919-FBD6-2973CF25FC17}"/>
+                <a16:creationId xmlns:a16="http://schemas.microsoft.com/office/drawing/2014/main" xmlns="" id="{85299696-510F-B919-FBD6-2973CF25FC17}"/>
               </a:ext>
             </a:extLst>
           </p:cNvPr>
@@ -3486,7 +3487,7 @@
           <p:cNvPr id="3" name="Content Placeholder 2">
             <a:extLst>
               <a:ext uri="{FF2B5EF4-FFF2-40B4-BE49-F238E27FC236}">
-                <a16:creationId xmlns="" xmlns:a16="http://schemas.microsoft.com/office/drawing/2014/main" id="{2172BA96-7811-6211-64D0-36261E25F414}"/>
+                <a16:creationId xmlns:a16="http://schemas.microsoft.com/office/drawing/2014/main" xmlns="" id="{2172BA96-7811-6211-64D0-36261E25F414}"/>
               </a:ext>
             </a:extLst>
           </p:cNvPr>
@@ -3497,7 +3498,12 @@
             <p:ph idx="1"/>
           </p:nvPr>
         </p:nvSpPr>
-        <p:spPr/>
+        <p:spPr>
+          <a:xfrm>
+            <a:off x="838200" y="1557177"/>
+            <a:ext cx="10515600" cy="4351338"/>
+          </a:xfrm>
+        </p:spPr>
         <p:txBody>
           <a:bodyPr>
             <a:normAutofit/>
@@ -3509,11 +3515,7 @@
             </a:pPr>
             <a:r>
               <a:rPr lang="en-US" altLang="zh-CN" dirty="0" smtClean="0"/>
-              <a:t>Requirement </a:t>
-            </a:r>
-            <a:r>
-              <a:rPr lang="en-US" altLang="zh-CN" dirty="0" smtClean="0"/>
-              <a:t>analysis -&gt; Program Design -&gt; Implementation -&gt; AI </a:t>
+              <a:t>Requirement analysis -&gt; Program Design -&gt; Implementation -&gt; AI </a:t>
             </a:r>
             <a:r>
               <a:rPr lang="en-US" altLang="zh-CN" dirty="0"/>
@@ -3521,83 +3523,71 @@
             </a:r>
             <a:r>
               <a:rPr lang="en-US" altLang="zh-CN" dirty="0" smtClean="0"/>
-              <a:t>improvements -&gt; Verify</a:t>
-            </a:r>
+              <a:t>improvements -&gt; </a:t>
+            </a:r>
+            <a:r>
+              <a:rPr lang="en-US" altLang="zh-CN" dirty="0" smtClean="0"/>
+              <a:t>Verify</a:t>
+            </a:r>
+          </a:p>
+          <a:p>
+            <a:pPr marL="0" indent="0">
+              <a:buNone/>
+            </a:pPr>
             <a:endParaRPr lang="en-US" altLang="zh-CN" dirty="0" smtClean="0"/>
           </a:p>
           <a:p>
             <a:r>
-              <a:rPr lang="en-US" altLang="zh-CN" sz="2000" dirty="0" smtClean="0"/>
-              <a:t>Idea from project2 and project3</a:t>
-            </a:r>
-          </a:p>
-          <a:p>
-            <a:r>
-              <a:rPr lang="en-US" altLang="zh-CN" sz="2000" dirty="0" smtClean="0"/>
-              <a:t>Design </a:t>
-            </a:r>
-            <a:r>
-              <a:rPr lang="en-US" altLang="zh-CN" sz="2000" dirty="0"/>
-              <a:t>a</a:t>
-            </a:r>
-            <a:r>
-              <a:rPr lang="en-US" altLang="zh-CN" sz="2000" dirty="0" smtClean="0"/>
-              <a:t> </a:t>
-            </a:r>
-            <a:r>
-              <a:rPr lang="en-US" altLang="zh-CN" sz="2000" dirty="0"/>
-              <a:t>travel planner closer to real-life travel. </a:t>
-            </a:r>
-            <a:endParaRPr lang="en-US" altLang="zh-CN" dirty="0"/>
-          </a:p>
-          <a:p>
-            <a:r>
-              <a:rPr lang="en-US" altLang="zh-CN" sz="2000" dirty="0" smtClean="0"/>
-              <a:t>Extended anytime search </a:t>
-            </a:r>
-          </a:p>
-          <a:p>
-            <a:r>
-              <a:rPr lang="en-US" altLang="zh-CN" sz="2000" dirty="0" smtClean="0"/>
-              <a:t>Implement daily planner</a:t>
-            </a:r>
-            <a:endParaRPr lang="en-US" altLang="zh-CN" sz="2000" dirty="0" smtClean="0"/>
-          </a:p>
-          <a:p>
-            <a:r>
-              <a:rPr lang="en-US" altLang="zh-CN" sz="2000" dirty="0" smtClean="0"/>
-              <a:t>ChatGPT4.0 helps neural network design and training </a:t>
-            </a:r>
-            <a:endParaRPr lang="en-US" altLang="zh-CN" sz="2000" dirty="0"/>
-          </a:p>
-          <a:p>
-            <a:r>
-              <a:rPr lang="en-US" altLang="zh-CN" sz="2000" dirty="0" smtClean="0"/>
-              <a:t>We are </a:t>
-            </a:r>
-            <a:r>
-              <a:rPr lang="en-US" altLang="zh-CN" sz="2000" dirty="0"/>
-              <a:t>more familiar with search algorithms and neural network </a:t>
-            </a:r>
-            <a:r>
-              <a:rPr lang="en-US" altLang="zh-CN" sz="2000" dirty="0" smtClean="0"/>
-              <a:t>training</a:t>
-            </a:r>
-          </a:p>
-          <a:p>
-            <a:r>
-              <a:rPr lang="en-US" altLang="zh-CN" sz="2000" dirty="0" smtClean="0"/>
-              <a:t>In future, </a:t>
-            </a:r>
-            <a:r>
-              <a:rPr lang="en-US" altLang="zh-CN" sz="2000" dirty="0"/>
-              <a:t>we may extend the front-end of this project to implement a graphical </a:t>
-            </a:r>
-            <a:r>
-              <a:rPr lang="en-US" altLang="zh-CN" sz="2000" dirty="0" smtClean="0"/>
-              <a:t>interface</a:t>
-            </a:r>
-            <a:endParaRPr lang="zh-CN" altLang="en-US" sz="2000" dirty="0"/>
+              <a:rPr lang="en-US" altLang="zh-CN" sz="2400" dirty="0" smtClean="0"/>
+              <a:t>We </a:t>
+            </a:r>
+            <a:r>
+              <a:rPr lang="en-US" altLang="zh-CN" sz="2400" dirty="0"/>
+              <a:t>all </a:t>
+            </a:r>
+            <a:r>
+              <a:rPr lang="en-US" altLang="zh-CN" sz="2400" dirty="0" smtClean="0"/>
+              <a:t>agree that implement </a:t>
+            </a:r>
+            <a:r>
+              <a:rPr lang="en-US" altLang="zh-CN" sz="2400" dirty="0"/>
+              <a:t>a travel planner that could be used for real-life travel </a:t>
+            </a:r>
+            <a:r>
+              <a:rPr lang="en-US" altLang="zh-CN" sz="2400" dirty="0" smtClean="0"/>
+              <a:t>is a good idea.</a:t>
+            </a:r>
+          </a:p>
+          <a:p>
+            <a:endParaRPr lang="en-US" altLang="zh-CN" sz="2400" dirty="0"/>
+          </a:p>
+          <a:p>
+            <a:r>
+              <a:rPr lang="en-US" altLang="zh-CN" sz="2400" dirty="0" smtClean="0"/>
+              <a:t>We </a:t>
+            </a:r>
+            <a:r>
+              <a:rPr lang="en-US" altLang="zh-CN" sz="2400" dirty="0"/>
+              <a:t>completed the API of each function in modules. After testing each, we integrated </a:t>
+            </a:r>
+            <a:r>
+              <a:rPr lang="en-US" altLang="zh-CN" sz="2400" dirty="0" smtClean="0"/>
+              <a:t>them together.</a:t>
+            </a:r>
+          </a:p>
+          <a:p>
+            <a:endParaRPr lang="en-US" altLang="zh-CN" sz="2400" dirty="0" smtClean="0"/>
+          </a:p>
+          <a:p>
+            <a:r>
+              <a:rPr lang="en-US" altLang="zh-CN" sz="2400" dirty="0" err="1" smtClean="0"/>
+              <a:t>ChatGPT</a:t>
+            </a:r>
+            <a:r>
+              <a:rPr lang="en-US" altLang="zh-CN" sz="2400" dirty="0" smtClean="0"/>
+              <a:t> help us on neural network part debugging.</a:t>
+            </a:r>
+            <a:endParaRPr lang="en-US" altLang="zh-CN" sz="2400" dirty="0"/>
           </a:p>
         </p:txBody>
       </p:sp>
@@ -3605,6 +3595,128 @@
     <p:extLst>
       <p:ext uri="{BB962C8B-B14F-4D97-AF65-F5344CB8AC3E}">
         <p14:creationId xmlns:p14="http://schemas.microsoft.com/office/powerpoint/2010/main" val="81661308"/>
+      </p:ext>
+    </p:extLst>
+  </p:cSld>
+  <p:clrMapOvr>
+    <a:masterClrMapping/>
+  </p:clrMapOvr>
+</p:sld>
+</file>
+
+<file path=ppt/slides/slide11.xml><?xml version="1.0" encoding="utf-8"?>
+<p:sld xmlns:a="http://schemas.openxmlformats.org/drawingml/2006/main" xmlns:r="http://schemas.openxmlformats.org/officeDocument/2006/relationships" xmlns:p="http://schemas.openxmlformats.org/presentationml/2006/main">
+  <p:cSld>
+    <p:spTree>
+      <p:nvGrpSpPr>
+        <p:cNvPr id="1" name=""/>
+        <p:cNvGrpSpPr/>
+        <p:nvPr/>
+      </p:nvGrpSpPr>
+      <p:grpSpPr>
+        <a:xfrm>
+          <a:off x="0" y="0"/>
+          <a:ext cx="0" cy="0"/>
+          <a:chOff x="0" y="0"/>
+          <a:chExt cx="0" cy="0"/>
+        </a:xfrm>
+      </p:grpSpPr>
+      <p:sp>
+        <p:nvSpPr>
+          <p:cNvPr id="2" name="Title 1">
+            <a:extLst>
+              <a:ext uri="{FF2B5EF4-FFF2-40B4-BE49-F238E27FC236}">
+                <a16:creationId xmlns:a16="http://schemas.microsoft.com/office/drawing/2014/main" xmlns="" id="{85299696-510F-B919-FBD6-2973CF25FC17}"/>
+              </a:ext>
+            </a:extLst>
+          </p:cNvPr>
+          <p:cNvSpPr>
+            <a:spLocks noGrp="1"/>
+          </p:cNvSpPr>
+          <p:nvPr>
+            <p:ph type="title"/>
+          </p:nvPr>
+        </p:nvSpPr>
+        <p:spPr/>
+        <p:txBody>
+          <a:bodyPr/>
+          <a:lstStyle/>
+          <a:p>
+            <a:r>
+              <a:rPr lang="en-US" altLang="zh-CN" dirty="0"/>
+              <a:t>Development Process</a:t>
+            </a:r>
+            <a:endParaRPr lang="zh-CN" altLang="en-US" dirty="0"/>
+          </a:p>
+        </p:txBody>
+      </p:sp>
+      <p:sp>
+        <p:nvSpPr>
+          <p:cNvPr id="3" name="Content Placeholder 2">
+            <a:extLst>
+              <a:ext uri="{FF2B5EF4-FFF2-40B4-BE49-F238E27FC236}">
+                <a16:creationId xmlns:a16="http://schemas.microsoft.com/office/drawing/2014/main" xmlns="" id="{2172BA96-7811-6211-64D0-36261E25F414}"/>
+              </a:ext>
+            </a:extLst>
+          </p:cNvPr>
+          <p:cNvSpPr>
+            <a:spLocks noGrp="1"/>
+          </p:cNvSpPr>
+          <p:nvPr>
+            <p:ph idx="1"/>
+          </p:nvPr>
+        </p:nvSpPr>
+        <p:spPr/>
+        <p:txBody>
+          <a:bodyPr>
+            <a:normAutofit/>
+          </a:bodyPr>
+          <a:lstStyle/>
+          <a:p>
+            <a:pPr marL="0" indent="0">
+              <a:buNone/>
+            </a:pPr>
+            <a:endParaRPr lang="en-US" altLang="zh-CN" dirty="0" smtClean="0"/>
+          </a:p>
+          <a:p>
+            <a:r>
+              <a:rPr lang="en-US" altLang="zh-CN" dirty="0"/>
+              <a:t>We are more familiar with search algorithms and neural network </a:t>
+            </a:r>
+            <a:r>
+              <a:rPr lang="en-US" altLang="zh-CN" dirty="0" smtClean="0"/>
+              <a:t>training.</a:t>
+            </a:r>
+          </a:p>
+          <a:p>
+            <a:pPr marL="0" indent="0">
+              <a:buNone/>
+            </a:pPr>
+            <a:endParaRPr lang="en-US" altLang="zh-CN" dirty="0"/>
+          </a:p>
+          <a:p>
+            <a:r>
+              <a:rPr lang="en-US" altLang="zh-CN" dirty="0"/>
+              <a:t>In future, we may extend the front-end of this project to implement a graphical </a:t>
+            </a:r>
+            <a:r>
+              <a:rPr lang="en-US" altLang="zh-CN" dirty="0" smtClean="0"/>
+              <a:t>interface.</a:t>
+            </a:r>
+            <a:endParaRPr lang="en-US" altLang="zh-CN" dirty="0"/>
+          </a:p>
+          <a:p>
+            <a:endParaRPr lang="en-US" altLang="zh-CN" dirty="0"/>
+          </a:p>
+          <a:p>
+            <a:endParaRPr lang="zh-CN" altLang="en-US" sz="2000" dirty="0"/>
+          </a:p>
+        </p:txBody>
+      </p:sp>
+    </p:spTree>
+    <p:extLst>
+      <p:ext uri="{BB962C8B-B14F-4D97-AF65-F5344CB8AC3E}">
+        <p14:creationId xmlns:p14="http://schemas.microsoft.com/office/powerpoint/2010/main" val="3790711504"/>
       </p:ext>
     </p:extLst>
   </p:cSld>
@@ -3636,7 +3748,7 @@
           <p:cNvPr id="2" name="Title 1">
             <a:extLst>
               <a:ext uri="{FF2B5EF4-FFF2-40B4-BE49-F238E27FC236}">
-                <a16:creationId xmlns="" xmlns:a16="http://schemas.microsoft.com/office/drawing/2014/main" id="{4DF47EBD-9986-9EE8-38DC-5630B9E893C3}"/>
+                <a16:creationId xmlns:a16="http://schemas.microsoft.com/office/drawing/2014/main" xmlns="" id="{4DF47EBD-9986-9EE8-38DC-5630B9E893C3}"/>
               </a:ext>
             </a:extLst>
           </p:cNvPr>
@@ -3664,7 +3776,7 @@
           <p:cNvPr id="3" name="Content Placeholder 2">
             <a:extLst>
               <a:ext uri="{FF2B5EF4-FFF2-40B4-BE49-F238E27FC236}">
-                <a16:creationId xmlns="" xmlns:a16="http://schemas.microsoft.com/office/drawing/2014/main" id="{E7F6BBB8-AE51-5C67-E134-0C7290669A58}"/>
+                <a16:creationId xmlns:a16="http://schemas.microsoft.com/office/drawing/2014/main" xmlns="" id="{E7F6BBB8-AE51-5C67-E134-0C7290669A58}"/>
               </a:ext>
             </a:extLst>
           </p:cNvPr>
@@ -3735,7 +3847,7 @@
           <p:cNvPr id="2" name="Title 1">
             <a:extLst>
               <a:ext uri="{FF2B5EF4-FFF2-40B4-BE49-F238E27FC236}">
-                <a16:creationId xmlns="" xmlns:a16="http://schemas.microsoft.com/office/drawing/2014/main" id="{AAE1B1DB-B52E-A753-D0D7-B58CBB8E9166}"/>
+                <a16:creationId xmlns:a16="http://schemas.microsoft.com/office/drawing/2014/main" xmlns="" id="{AAE1B1DB-B52E-A753-D0D7-B58CBB8E9166}"/>
               </a:ext>
             </a:extLst>
           </p:cNvPr>
@@ -3764,7 +3876,7 @@
           <p:cNvPr id="3" name="Content Placeholder 2">
             <a:extLst>
               <a:ext uri="{FF2B5EF4-FFF2-40B4-BE49-F238E27FC236}">
-                <a16:creationId xmlns="" xmlns:a16="http://schemas.microsoft.com/office/drawing/2014/main" id="{3BB3D395-A7F5-F90E-8A66-C7B8058C9F07}"/>
+                <a16:creationId xmlns:a16="http://schemas.microsoft.com/office/drawing/2014/main" xmlns="" id="{3BB3D395-A7F5-F90E-8A66-C7B8058C9F07}"/>
               </a:ext>
             </a:extLst>
           </p:cNvPr>
@@ -3875,7 +3987,7 @@
           <p:cNvPr id="2" name="Title 1">
             <a:extLst>
               <a:ext uri="{FF2B5EF4-FFF2-40B4-BE49-F238E27FC236}">
-                <a16:creationId xmlns="" xmlns:a16="http://schemas.microsoft.com/office/drawing/2014/main" id="{FD1A3231-FA12-0F9C-FA50-405C85E3FC86}"/>
+                <a16:creationId xmlns:a16="http://schemas.microsoft.com/office/drawing/2014/main" xmlns="" id="{FD1A3231-FA12-0F9C-FA50-405C85E3FC86}"/>
               </a:ext>
             </a:extLst>
           </p:cNvPr>
@@ -3906,7 +4018,7 @@
               <p:cNvPr id="7" name="TextBox 6">
                 <a:extLst>
                   <a:ext uri="{FF2B5EF4-FFF2-40B4-BE49-F238E27FC236}">
-                    <a16:creationId xmlns="" xmlns:a16="http://schemas.microsoft.com/office/drawing/2014/main" id="{E8DD5CCB-EAED-66A9-B805-4A3D8E194302}"/>
+                    <a16:creationId xmlns:a16="http://schemas.microsoft.com/office/drawing/2014/main" xmlns="" id="{E8DD5CCB-EAED-66A9-B805-4A3D8E194302}"/>
                   </a:ext>
                 </a:extLst>
               </p:cNvPr>
@@ -4126,7 +4238,7 @@
               <p:cNvPr id="9" name="TextBox 8">
                 <a:extLst>
                   <a:ext uri="{FF2B5EF4-FFF2-40B4-BE49-F238E27FC236}">
-                    <a16:creationId xmlns="" xmlns:a16="http://schemas.microsoft.com/office/drawing/2014/main" id="{AD7E3E8A-802D-37F5-53A7-C7D431152B71}"/>
+                    <a16:creationId xmlns:a16="http://schemas.microsoft.com/office/drawing/2014/main" xmlns="" id="{AD7E3E8A-802D-37F5-53A7-C7D431152B71}"/>
                   </a:ext>
                 </a:extLst>
               </p:cNvPr>
@@ -4262,7 +4374,7 @@
               <p:cNvPr id="13" name="TextBox 12">
                 <a:extLst>
                   <a:ext uri="{FF2B5EF4-FFF2-40B4-BE49-F238E27FC236}">
-                    <a16:creationId xmlns="" xmlns:a16="http://schemas.microsoft.com/office/drawing/2014/main" id="{89013BA7-7C13-2837-CF93-70988D05833E}"/>
+                    <a16:creationId xmlns:a16="http://schemas.microsoft.com/office/drawing/2014/main" xmlns="" id="{89013BA7-7C13-2837-CF93-70988D05833E}"/>
                   </a:ext>
                 </a:extLst>
               </p:cNvPr>
@@ -4388,7 +4500,7 @@
           <p:cNvPr id="2" name="Title 1">
             <a:extLst>
               <a:ext uri="{FF2B5EF4-FFF2-40B4-BE49-F238E27FC236}">
-                <a16:creationId xmlns="" xmlns:a16="http://schemas.microsoft.com/office/drawing/2014/main" id="{728E5994-E4A9-A3D8-2A32-0DFE6ADFB364}"/>
+                <a16:creationId xmlns:a16="http://schemas.microsoft.com/office/drawing/2014/main" xmlns="" id="{728E5994-E4A9-A3D8-2A32-0DFE6ADFB364}"/>
               </a:ext>
             </a:extLst>
           </p:cNvPr>
@@ -4417,7 +4529,7 @@
           <p:cNvPr id="3" name="Content Placeholder 2">
             <a:extLst>
               <a:ext uri="{FF2B5EF4-FFF2-40B4-BE49-F238E27FC236}">
-                <a16:creationId xmlns="" xmlns:a16="http://schemas.microsoft.com/office/drawing/2014/main" id="{5668C2C1-B96A-9D61-BDD6-311398A9154F}"/>
+                <a16:creationId xmlns:a16="http://schemas.microsoft.com/office/drawing/2014/main" xmlns="" id="{5668C2C1-B96A-9D61-BDD6-311398A9154F}"/>
               </a:ext>
             </a:extLst>
           </p:cNvPr>
@@ -4496,7 +4608,7 @@
           <p:cNvPr id="2" name="Title 1">
             <a:extLst>
               <a:ext uri="{FF2B5EF4-FFF2-40B4-BE49-F238E27FC236}">
-                <a16:creationId xmlns="" xmlns:a16="http://schemas.microsoft.com/office/drawing/2014/main" id="{1981485B-15E7-AB28-9036-AD11C7BC615B}"/>
+                <a16:creationId xmlns:a16="http://schemas.microsoft.com/office/drawing/2014/main" xmlns="" id="{1981485B-15E7-AB28-9036-AD11C7BC615B}"/>
               </a:ext>
             </a:extLst>
           </p:cNvPr>
@@ -4525,7 +4637,7 @@
           <p:cNvPr id="3" name="Content Placeholder 2">
             <a:extLst>
               <a:ext uri="{FF2B5EF4-FFF2-40B4-BE49-F238E27FC236}">
-                <a16:creationId xmlns="" xmlns:a16="http://schemas.microsoft.com/office/drawing/2014/main" id="{B81259E5-EB32-E452-12B0-0F960BBDA302}"/>
+                <a16:creationId xmlns:a16="http://schemas.microsoft.com/office/drawing/2014/main" xmlns="" id="{B81259E5-EB32-E452-12B0-0F960BBDA302}"/>
               </a:ext>
             </a:extLst>
           </p:cNvPr>
@@ -4565,7 +4677,7 @@
           <p:cNvPr id="5" name="TextBox 4">
             <a:extLst>
               <a:ext uri="{FF2B5EF4-FFF2-40B4-BE49-F238E27FC236}">
-                <a16:creationId xmlns="" xmlns:a16="http://schemas.microsoft.com/office/drawing/2014/main" id="{56E20526-FC80-00FC-6495-1AC3A675BAAF}"/>
+                <a16:creationId xmlns:a16="http://schemas.microsoft.com/office/drawing/2014/main" xmlns="" id="{56E20526-FC80-00FC-6495-1AC3A675BAAF}"/>
               </a:ext>
             </a:extLst>
           </p:cNvPr>
@@ -4651,7 +4763,7 @@
           <p:cNvPr id="6" name="TextBox 5">
             <a:extLst>
               <a:ext uri="{FF2B5EF4-FFF2-40B4-BE49-F238E27FC236}">
-                <a16:creationId xmlns="" xmlns:a16="http://schemas.microsoft.com/office/drawing/2014/main" id="{AA0AE594-F5AE-AF01-D07E-1C79B7F68AAB}"/>
+                <a16:creationId xmlns:a16="http://schemas.microsoft.com/office/drawing/2014/main" xmlns="" id="{AA0AE594-F5AE-AF01-D07E-1C79B7F68AAB}"/>
               </a:ext>
             </a:extLst>
           </p:cNvPr>
@@ -4743,7 +4855,7 @@
           <p:cNvPr id="2" name="Title 1">
             <a:extLst>
               <a:ext uri="{FF2B5EF4-FFF2-40B4-BE49-F238E27FC236}">
-                <a16:creationId xmlns="" xmlns:a16="http://schemas.microsoft.com/office/drawing/2014/main" id="{E7E8EBE6-50F9-F39F-C767-388C5C2DDFF1}"/>
+                <a16:creationId xmlns:a16="http://schemas.microsoft.com/office/drawing/2014/main" xmlns="" id="{E7E8EBE6-50F9-F39F-C767-388C5C2DDFF1}"/>
               </a:ext>
             </a:extLst>
           </p:cNvPr>
@@ -4772,7 +4884,7 @@
           <p:cNvPr id="3" name="Content Placeholder 2">
             <a:extLst>
               <a:ext uri="{FF2B5EF4-FFF2-40B4-BE49-F238E27FC236}">
-                <a16:creationId xmlns="" xmlns:a16="http://schemas.microsoft.com/office/drawing/2014/main" id="{128D6421-5999-D286-21E9-F6AE49AB54DD}"/>
+                <a16:creationId xmlns:a16="http://schemas.microsoft.com/office/drawing/2014/main" xmlns="" id="{128D6421-5999-D286-21E9-F6AE49AB54DD}"/>
               </a:ext>
             </a:extLst>
           </p:cNvPr>
@@ -4808,7 +4920,7 @@
           <p:cNvPr id="6" name="TextBox 5">
             <a:extLst>
               <a:ext uri="{FF2B5EF4-FFF2-40B4-BE49-F238E27FC236}">
-                <a16:creationId xmlns="" xmlns:a16="http://schemas.microsoft.com/office/drawing/2014/main" id="{2B5390E4-F869-1222-6E18-431EE587D656}"/>
+                <a16:creationId xmlns:a16="http://schemas.microsoft.com/office/drawing/2014/main" xmlns="" id="{2B5390E4-F869-1222-6E18-431EE587D656}"/>
               </a:ext>
             </a:extLst>
           </p:cNvPr>
@@ -5478,7 +5590,7 @@
           <p:cNvPr id="7" name="TextBox 6">
             <a:extLst>
               <a:ext uri="{FF2B5EF4-FFF2-40B4-BE49-F238E27FC236}">
-                <a16:creationId xmlns="" xmlns:a16="http://schemas.microsoft.com/office/drawing/2014/main" id="{717BB41B-A497-2D7D-E667-AFA7268333E6}"/>
+                <a16:creationId xmlns:a16="http://schemas.microsoft.com/office/drawing/2014/main" xmlns="" id="{717BB41B-A497-2D7D-E667-AFA7268333E6}"/>
               </a:ext>
             </a:extLst>
           </p:cNvPr>
@@ -5621,7 +5733,7 @@
           <p:cNvPr id="5" name="TextBox 4">
             <a:extLst>
               <a:ext uri="{FF2B5EF4-FFF2-40B4-BE49-F238E27FC236}">
-                <a16:creationId xmlns="" xmlns:a16="http://schemas.microsoft.com/office/drawing/2014/main" id="{E70CE28A-8D01-7391-E83A-056028A53508}"/>
+                <a16:creationId xmlns:a16="http://schemas.microsoft.com/office/drawing/2014/main" xmlns="" id="{E70CE28A-8D01-7391-E83A-056028A53508}"/>
               </a:ext>
             </a:extLst>
           </p:cNvPr>
@@ -6394,7 +6506,7 @@
           <p:cNvPr id="9" name="Title 1">
             <a:extLst>
               <a:ext uri="{FF2B5EF4-FFF2-40B4-BE49-F238E27FC236}">
-                <a16:creationId xmlns="" xmlns:a16="http://schemas.microsoft.com/office/drawing/2014/main" id="{682FF2EF-30C7-0480-213A-3AC9339F8F39}"/>
+                <a16:creationId xmlns:a16="http://schemas.microsoft.com/office/drawing/2014/main" xmlns="" id="{682FF2EF-30C7-0480-213A-3AC9339F8F39}"/>
               </a:ext>
             </a:extLst>
           </p:cNvPr>
@@ -6428,7 +6540,7 @@
           <p:cNvPr id="10" name="Content Placeholder 2">
             <a:extLst>
               <a:ext uri="{FF2B5EF4-FFF2-40B4-BE49-F238E27FC236}">
-                <a16:creationId xmlns="" xmlns:a16="http://schemas.microsoft.com/office/drawing/2014/main" id="{DAF7AD61-6A80-876A-E605-9669BAF11DA7}"/>
+                <a16:creationId xmlns:a16="http://schemas.microsoft.com/office/drawing/2014/main" xmlns="" id="{DAF7AD61-6A80-876A-E605-9669BAF11DA7}"/>
               </a:ext>
             </a:extLst>
           </p:cNvPr>
@@ -6464,7 +6576,7 @@
           <p:cNvPr id="12" name="TextBox 11">
             <a:extLst>
               <a:ext uri="{FF2B5EF4-FFF2-40B4-BE49-F238E27FC236}">
-                <a16:creationId xmlns="" xmlns:a16="http://schemas.microsoft.com/office/drawing/2014/main" id="{599EA743-19A7-BC85-6CD0-9AB794942424}"/>
+                <a16:creationId xmlns:a16="http://schemas.microsoft.com/office/drawing/2014/main" xmlns="" id="{599EA743-19A7-BC85-6CD0-9AB794942424}"/>
               </a:ext>
             </a:extLst>
           </p:cNvPr>
@@ -6607,7 +6719,7 @@
           <p:cNvPr id="5" name="TextBox 4">
             <a:extLst>
               <a:ext uri="{FF2B5EF4-FFF2-40B4-BE49-F238E27FC236}">
-                <a16:creationId xmlns="" xmlns:a16="http://schemas.microsoft.com/office/drawing/2014/main" id="{E70CE28A-8D01-7391-E83A-056028A53508}"/>
+                <a16:creationId xmlns:a16="http://schemas.microsoft.com/office/drawing/2014/main" xmlns="" id="{E70CE28A-8D01-7391-E83A-056028A53508}"/>
               </a:ext>
             </a:extLst>
           </p:cNvPr>
@@ -7201,7 +7313,7 @@
           <p:cNvPr id="9" name="Title 1">
             <a:extLst>
               <a:ext uri="{FF2B5EF4-FFF2-40B4-BE49-F238E27FC236}">
-                <a16:creationId xmlns="" xmlns:a16="http://schemas.microsoft.com/office/drawing/2014/main" id="{682FF2EF-30C7-0480-213A-3AC9339F8F39}"/>
+                <a16:creationId xmlns:a16="http://schemas.microsoft.com/office/drawing/2014/main" xmlns="" id="{682FF2EF-30C7-0480-213A-3AC9339F8F39}"/>
               </a:ext>
             </a:extLst>
           </p:cNvPr>
@@ -7235,7 +7347,7 @@
           <p:cNvPr id="10" name="Content Placeholder 2">
             <a:extLst>
               <a:ext uri="{FF2B5EF4-FFF2-40B4-BE49-F238E27FC236}">
-                <a16:creationId xmlns="" xmlns:a16="http://schemas.microsoft.com/office/drawing/2014/main" id="{DAF7AD61-6A80-876A-E605-9669BAF11DA7}"/>
+                <a16:creationId xmlns:a16="http://schemas.microsoft.com/office/drawing/2014/main" xmlns="" id="{DAF7AD61-6A80-876A-E605-9669BAF11DA7}"/>
               </a:ext>
             </a:extLst>
           </p:cNvPr>
@@ -7271,7 +7383,7 @@
           <p:cNvPr id="11" name="TextBox 10">
             <a:extLst>
               <a:ext uri="{FF2B5EF4-FFF2-40B4-BE49-F238E27FC236}">
-                <a16:creationId xmlns="" xmlns:a16="http://schemas.microsoft.com/office/drawing/2014/main" id="{AF267141-9D47-0744-D31C-1071121E554B}"/>
+                <a16:creationId xmlns:a16="http://schemas.microsoft.com/office/drawing/2014/main" xmlns="" id="{AF267141-9D47-0744-D31C-1071121E554B}"/>
               </a:ext>
             </a:extLst>
           </p:cNvPr>
